--- a/0218SocketTest_Design2/SocketTest2.pptx
+++ b/0218SocketTest_Design2/SocketTest2.pptx
@@ -5,7 +5,7 @@
     <p:sldMasterId id="2147483648" r:id="rId1"/>
   </p:sldMasterIdLst>
   <p:notesMasterIdLst>
-    <p:notesMasterId r:id="rId8"/>
+    <p:notesMasterId r:id="rId9"/>
   </p:notesMasterIdLst>
   <p:sldIdLst>
     <p:sldId id="275" r:id="rId2"/>
@@ -13,7 +13,8 @@
     <p:sldId id="276" r:id="rId4"/>
     <p:sldId id="278" r:id="rId5"/>
     <p:sldId id="277" r:id="rId6"/>
-    <p:sldId id="279" r:id="rId7"/>
+    <p:sldId id="280" r:id="rId7"/>
+    <p:sldId id="279" r:id="rId8"/>
   </p:sldIdLst>
   <p:sldSz cx="14401800" cy="9001125"/>
   <p:notesSz cx="6858000" cy="9144000"/>
@@ -624,7 +625,7 @@
             <a:fld id="{573BDD45-33EC-43B3-AE61-CEFB0DE2D4C8}" type="slidenum">
               <a:rPr lang="ko-KR" altLang="en-US" smtClean="0"/>
               <a:pPr/>
-              <a:t>6</a:t>
+              <a:t>7</a:t>
             </a:fld>
             <a:endParaRPr lang="ko-KR" altLang="en-US"/>
           </a:p>
@@ -3795,8 +3796,8 @@
         </p:nvSpPr>
         <p:spPr>
           <a:xfrm rot="10800000" flipV="1">
-            <a:off x="9723360" y="1567979"/>
-            <a:ext cx="2664296" cy="1454101"/>
+            <a:off x="4716787" y="3538422"/>
+            <a:ext cx="2063182" cy="1454101"/>
           </a:xfrm>
           <a:prstGeom prst="rect">
             <a:avLst/>
@@ -3934,7 +3935,7 @@
         </p:nvSpPr>
         <p:spPr>
           <a:xfrm>
-            <a:off x="10137482" y="1260202"/>
+            <a:off x="4831622" y="3230645"/>
             <a:ext cx="1965923" cy="235962"/>
           </a:xfrm>
           <a:prstGeom prst="rect">
@@ -3963,8 +3964,8 @@
         </p:nvSpPr>
         <p:spPr>
           <a:xfrm rot="10800000" flipV="1">
-            <a:off x="6552401" y="3420440"/>
-            <a:ext cx="2733696" cy="1764196"/>
+            <a:off x="6915476" y="1567979"/>
+            <a:ext cx="2733696" cy="1427816"/>
           </a:xfrm>
           <a:prstGeom prst="rect">
             <a:avLst/>
@@ -4102,7 +4103,7 @@
         </p:nvSpPr>
         <p:spPr>
           <a:xfrm>
-            <a:off x="6654992" y="3112663"/>
+            <a:off x="7018067" y="1332210"/>
             <a:ext cx="2528513" cy="235962"/>
           </a:xfrm>
           <a:prstGeom prst="rect">
@@ -4132,8 +4133,8 @@
         </p:nvSpPr>
         <p:spPr>
           <a:xfrm rot="10800000" flipV="1">
-            <a:off x="9723360" y="3420440"/>
-            <a:ext cx="2733696" cy="1764196"/>
+            <a:off x="6915476" y="3564708"/>
+            <a:ext cx="2733696" cy="1427816"/>
           </a:xfrm>
           <a:prstGeom prst="rect">
             <a:avLst/>
@@ -4271,8 +4272,8 @@
         </p:nvSpPr>
         <p:spPr>
           <a:xfrm>
-            <a:off x="9651351" y="3096404"/>
-            <a:ext cx="3741809" cy="235962"/>
+            <a:off x="6843467" y="3132410"/>
+            <a:ext cx="3310189" cy="379591"/>
           </a:xfrm>
           <a:prstGeom prst="rect">
             <a:avLst/>
@@ -4286,7 +4287,34 @@
           <a:p>
             <a:r>
               <a:rPr lang="en-US" altLang="ko-KR" baseline="-25000" smtClean="0"/>
-              <a:t>SendPressedKey(aTag : Integer; const aStr : String; aKey : Char)</a:t>
+              <a:t>SendPressedKey(aTag : </a:t>
+            </a:r>
+            <a:r>
+              <a:rPr lang="en-US" altLang="ko-KR" baseline="-25000" smtClean="0"/>
+              <a:t>Int; </a:t>
+            </a:r>
+            <a:r>
+              <a:rPr lang="en-US" altLang="ko-KR" baseline="-25000" smtClean="0"/>
+              <a:t>const </a:t>
+            </a:r>
+            <a:endParaRPr lang="en-US" altLang="ko-KR" baseline="-25000" smtClean="0"/>
+          </a:p>
+          <a:p>
+            <a:r>
+              <a:rPr lang="en-US" altLang="ko-KR" baseline="-25000" smtClean="0"/>
+              <a:t> </a:t>
+            </a:r>
+            <a:r>
+              <a:rPr lang="en-US" altLang="ko-KR" baseline="-25000" smtClean="0"/>
+              <a:t>                      </a:t>
+            </a:r>
+            <a:r>
+              <a:rPr lang="en-US" altLang="ko-KR" baseline="-25000" smtClean="0"/>
+              <a:t>aStr </a:t>
+            </a:r>
+            <a:r>
+              <a:rPr lang="en-US" altLang="ko-KR" baseline="-25000" smtClean="0"/>
+              <a:t>: String; aKey : Char)</a:t>
             </a:r>
             <a:endParaRPr lang="ko-KR" altLang="en-US" baseline="-25000"/>
           </a:p>
@@ -4300,8 +4328,8 @@
         </p:nvSpPr>
         <p:spPr>
           <a:xfrm rot="10800000" flipV="1">
-            <a:off x="3456485" y="3420441"/>
-            <a:ext cx="2664296" cy="1764196"/>
+            <a:off x="2610630" y="3420441"/>
+            <a:ext cx="1872207" cy="1764196"/>
           </a:xfrm>
           <a:prstGeom prst="rect">
             <a:avLst/>
@@ -4439,7 +4467,7 @@
         </p:nvSpPr>
         <p:spPr>
           <a:xfrm>
-            <a:off x="3820306" y="3112664"/>
+            <a:off x="2606847" y="3112664"/>
             <a:ext cx="2020006" cy="235962"/>
           </a:xfrm>
           <a:prstGeom prst="rect">
@@ -4468,8 +4496,8 @@
         </p:nvSpPr>
         <p:spPr>
           <a:xfrm rot="10800000" flipV="1">
-            <a:off x="6552401" y="5616684"/>
-            <a:ext cx="2733696" cy="1764196"/>
+            <a:off x="4680621" y="5616684"/>
+            <a:ext cx="2116924" cy="1764196"/>
           </a:xfrm>
           <a:prstGeom prst="rect">
             <a:avLst/>
@@ -4607,7 +4635,7 @@
         </p:nvSpPr>
         <p:spPr>
           <a:xfrm>
-            <a:off x="7272480" y="5308907"/>
+            <a:off x="5092314" y="5308907"/>
             <a:ext cx="1132811" cy="235962"/>
           </a:xfrm>
           <a:prstGeom prst="rect">
@@ -4636,7 +4664,7 @@
         </p:nvSpPr>
         <p:spPr>
           <a:xfrm rot="10800000" flipV="1">
-            <a:off x="9723360" y="5616685"/>
+            <a:off x="6915476" y="5616685"/>
             <a:ext cx="2733696" cy="1764196"/>
           </a:xfrm>
           <a:prstGeom prst="rect">
@@ -4775,8 +4803,8 @@
         </p:nvSpPr>
         <p:spPr>
           <a:xfrm>
-            <a:off x="9648744" y="5308907"/>
-            <a:ext cx="4009239" cy="235962"/>
+            <a:off x="6840860" y="5148634"/>
+            <a:ext cx="3064622" cy="379591"/>
           </a:xfrm>
           <a:prstGeom prst="rect">
             <a:avLst/>
@@ -4790,7 +4818,26 @@
           <a:p>
             <a:r>
               <a:rPr lang="en-US" altLang="ko-KR" baseline="-25000" smtClean="0"/>
-              <a:t>ServerSocketClientRead(Sender : TObject; Socket : TCustomWinSocket)</a:t>
+              <a:t>ServerSocketClientRead(Sender : TObject; </a:t>
+            </a:r>
+            <a:endParaRPr lang="en-US" altLang="ko-KR" baseline="-25000" smtClean="0"/>
+          </a:p>
+          <a:p>
+            <a:r>
+              <a:rPr lang="en-US" altLang="ko-KR" baseline="-25000" smtClean="0"/>
+              <a:t> </a:t>
+            </a:r>
+            <a:r>
+              <a:rPr lang="en-US" altLang="ko-KR" baseline="-25000" smtClean="0"/>
+              <a:t>                               </a:t>
+            </a:r>
+            <a:r>
+              <a:rPr lang="en-US" altLang="ko-KR" baseline="-25000" smtClean="0"/>
+              <a:t>Socket </a:t>
+            </a:r>
+            <a:r>
+              <a:rPr lang="en-US" altLang="ko-KR" baseline="-25000" smtClean="0"/>
+              <a:t>: TCustomWinSocket)</a:t>
             </a:r>
             <a:endParaRPr lang="ko-KR" altLang="en-US" baseline="-25000"/>
           </a:p>
@@ -4804,7 +4851,7 @@
         </p:nvSpPr>
         <p:spPr>
           <a:xfrm>
-            <a:off x="360140" y="1154508"/>
+            <a:off x="288132" y="828154"/>
             <a:ext cx="2448322" cy="2462213"/>
           </a:xfrm>
           <a:prstGeom prst="rect">
@@ -4821,7 +4868,6 @@
               <a:rPr lang="en-US" altLang="ko-KR" smtClean="0"/>
               <a:t>const</a:t>
             </a:r>
-            <a:endParaRPr lang="en-US" altLang="ko-KR" smtClean="0"/>
           </a:p>
           <a:p>
             <a:r>
@@ -4894,8 +4940,8 @@
         </p:nvSpPr>
         <p:spPr>
           <a:xfrm rot="10800000" flipV="1">
-            <a:off x="3456485" y="1584237"/>
-            <a:ext cx="2660086" cy="1440160"/>
+            <a:off x="2610630" y="1584237"/>
+            <a:ext cx="1869249" cy="1440160"/>
           </a:xfrm>
           <a:prstGeom prst="rect">
             <a:avLst/>
@@ -5033,8 +5079,8 @@
         </p:nvSpPr>
         <p:spPr>
           <a:xfrm rot="10800000" flipV="1">
-            <a:off x="6597666" y="1584237"/>
-            <a:ext cx="2665566" cy="1440161"/>
+            <a:off x="4716930" y="1584237"/>
+            <a:ext cx="2064166" cy="1440161"/>
           </a:xfrm>
           <a:prstGeom prst="rect">
             <a:avLst/>
@@ -5172,7 +5218,7 @@
         </p:nvSpPr>
         <p:spPr>
           <a:xfrm>
-            <a:off x="3805847" y="1279695"/>
+            <a:off x="2592388" y="1279695"/>
             <a:ext cx="1965923" cy="235962"/>
           </a:xfrm>
           <a:prstGeom prst="rect">
@@ -5201,7 +5247,7 @@
         </p:nvSpPr>
         <p:spPr>
           <a:xfrm>
-            <a:off x="6953614" y="1279695"/>
+            <a:off x="4773448" y="1279695"/>
             <a:ext cx="1965923" cy="235962"/>
           </a:xfrm>
           <a:prstGeom prst="rect">
@@ -5230,8 +5276,8 @@
         </p:nvSpPr>
         <p:spPr>
           <a:xfrm rot="10800000" flipV="1">
-            <a:off x="504156" y="5616684"/>
-            <a:ext cx="2733696" cy="1764196"/>
+            <a:off x="288132" y="5616686"/>
+            <a:ext cx="1747338" cy="1764196"/>
           </a:xfrm>
           <a:prstGeom prst="rect">
             <a:avLst/>
@@ -5369,7 +5415,7 @@
         </p:nvSpPr>
         <p:spPr>
           <a:xfrm>
-            <a:off x="1224236" y="5308907"/>
+            <a:off x="288132" y="5308907"/>
             <a:ext cx="1747338" cy="235962"/>
           </a:xfrm>
           <a:prstGeom prst="rect">
@@ -5398,8 +5444,8 @@
         </p:nvSpPr>
         <p:spPr>
           <a:xfrm rot="10800000" flipV="1">
-            <a:off x="3456485" y="5616684"/>
-            <a:ext cx="2664296" cy="1764196"/>
+            <a:off x="2610630" y="5616684"/>
+            <a:ext cx="1872207" cy="1764196"/>
           </a:xfrm>
           <a:prstGeom prst="rect">
             <a:avLst/>
@@ -5537,7 +5583,7 @@
         </p:nvSpPr>
         <p:spPr>
           <a:xfrm>
-            <a:off x="3945115" y="5308907"/>
+            <a:off x="2731656" y="5308907"/>
             <a:ext cx="1815625" cy="235962"/>
           </a:xfrm>
           <a:prstGeom prst="rect">
@@ -5553,6 +5599,529 @@
             <a:r>
               <a:rPr lang="en-US" altLang="ko-KR" baseline="-25000" smtClean="0"/>
               <a:t>FormDestroy(Sender: TObject)</a:t>
+            </a:r>
+            <a:endParaRPr lang="ko-KR" altLang="en-US" baseline="-25000"/>
+          </a:p>
+        </p:txBody>
+      </p:sp>
+      <p:sp>
+        <p:nvSpPr>
+          <p:cNvPr id="32" name="직사각형 31"/>
+          <p:cNvSpPr/>
+          <p:nvPr/>
+        </p:nvSpPr>
+        <p:spPr>
+          <a:xfrm rot="10800000" flipV="1">
+            <a:off x="229839" y="3528454"/>
+            <a:ext cx="1805632" cy="1764196"/>
+          </a:xfrm>
+          <a:prstGeom prst="rect">
+            <a:avLst/>
+          </a:prstGeom>
+          <a:noFill/>
+        </p:spPr>
+        <p:style>
+          <a:lnRef idx="2">
+            <a:schemeClr val="accent1">
+              <a:shade val="50000"/>
+            </a:schemeClr>
+          </a:lnRef>
+          <a:fillRef idx="1">
+            <a:schemeClr val="accent1"/>
+          </a:fillRef>
+          <a:effectRef idx="0">
+            <a:schemeClr val="accent1"/>
+          </a:effectRef>
+          <a:fontRef idx="minor">
+            <a:schemeClr val="lt1"/>
+          </a:fontRef>
+        </p:style>
+        <p:txBody>
+          <a:bodyPr lIns="0" tIns="0" rIns="0" bIns="0" rtlCol="0" anchor="ctr"/>
+          <a:lstStyle>
+            <a:defPPr>
+              <a:defRPr lang="ko-KR"/>
+            </a:defPPr>
+            <a:lvl1pPr marL="0" algn="l" defTabSz="914400" rtl="0" eaLnBrk="1" latinLnBrk="1" hangingPunct="1">
+              <a:defRPr sz="1800" kern="1200">
+                <a:solidFill>
+                  <a:schemeClr val="lt1"/>
+                </a:solidFill>
+                <a:latin typeface="+mn-lt"/>
+                <a:ea typeface="+mn-ea"/>
+                <a:cs typeface="+mn-cs"/>
+              </a:defRPr>
+            </a:lvl1pPr>
+            <a:lvl2pPr marL="457200" algn="l" defTabSz="914400" rtl="0" eaLnBrk="1" latinLnBrk="1" hangingPunct="1">
+              <a:defRPr sz="1800" kern="1200">
+                <a:solidFill>
+                  <a:schemeClr val="lt1"/>
+                </a:solidFill>
+                <a:latin typeface="+mn-lt"/>
+                <a:ea typeface="+mn-ea"/>
+                <a:cs typeface="+mn-cs"/>
+              </a:defRPr>
+            </a:lvl2pPr>
+            <a:lvl3pPr marL="914400" algn="l" defTabSz="914400" rtl="0" eaLnBrk="1" latinLnBrk="1" hangingPunct="1">
+              <a:defRPr sz="1800" kern="1200">
+                <a:solidFill>
+                  <a:schemeClr val="lt1"/>
+                </a:solidFill>
+                <a:latin typeface="+mn-lt"/>
+                <a:ea typeface="+mn-ea"/>
+                <a:cs typeface="+mn-cs"/>
+              </a:defRPr>
+            </a:lvl3pPr>
+            <a:lvl4pPr marL="1371600" algn="l" defTabSz="914400" rtl="0" eaLnBrk="1" latinLnBrk="1" hangingPunct="1">
+              <a:defRPr sz="1800" kern="1200">
+                <a:solidFill>
+                  <a:schemeClr val="lt1"/>
+                </a:solidFill>
+                <a:latin typeface="+mn-lt"/>
+                <a:ea typeface="+mn-ea"/>
+                <a:cs typeface="+mn-cs"/>
+              </a:defRPr>
+            </a:lvl4pPr>
+            <a:lvl5pPr marL="1828800" algn="l" defTabSz="914400" rtl="0" eaLnBrk="1" latinLnBrk="1" hangingPunct="1">
+              <a:defRPr sz="1800" kern="1200">
+                <a:solidFill>
+                  <a:schemeClr val="lt1"/>
+                </a:solidFill>
+                <a:latin typeface="+mn-lt"/>
+                <a:ea typeface="+mn-ea"/>
+                <a:cs typeface="+mn-cs"/>
+              </a:defRPr>
+            </a:lvl5pPr>
+            <a:lvl6pPr marL="2286000" algn="l" defTabSz="914400" rtl="0" eaLnBrk="1" latinLnBrk="1" hangingPunct="1">
+              <a:defRPr sz="1800" kern="1200">
+                <a:solidFill>
+                  <a:schemeClr val="lt1"/>
+                </a:solidFill>
+                <a:latin typeface="+mn-lt"/>
+                <a:ea typeface="+mn-ea"/>
+                <a:cs typeface="+mn-cs"/>
+              </a:defRPr>
+            </a:lvl6pPr>
+            <a:lvl7pPr marL="2743200" algn="l" defTabSz="914400" rtl="0" eaLnBrk="1" latinLnBrk="1" hangingPunct="1">
+              <a:defRPr sz="1800" kern="1200">
+                <a:solidFill>
+                  <a:schemeClr val="lt1"/>
+                </a:solidFill>
+                <a:latin typeface="+mn-lt"/>
+                <a:ea typeface="+mn-ea"/>
+                <a:cs typeface="+mn-cs"/>
+              </a:defRPr>
+            </a:lvl7pPr>
+            <a:lvl8pPr marL="3200400" algn="l" defTabSz="914400" rtl="0" eaLnBrk="1" latinLnBrk="1" hangingPunct="1">
+              <a:defRPr sz="1800" kern="1200">
+                <a:solidFill>
+                  <a:schemeClr val="lt1"/>
+                </a:solidFill>
+                <a:latin typeface="+mn-lt"/>
+                <a:ea typeface="+mn-ea"/>
+                <a:cs typeface="+mn-cs"/>
+              </a:defRPr>
+            </a:lvl8pPr>
+            <a:lvl9pPr marL="3657600" algn="l" defTabSz="914400" rtl="0" eaLnBrk="1" latinLnBrk="1" hangingPunct="1">
+              <a:defRPr sz="1800" kern="1200">
+                <a:solidFill>
+                  <a:schemeClr val="lt1"/>
+                </a:solidFill>
+                <a:latin typeface="+mn-lt"/>
+                <a:ea typeface="+mn-ea"/>
+                <a:cs typeface="+mn-cs"/>
+              </a:defRPr>
+            </a:lvl9pPr>
+          </a:lstStyle>
+          <a:p>
+            <a:pPr algn="ctr"/>
+            <a:endParaRPr lang="en-US" altLang="ko-KR" sz="800" smtClean="0">
+              <a:solidFill>
+                <a:schemeClr val="tx1"/>
+              </a:solidFill>
+            </a:endParaRPr>
+          </a:p>
+        </p:txBody>
+      </p:sp>
+      <p:sp>
+        <p:nvSpPr>
+          <p:cNvPr id="33" name="직사각형 32"/>
+          <p:cNvSpPr/>
+          <p:nvPr/>
+        </p:nvSpPr>
+        <p:spPr>
+          <a:xfrm>
+            <a:off x="144116" y="3292492"/>
+            <a:ext cx="1299876" cy="235962"/>
+          </a:xfrm>
+          <a:prstGeom prst="rect">
+            <a:avLst/>
+          </a:prstGeom>
+        </p:spPr>
+        <p:txBody>
+          <a:bodyPr wrap="square">
+            <a:spAutoFit/>
+          </a:bodyPr>
+          <a:lstStyle/>
+          <a:p>
+            <a:r>
+              <a:rPr lang="en-US" altLang="ko-KR" baseline="-25000" smtClean="0"/>
+              <a:t>SvrCheckedUpdate</a:t>
+            </a:r>
+            <a:endParaRPr lang="ko-KR" altLang="en-US" baseline="-25000"/>
+          </a:p>
+        </p:txBody>
+      </p:sp>
+      <p:sp>
+        <p:nvSpPr>
+          <p:cNvPr id="34" name="직사각형 33"/>
+          <p:cNvSpPr/>
+          <p:nvPr/>
+        </p:nvSpPr>
+        <p:spPr>
+          <a:xfrm rot="10800000" flipV="1">
+            <a:off x="10081220" y="1567979"/>
+            <a:ext cx="2733696" cy="1427816"/>
+          </a:xfrm>
+          <a:prstGeom prst="rect">
+            <a:avLst/>
+          </a:prstGeom>
+          <a:noFill/>
+        </p:spPr>
+        <p:style>
+          <a:lnRef idx="2">
+            <a:schemeClr val="accent1">
+              <a:shade val="50000"/>
+            </a:schemeClr>
+          </a:lnRef>
+          <a:fillRef idx="1">
+            <a:schemeClr val="accent1"/>
+          </a:fillRef>
+          <a:effectRef idx="0">
+            <a:schemeClr val="accent1"/>
+          </a:effectRef>
+          <a:fontRef idx="minor">
+            <a:schemeClr val="lt1"/>
+          </a:fontRef>
+        </p:style>
+        <p:txBody>
+          <a:bodyPr lIns="0" tIns="0" rIns="0" bIns="0" rtlCol="0" anchor="ctr"/>
+          <a:lstStyle>
+            <a:defPPr>
+              <a:defRPr lang="ko-KR"/>
+            </a:defPPr>
+            <a:lvl1pPr marL="0" algn="l" defTabSz="914400" rtl="0" eaLnBrk="1" latinLnBrk="1" hangingPunct="1">
+              <a:defRPr sz="1800" kern="1200">
+                <a:solidFill>
+                  <a:schemeClr val="lt1"/>
+                </a:solidFill>
+                <a:latin typeface="+mn-lt"/>
+                <a:ea typeface="+mn-ea"/>
+                <a:cs typeface="+mn-cs"/>
+              </a:defRPr>
+            </a:lvl1pPr>
+            <a:lvl2pPr marL="457200" algn="l" defTabSz="914400" rtl="0" eaLnBrk="1" latinLnBrk="1" hangingPunct="1">
+              <a:defRPr sz="1800" kern="1200">
+                <a:solidFill>
+                  <a:schemeClr val="lt1"/>
+                </a:solidFill>
+                <a:latin typeface="+mn-lt"/>
+                <a:ea typeface="+mn-ea"/>
+                <a:cs typeface="+mn-cs"/>
+              </a:defRPr>
+            </a:lvl2pPr>
+            <a:lvl3pPr marL="914400" algn="l" defTabSz="914400" rtl="0" eaLnBrk="1" latinLnBrk="1" hangingPunct="1">
+              <a:defRPr sz="1800" kern="1200">
+                <a:solidFill>
+                  <a:schemeClr val="lt1"/>
+                </a:solidFill>
+                <a:latin typeface="+mn-lt"/>
+                <a:ea typeface="+mn-ea"/>
+                <a:cs typeface="+mn-cs"/>
+              </a:defRPr>
+            </a:lvl3pPr>
+            <a:lvl4pPr marL="1371600" algn="l" defTabSz="914400" rtl="0" eaLnBrk="1" latinLnBrk="1" hangingPunct="1">
+              <a:defRPr sz="1800" kern="1200">
+                <a:solidFill>
+                  <a:schemeClr val="lt1"/>
+                </a:solidFill>
+                <a:latin typeface="+mn-lt"/>
+                <a:ea typeface="+mn-ea"/>
+                <a:cs typeface="+mn-cs"/>
+              </a:defRPr>
+            </a:lvl4pPr>
+            <a:lvl5pPr marL="1828800" algn="l" defTabSz="914400" rtl="0" eaLnBrk="1" latinLnBrk="1" hangingPunct="1">
+              <a:defRPr sz="1800" kern="1200">
+                <a:solidFill>
+                  <a:schemeClr val="lt1"/>
+                </a:solidFill>
+                <a:latin typeface="+mn-lt"/>
+                <a:ea typeface="+mn-ea"/>
+                <a:cs typeface="+mn-cs"/>
+              </a:defRPr>
+            </a:lvl5pPr>
+            <a:lvl6pPr marL="2286000" algn="l" defTabSz="914400" rtl="0" eaLnBrk="1" latinLnBrk="1" hangingPunct="1">
+              <a:defRPr sz="1800" kern="1200">
+                <a:solidFill>
+                  <a:schemeClr val="lt1"/>
+                </a:solidFill>
+                <a:latin typeface="+mn-lt"/>
+                <a:ea typeface="+mn-ea"/>
+                <a:cs typeface="+mn-cs"/>
+              </a:defRPr>
+            </a:lvl6pPr>
+            <a:lvl7pPr marL="2743200" algn="l" defTabSz="914400" rtl="0" eaLnBrk="1" latinLnBrk="1" hangingPunct="1">
+              <a:defRPr sz="1800" kern="1200">
+                <a:solidFill>
+                  <a:schemeClr val="lt1"/>
+                </a:solidFill>
+                <a:latin typeface="+mn-lt"/>
+                <a:ea typeface="+mn-ea"/>
+                <a:cs typeface="+mn-cs"/>
+              </a:defRPr>
+            </a:lvl7pPr>
+            <a:lvl8pPr marL="3200400" algn="l" defTabSz="914400" rtl="0" eaLnBrk="1" latinLnBrk="1" hangingPunct="1">
+              <a:defRPr sz="1800" kern="1200">
+                <a:solidFill>
+                  <a:schemeClr val="lt1"/>
+                </a:solidFill>
+                <a:latin typeface="+mn-lt"/>
+                <a:ea typeface="+mn-ea"/>
+                <a:cs typeface="+mn-cs"/>
+              </a:defRPr>
+            </a:lvl8pPr>
+            <a:lvl9pPr marL="3657600" algn="l" defTabSz="914400" rtl="0" eaLnBrk="1" latinLnBrk="1" hangingPunct="1">
+              <a:defRPr sz="1800" kern="1200">
+                <a:solidFill>
+                  <a:schemeClr val="lt1"/>
+                </a:solidFill>
+                <a:latin typeface="+mn-lt"/>
+                <a:ea typeface="+mn-ea"/>
+                <a:cs typeface="+mn-cs"/>
+              </a:defRPr>
+            </a:lvl9pPr>
+          </a:lstStyle>
+          <a:p>
+            <a:pPr algn="ctr"/>
+            <a:endParaRPr lang="en-US" altLang="ko-KR" sz="800" smtClean="0">
+              <a:solidFill>
+                <a:schemeClr val="tx1"/>
+              </a:solidFill>
+            </a:endParaRPr>
+          </a:p>
+        </p:txBody>
+      </p:sp>
+      <p:sp>
+        <p:nvSpPr>
+          <p:cNvPr id="35" name="직사각형 34"/>
+          <p:cNvSpPr/>
+          <p:nvPr/>
+        </p:nvSpPr>
+        <p:spPr>
+          <a:xfrm>
+            <a:off x="9905482" y="1204646"/>
+            <a:ext cx="3106300" cy="379591"/>
+          </a:xfrm>
+          <a:prstGeom prst="rect">
+            <a:avLst/>
+          </a:prstGeom>
+        </p:spPr>
+        <p:txBody>
+          <a:bodyPr wrap="none">
+            <a:spAutoFit/>
+          </a:bodyPr>
+          <a:lstStyle/>
+          <a:p>
+            <a:r>
+              <a:rPr lang="en-US" altLang="ko-KR" baseline="-25000" smtClean="0"/>
+              <a:t>ServerSocketClientRead(Sender : TObject</a:t>
+            </a:r>
+            <a:r>
+              <a:rPr lang="en-US" altLang="ko-KR" baseline="-25000" smtClean="0"/>
+              <a:t>; </a:t>
+            </a:r>
+            <a:endParaRPr lang="en-US" altLang="ko-KR" baseline="-25000" smtClean="0"/>
+          </a:p>
+          <a:p>
+            <a:r>
+              <a:rPr lang="en-US" altLang="ko-KR" baseline="-25000" smtClean="0"/>
+              <a:t> </a:t>
+            </a:r>
+            <a:r>
+              <a:rPr lang="en-US" altLang="ko-KR" baseline="-25000" smtClean="0"/>
+              <a:t>                               Socket </a:t>
+            </a:r>
+            <a:r>
+              <a:rPr lang="en-US" altLang="ko-KR" baseline="-25000" smtClean="0"/>
+              <a:t>: TCustomWinSocket)</a:t>
+            </a:r>
+            <a:endParaRPr lang="ko-KR" altLang="en-US" baseline="-25000"/>
+          </a:p>
+        </p:txBody>
+      </p:sp>
+      <p:sp>
+        <p:nvSpPr>
+          <p:cNvPr id="36" name="직사각형 35"/>
+          <p:cNvSpPr/>
+          <p:nvPr/>
+        </p:nvSpPr>
+        <p:spPr>
+          <a:xfrm rot="10800000" flipV="1">
+            <a:off x="10081220" y="3653700"/>
+            <a:ext cx="2733696" cy="1427816"/>
+          </a:xfrm>
+          <a:prstGeom prst="rect">
+            <a:avLst/>
+          </a:prstGeom>
+          <a:noFill/>
+        </p:spPr>
+        <p:style>
+          <a:lnRef idx="2">
+            <a:schemeClr val="accent1">
+              <a:shade val="50000"/>
+            </a:schemeClr>
+          </a:lnRef>
+          <a:fillRef idx="1">
+            <a:schemeClr val="accent1"/>
+          </a:fillRef>
+          <a:effectRef idx="0">
+            <a:schemeClr val="accent1"/>
+          </a:effectRef>
+          <a:fontRef idx="minor">
+            <a:schemeClr val="lt1"/>
+          </a:fontRef>
+        </p:style>
+        <p:txBody>
+          <a:bodyPr lIns="0" tIns="0" rIns="0" bIns="0" rtlCol="0" anchor="ctr"/>
+          <a:lstStyle>
+            <a:defPPr>
+              <a:defRPr lang="ko-KR"/>
+            </a:defPPr>
+            <a:lvl1pPr marL="0" algn="l" defTabSz="914400" rtl="0" eaLnBrk="1" latinLnBrk="1" hangingPunct="1">
+              <a:defRPr sz="1800" kern="1200">
+                <a:solidFill>
+                  <a:schemeClr val="lt1"/>
+                </a:solidFill>
+                <a:latin typeface="+mn-lt"/>
+                <a:ea typeface="+mn-ea"/>
+                <a:cs typeface="+mn-cs"/>
+              </a:defRPr>
+            </a:lvl1pPr>
+            <a:lvl2pPr marL="457200" algn="l" defTabSz="914400" rtl="0" eaLnBrk="1" latinLnBrk="1" hangingPunct="1">
+              <a:defRPr sz="1800" kern="1200">
+                <a:solidFill>
+                  <a:schemeClr val="lt1"/>
+                </a:solidFill>
+                <a:latin typeface="+mn-lt"/>
+                <a:ea typeface="+mn-ea"/>
+                <a:cs typeface="+mn-cs"/>
+              </a:defRPr>
+            </a:lvl2pPr>
+            <a:lvl3pPr marL="914400" algn="l" defTabSz="914400" rtl="0" eaLnBrk="1" latinLnBrk="1" hangingPunct="1">
+              <a:defRPr sz="1800" kern="1200">
+                <a:solidFill>
+                  <a:schemeClr val="lt1"/>
+                </a:solidFill>
+                <a:latin typeface="+mn-lt"/>
+                <a:ea typeface="+mn-ea"/>
+                <a:cs typeface="+mn-cs"/>
+              </a:defRPr>
+            </a:lvl3pPr>
+            <a:lvl4pPr marL="1371600" algn="l" defTabSz="914400" rtl="0" eaLnBrk="1" latinLnBrk="1" hangingPunct="1">
+              <a:defRPr sz="1800" kern="1200">
+                <a:solidFill>
+                  <a:schemeClr val="lt1"/>
+                </a:solidFill>
+                <a:latin typeface="+mn-lt"/>
+                <a:ea typeface="+mn-ea"/>
+                <a:cs typeface="+mn-cs"/>
+              </a:defRPr>
+            </a:lvl4pPr>
+            <a:lvl5pPr marL="1828800" algn="l" defTabSz="914400" rtl="0" eaLnBrk="1" latinLnBrk="1" hangingPunct="1">
+              <a:defRPr sz="1800" kern="1200">
+                <a:solidFill>
+                  <a:schemeClr val="lt1"/>
+                </a:solidFill>
+                <a:latin typeface="+mn-lt"/>
+                <a:ea typeface="+mn-ea"/>
+                <a:cs typeface="+mn-cs"/>
+              </a:defRPr>
+            </a:lvl5pPr>
+            <a:lvl6pPr marL="2286000" algn="l" defTabSz="914400" rtl="0" eaLnBrk="1" latinLnBrk="1" hangingPunct="1">
+              <a:defRPr sz="1800" kern="1200">
+                <a:solidFill>
+                  <a:schemeClr val="lt1"/>
+                </a:solidFill>
+                <a:latin typeface="+mn-lt"/>
+                <a:ea typeface="+mn-ea"/>
+                <a:cs typeface="+mn-cs"/>
+              </a:defRPr>
+            </a:lvl6pPr>
+            <a:lvl7pPr marL="2743200" algn="l" defTabSz="914400" rtl="0" eaLnBrk="1" latinLnBrk="1" hangingPunct="1">
+              <a:defRPr sz="1800" kern="1200">
+                <a:solidFill>
+                  <a:schemeClr val="lt1"/>
+                </a:solidFill>
+                <a:latin typeface="+mn-lt"/>
+                <a:ea typeface="+mn-ea"/>
+                <a:cs typeface="+mn-cs"/>
+              </a:defRPr>
+            </a:lvl7pPr>
+            <a:lvl8pPr marL="3200400" algn="l" defTabSz="914400" rtl="0" eaLnBrk="1" latinLnBrk="1" hangingPunct="1">
+              <a:defRPr sz="1800" kern="1200">
+                <a:solidFill>
+                  <a:schemeClr val="lt1"/>
+                </a:solidFill>
+                <a:latin typeface="+mn-lt"/>
+                <a:ea typeface="+mn-ea"/>
+                <a:cs typeface="+mn-cs"/>
+              </a:defRPr>
+            </a:lvl8pPr>
+            <a:lvl9pPr marL="3657600" algn="l" defTabSz="914400" rtl="0" eaLnBrk="1" latinLnBrk="1" hangingPunct="1">
+              <a:defRPr sz="1800" kern="1200">
+                <a:solidFill>
+                  <a:schemeClr val="lt1"/>
+                </a:solidFill>
+                <a:latin typeface="+mn-lt"/>
+                <a:ea typeface="+mn-ea"/>
+                <a:cs typeface="+mn-cs"/>
+              </a:defRPr>
+            </a:lvl9pPr>
+          </a:lstStyle>
+          <a:p>
+            <a:pPr algn="ctr"/>
+            <a:endParaRPr lang="en-US" altLang="ko-KR" sz="800" smtClean="0">
+              <a:solidFill>
+                <a:schemeClr val="tx1"/>
+              </a:solidFill>
+            </a:endParaRPr>
+          </a:p>
+        </p:txBody>
+      </p:sp>
+      <p:sp>
+        <p:nvSpPr>
+          <p:cNvPr id="37" name="직사각형 36"/>
+          <p:cNvSpPr/>
+          <p:nvPr/>
+        </p:nvSpPr>
+        <p:spPr>
+          <a:xfrm>
+            <a:off x="10161271" y="3400504"/>
+            <a:ext cx="1864165" cy="235962"/>
+          </a:xfrm>
+          <a:prstGeom prst="rect">
+            <a:avLst/>
+          </a:prstGeom>
+        </p:spPr>
+        <p:txBody>
+          <a:bodyPr wrap="none">
+            <a:spAutoFit/>
+          </a:bodyPr>
+          <a:lstStyle/>
+          <a:p>
+            <a:r>
+              <a:rPr lang="en-US" altLang="ko-KR" baseline="-25000" smtClean="0"/>
+              <a:t>TMainForm.SvrCheckedUpdate;</a:t>
             </a:r>
             <a:endParaRPr lang="ko-KR" altLang="en-US" baseline="-25000"/>
           </a:p>
@@ -6072,42 +6641,18 @@
                   <a:schemeClr val="tx1"/>
                 </a:solidFill>
               </a:rPr>
-              <a:t>fServerSocket </a:t>
-            </a:r>
+              <a:t>fServerSocket = TServerSocket.Create(Self)</a:t>
+            </a:r>
+          </a:p>
+          <a:p>
+            <a:pPr algn="ctr"/>
             <a:r>
               <a:rPr lang="en-US" altLang="ko-KR" sz="1200" smtClean="0">
                 <a:solidFill>
                   <a:schemeClr val="tx1"/>
                 </a:solidFill>
               </a:rPr>
-              <a:t>= </a:t>
-            </a:r>
-            <a:r>
-              <a:rPr lang="en-US" altLang="ko-KR" sz="1200" smtClean="0">
-                <a:solidFill>
-                  <a:schemeClr val="tx1"/>
-                </a:solidFill>
-              </a:rPr>
-              <a:t>TServerSocket.Create(Self)</a:t>
-            </a:r>
-          </a:p>
-          <a:p>
-            <a:pPr algn="ctr"/>
-            <a:r>
-              <a:rPr lang="en-US" altLang="ko-KR" sz="1200" smtClean="0">
-                <a:solidFill>
-                  <a:schemeClr val="tx1"/>
-                </a:solidFill>
-              </a:rPr>
-              <a:t>fServerSocket.OnClientRead </a:t>
-            </a:r>
-            <a:r>
-              <a:rPr lang="en-US" altLang="ko-KR" sz="1200" smtClean="0">
-                <a:solidFill>
-                  <a:schemeClr val="tx1"/>
-                </a:solidFill>
-              </a:rPr>
-              <a:t>= ServerSocketClientRead</a:t>
+              <a:t>fServerSocket.OnClientRead = ServerSocketClientRead</a:t>
             </a:r>
           </a:p>
           <a:p>
@@ -6129,21 +6674,8 @@
                   <a:schemeClr val="tx1"/>
                 </a:solidFill>
               </a:rPr>
-              <a:t>fServerSocket.Active = </a:t>
-            </a:r>
-            <a:r>
-              <a:rPr lang="en-US" altLang="ko-KR" sz="1200" smtClean="0">
-                <a:solidFill>
-                  <a:schemeClr val="tx1"/>
-                </a:solidFill>
-              </a:rPr>
-              <a:t>True         </a:t>
-            </a:r>
-            <a:endParaRPr lang="en-US" altLang="ko-KR" sz="1200" smtClean="0">
-              <a:solidFill>
-                <a:schemeClr val="tx1"/>
-              </a:solidFill>
-            </a:endParaRPr>
+              <a:t>fServerSocket.Active = True         </a:t>
+            </a:r>
           </a:p>
         </p:txBody>
       </p:sp>
@@ -6190,15 +6722,7 @@
                   <a:schemeClr val="tx1"/>
                 </a:solidFill>
               </a:rPr>
-              <a:t>SvrConnectBtn.Enabled </a:t>
-            </a:r>
-            <a:r>
-              <a:rPr lang="en-US" altLang="ko-KR" sz="1200" smtClean="0">
-                <a:solidFill>
-                  <a:schemeClr val="tx1"/>
-                </a:solidFill>
-              </a:rPr>
-              <a:t>=False</a:t>
+              <a:t>SvrConnectBtn.Enabled =False</a:t>
             </a:r>
           </a:p>
           <a:p>
@@ -7017,489 +7541,6 @@
           <a:xfrm flipH="1">
             <a:off x="8730341" y="3523313"/>
             <a:ext cx="2359" cy="257170"/>
-          </a:xfrm>
-          <a:prstGeom prst="straightConnector1">
-            <a:avLst/>
-          </a:prstGeom>
-          <a:ln>
-            <a:tailEnd type="arrow"/>
-          </a:ln>
-        </p:spPr>
-        <p:style>
-          <a:lnRef idx="1">
-            <a:schemeClr val="accent1"/>
-          </a:lnRef>
-          <a:fillRef idx="0">
-            <a:schemeClr val="accent1"/>
-          </a:fillRef>
-          <a:effectRef idx="0">
-            <a:schemeClr val="accent1"/>
-          </a:effectRef>
-          <a:fontRef idx="minor">
-            <a:schemeClr val="tx1"/>
-          </a:fontRef>
-        </p:style>
-      </p:cxnSp>
-      <p:sp>
-        <p:nvSpPr>
-          <p:cNvPr id="92" name="직사각형 91"/>
-          <p:cNvSpPr/>
-          <p:nvPr/>
-        </p:nvSpPr>
-        <p:spPr>
-          <a:xfrm rot="10800000" flipV="1">
-            <a:off x="592904" y="5416919"/>
-            <a:ext cx="5959924" cy="2304257"/>
-          </a:xfrm>
-          <a:prstGeom prst="rect">
-            <a:avLst/>
-          </a:prstGeom>
-          <a:noFill/>
-        </p:spPr>
-        <p:style>
-          <a:lnRef idx="2">
-            <a:schemeClr val="accent1">
-              <a:shade val="50000"/>
-            </a:schemeClr>
-          </a:lnRef>
-          <a:fillRef idx="1">
-            <a:schemeClr val="accent1"/>
-          </a:fillRef>
-          <a:effectRef idx="0">
-            <a:schemeClr val="accent1"/>
-          </a:effectRef>
-          <a:fontRef idx="minor">
-            <a:schemeClr val="lt1"/>
-          </a:fontRef>
-        </p:style>
-        <p:txBody>
-          <a:bodyPr lIns="0" tIns="0" rIns="0" bIns="0" rtlCol="0" anchor="ctr"/>
-          <a:lstStyle>
-            <a:defPPr>
-              <a:defRPr lang="ko-KR"/>
-            </a:defPPr>
-            <a:lvl1pPr marL="0" algn="l" defTabSz="914400" rtl="0" eaLnBrk="1" latinLnBrk="1" hangingPunct="1">
-              <a:defRPr sz="1800" kern="1200">
-                <a:solidFill>
-                  <a:schemeClr val="lt1"/>
-                </a:solidFill>
-                <a:latin typeface="+mn-lt"/>
-                <a:ea typeface="+mn-ea"/>
-                <a:cs typeface="+mn-cs"/>
-              </a:defRPr>
-            </a:lvl1pPr>
-            <a:lvl2pPr marL="457200" algn="l" defTabSz="914400" rtl="0" eaLnBrk="1" latinLnBrk="1" hangingPunct="1">
-              <a:defRPr sz="1800" kern="1200">
-                <a:solidFill>
-                  <a:schemeClr val="lt1"/>
-                </a:solidFill>
-                <a:latin typeface="+mn-lt"/>
-                <a:ea typeface="+mn-ea"/>
-                <a:cs typeface="+mn-cs"/>
-              </a:defRPr>
-            </a:lvl2pPr>
-            <a:lvl3pPr marL="914400" algn="l" defTabSz="914400" rtl="0" eaLnBrk="1" latinLnBrk="1" hangingPunct="1">
-              <a:defRPr sz="1800" kern="1200">
-                <a:solidFill>
-                  <a:schemeClr val="lt1"/>
-                </a:solidFill>
-                <a:latin typeface="+mn-lt"/>
-                <a:ea typeface="+mn-ea"/>
-                <a:cs typeface="+mn-cs"/>
-              </a:defRPr>
-            </a:lvl3pPr>
-            <a:lvl4pPr marL="1371600" algn="l" defTabSz="914400" rtl="0" eaLnBrk="1" latinLnBrk="1" hangingPunct="1">
-              <a:defRPr sz="1800" kern="1200">
-                <a:solidFill>
-                  <a:schemeClr val="lt1"/>
-                </a:solidFill>
-                <a:latin typeface="+mn-lt"/>
-                <a:ea typeface="+mn-ea"/>
-                <a:cs typeface="+mn-cs"/>
-              </a:defRPr>
-            </a:lvl4pPr>
-            <a:lvl5pPr marL="1828800" algn="l" defTabSz="914400" rtl="0" eaLnBrk="1" latinLnBrk="1" hangingPunct="1">
-              <a:defRPr sz="1800" kern="1200">
-                <a:solidFill>
-                  <a:schemeClr val="lt1"/>
-                </a:solidFill>
-                <a:latin typeface="+mn-lt"/>
-                <a:ea typeface="+mn-ea"/>
-                <a:cs typeface="+mn-cs"/>
-              </a:defRPr>
-            </a:lvl5pPr>
-            <a:lvl6pPr marL="2286000" algn="l" defTabSz="914400" rtl="0" eaLnBrk="1" latinLnBrk="1" hangingPunct="1">
-              <a:defRPr sz="1800" kern="1200">
-                <a:solidFill>
-                  <a:schemeClr val="lt1"/>
-                </a:solidFill>
-                <a:latin typeface="+mn-lt"/>
-                <a:ea typeface="+mn-ea"/>
-                <a:cs typeface="+mn-cs"/>
-              </a:defRPr>
-            </a:lvl6pPr>
-            <a:lvl7pPr marL="2743200" algn="l" defTabSz="914400" rtl="0" eaLnBrk="1" latinLnBrk="1" hangingPunct="1">
-              <a:defRPr sz="1800" kern="1200">
-                <a:solidFill>
-                  <a:schemeClr val="lt1"/>
-                </a:solidFill>
-                <a:latin typeface="+mn-lt"/>
-                <a:ea typeface="+mn-ea"/>
-                <a:cs typeface="+mn-cs"/>
-              </a:defRPr>
-            </a:lvl7pPr>
-            <a:lvl8pPr marL="3200400" algn="l" defTabSz="914400" rtl="0" eaLnBrk="1" latinLnBrk="1" hangingPunct="1">
-              <a:defRPr sz="1800" kern="1200">
-                <a:solidFill>
-                  <a:schemeClr val="lt1"/>
-                </a:solidFill>
-                <a:latin typeface="+mn-lt"/>
-                <a:ea typeface="+mn-ea"/>
-                <a:cs typeface="+mn-cs"/>
-              </a:defRPr>
-            </a:lvl8pPr>
-            <a:lvl9pPr marL="3657600" algn="l" defTabSz="914400" rtl="0" eaLnBrk="1" latinLnBrk="1" hangingPunct="1">
-              <a:defRPr sz="1800" kern="1200">
-                <a:solidFill>
-                  <a:schemeClr val="lt1"/>
-                </a:solidFill>
-                <a:latin typeface="+mn-lt"/>
-                <a:ea typeface="+mn-ea"/>
-                <a:cs typeface="+mn-cs"/>
-              </a:defRPr>
-            </a:lvl9pPr>
-          </a:lstStyle>
-          <a:p>
-            <a:pPr algn="ctr"/>
-            <a:endParaRPr lang="en-US" altLang="ko-KR" sz="800" smtClean="0">
-              <a:solidFill>
-                <a:schemeClr val="tx1"/>
-              </a:solidFill>
-            </a:endParaRPr>
-          </a:p>
-        </p:txBody>
-      </p:sp>
-      <p:sp>
-        <p:nvSpPr>
-          <p:cNvPr id="93" name="TextBox 92"/>
-          <p:cNvSpPr txBox="1"/>
-          <p:nvPr/>
-        </p:nvSpPr>
-        <p:spPr>
-          <a:xfrm>
-            <a:off x="616844" y="5109142"/>
-            <a:ext cx="5935984" cy="307777"/>
-          </a:xfrm>
-          <a:prstGeom prst="rect">
-            <a:avLst/>
-          </a:prstGeom>
-          <a:noFill/>
-        </p:spPr>
-        <p:txBody>
-          <a:bodyPr wrap="none" rtlCol="0">
-            <a:spAutoFit/>
-          </a:bodyPr>
-          <a:lstStyle/>
-          <a:p>
-            <a:r>
-              <a:rPr lang="en-US" altLang="ko-KR" smtClean="0"/>
-              <a:t>ServerSocketClientRead(Sender : TObject; Socket : TCustomWinSocket)</a:t>
-            </a:r>
-          </a:p>
-        </p:txBody>
-      </p:sp>
-      <p:sp>
-        <p:nvSpPr>
-          <p:cNvPr id="97" name="순서도: 판단 96"/>
-          <p:cNvSpPr/>
-          <p:nvPr/>
-        </p:nvSpPr>
-        <p:spPr>
-          <a:xfrm>
-            <a:off x="794417" y="6012729"/>
-            <a:ext cx="2970185" cy="345114"/>
-          </a:xfrm>
-          <a:prstGeom prst="flowChartDecision">
-            <a:avLst/>
-          </a:prstGeom>
-          <a:noFill/>
-        </p:spPr>
-        <p:style>
-          <a:lnRef idx="2">
-            <a:schemeClr val="accent1">
-              <a:shade val="50000"/>
-            </a:schemeClr>
-          </a:lnRef>
-          <a:fillRef idx="1">
-            <a:schemeClr val="accent1"/>
-          </a:fillRef>
-          <a:effectRef idx="0">
-            <a:schemeClr val="accent1"/>
-          </a:effectRef>
-          <a:fontRef idx="minor">
-            <a:schemeClr val="lt1"/>
-          </a:fontRef>
-        </p:style>
-        <p:txBody>
-          <a:bodyPr lIns="0" tIns="7324" rIns="0" bIns="7324" rtlCol="0" anchor="ctr"/>
-          <a:lstStyle/>
-          <a:p>
-            <a:pPr algn="ctr"/>
-            <a:r>
-              <a:rPr lang="en-US" altLang="ko-KR" sz="1200" smtClean="0">
-                <a:solidFill>
-                  <a:schemeClr val="tx1"/>
-                </a:solidFill>
-              </a:rPr>
-              <a:t>Socket &lt;&gt; nil</a:t>
-            </a:r>
-            <a:endParaRPr lang="ko-KR" altLang="en-US" sz="1200" dirty="0">
-              <a:solidFill>
-                <a:schemeClr val="tx1"/>
-              </a:solidFill>
-            </a:endParaRPr>
-          </a:p>
-        </p:txBody>
-      </p:sp>
-      <p:sp>
-        <p:nvSpPr>
-          <p:cNvPr id="100" name="순서도: 수행의 시작/종료 99"/>
-          <p:cNvSpPr/>
-          <p:nvPr/>
-        </p:nvSpPr>
-        <p:spPr>
-          <a:xfrm>
-            <a:off x="1359785" y="5502969"/>
-            <a:ext cx="1843775" cy="307898"/>
-          </a:xfrm>
-          <a:prstGeom prst="flowChartTerminator">
-            <a:avLst/>
-          </a:prstGeom>
-          <a:noFill/>
-        </p:spPr>
-        <p:style>
-          <a:lnRef idx="2">
-            <a:schemeClr val="accent1">
-              <a:shade val="50000"/>
-            </a:schemeClr>
-          </a:lnRef>
-          <a:fillRef idx="1">
-            <a:schemeClr val="accent1"/>
-          </a:fillRef>
-          <a:effectRef idx="0">
-            <a:schemeClr val="accent1"/>
-          </a:effectRef>
-          <a:fontRef idx="minor">
-            <a:schemeClr val="lt1"/>
-          </a:fontRef>
-        </p:style>
-        <p:txBody>
-          <a:bodyPr lIns="0" tIns="0" rIns="0" bIns="0" rtlCol="0" anchor="ctr"/>
-          <a:lstStyle/>
-          <a:p>
-            <a:pPr algn="ctr"/>
-            <a:r>
-              <a:rPr lang="en-US" altLang="ko-KR" sz="1200" smtClean="0">
-                <a:solidFill>
-                  <a:schemeClr val="tx1"/>
-                </a:solidFill>
-              </a:rPr>
-              <a:t>START</a:t>
-            </a:r>
-            <a:endParaRPr lang="ko-KR" altLang="en-US" sz="1200" dirty="0">
-              <a:solidFill>
-                <a:schemeClr val="tx1"/>
-              </a:solidFill>
-            </a:endParaRPr>
-          </a:p>
-        </p:txBody>
-      </p:sp>
-      <p:sp>
-        <p:nvSpPr>
-          <p:cNvPr id="101" name="순서도: 수행의 시작/종료 100"/>
-          <p:cNvSpPr/>
-          <p:nvPr/>
-        </p:nvSpPr>
-        <p:spPr>
-          <a:xfrm>
-            <a:off x="1349037" y="7073104"/>
-            <a:ext cx="1843775" cy="307898"/>
-          </a:xfrm>
-          <a:prstGeom prst="flowChartTerminator">
-            <a:avLst/>
-          </a:prstGeom>
-          <a:noFill/>
-        </p:spPr>
-        <p:style>
-          <a:lnRef idx="2">
-            <a:schemeClr val="accent1">
-              <a:shade val="50000"/>
-            </a:schemeClr>
-          </a:lnRef>
-          <a:fillRef idx="1">
-            <a:schemeClr val="accent1"/>
-          </a:fillRef>
-          <a:effectRef idx="0">
-            <a:schemeClr val="accent1"/>
-          </a:effectRef>
-          <a:fontRef idx="minor">
-            <a:schemeClr val="lt1"/>
-          </a:fontRef>
-        </p:style>
-        <p:txBody>
-          <a:bodyPr lIns="0" tIns="0" rIns="0" bIns="0" rtlCol="0" anchor="ctr"/>
-          <a:lstStyle/>
-          <a:p>
-            <a:pPr algn="ctr"/>
-            <a:r>
-              <a:rPr lang="en-US" altLang="ko-KR" sz="1200" smtClean="0">
-                <a:solidFill>
-                  <a:schemeClr val="tx1"/>
-                </a:solidFill>
-              </a:rPr>
-              <a:t>END</a:t>
-            </a:r>
-            <a:endParaRPr lang="ko-KR" altLang="en-US" sz="1200" dirty="0">
-              <a:solidFill>
-                <a:schemeClr val="tx1"/>
-              </a:solidFill>
-            </a:endParaRPr>
-          </a:p>
-        </p:txBody>
-      </p:sp>
-      <p:sp>
-        <p:nvSpPr>
-          <p:cNvPr id="103" name="직사각형 102"/>
-          <p:cNvSpPr/>
-          <p:nvPr/>
-        </p:nvSpPr>
-        <p:spPr>
-          <a:xfrm rot="10800000" flipV="1">
-            <a:off x="3179280" y="6569048"/>
-            <a:ext cx="3099200" cy="288032"/>
-          </a:xfrm>
-          <a:prstGeom prst="rect">
-            <a:avLst/>
-          </a:prstGeom>
-          <a:noFill/>
-        </p:spPr>
-        <p:style>
-          <a:lnRef idx="2">
-            <a:schemeClr val="accent1">
-              <a:shade val="50000"/>
-            </a:schemeClr>
-          </a:lnRef>
-          <a:fillRef idx="1">
-            <a:schemeClr val="accent1"/>
-          </a:fillRef>
-          <a:effectRef idx="0">
-            <a:schemeClr val="accent1"/>
-          </a:effectRef>
-          <a:fontRef idx="minor">
-            <a:schemeClr val="lt1"/>
-          </a:fontRef>
-        </p:style>
-        <p:txBody>
-          <a:bodyPr lIns="0" tIns="0" rIns="0" bIns="0" rtlCol="0" anchor="ctr"/>
-          <a:lstStyle/>
-          <a:p>
-            <a:pPr algn="ctr"/>
-            <a:r>
-              <a:rPr lang="en-US" altLang="ko-KR" sz="1200" smtClean="0">
-                <a:solidFill>
-                  <a:schemeClr val="tx1"/>
-                </a:solidFill>
-              </a:rPr>
-              <a:t>CltRecvMemo.Lines.Add(Socket.ReceiveText)</a:t>
-            </a:r>
-          </a:p>
-        </p:txBody>
-      </p:sp>
-      <p:cxnSp>
-        <p:nvCxnSpPr>
-          <p:cNvPr id="105" name="Shape 104"/>
-          <p:cNvCxnSpPr>
-            <a:stCxn id="97" idx="3"/>
-            <a:endCxn id="103" idx="0"/>
-          </p:cNvCxnSpPr>
-          <p:nvPr/>
-        </p:nvCxnSpPr>
-        <p:spPr>
-          <a:xfrm>
-            <a:off x="3764602" y="6185286"/>
-            <a:ext cx="964278" cy="383762"/>
-          </a:xfrm>
-          <a:prstGeom prst="bentConnector2">
-            <a:avLst/>
-          </a:prstGeom>
-          <a:ln>
-            <a:tailEnd type="arrow"/>
-          </a:ln>
-        </p:spPr>
-        <p:style>
-          <a:lnRef idx="1">
-            <a:schemeClr val="accent1"/>
-          </a:lnRef>
-          <a:fillRef idx="0">
-            <a:schemeClr val="accent1"/>
-          </a:fillRef>
-          <a:effectRef idx="0">
-            <a:schemeClr val="accent1"/>
-          </a:effectRef>
-          <a:fontRef idx="minor">
-            <a:schemeClr val="tx1"/>
-          </a:fontRef>
-        </p:style>
-      </p:cxnSp>
-      <p:cxnSp>
-        <p:nvCxnSpPr>
-          <p:cNvPr id="107" name="직선 화살표 연결선 106"/>
-          <p:cNvCxnSpPr>
-            <a:stCxn id="100" idx="2"/>
-            <a:endCxn id="97" idx="0"/>
-          </p:cNvCxnSpPr>
-          <p:nvPr/>
-        </p:nvCxnSpPr>
-        <p:spPr>
-          <a:xfrm flipH="1">
-            <a:off x="2279510" y="5810867"/>
-            <a:ext cx="2163" cy="201862"/>
-          </a:xfrm>
-          <a:prstGeom prst="straightConnector1">
-            <a:avLst/>
-          </a:prstGeom>
-          <a:ln>
-            <a:tailEnd type="arrow"/>
-          </a:ln>
-        </p:spPr>
-        <p:style>
-          <a:lnRef idx="1">
-            <a:schemeClr val="accent1"/>
-          </a:lnRef>
-          <a:fillRef idx="0">
-            <a:schemeClr val="accent1"/>
-          </a:fillRef>
-          <a:effectRef idx="0">
-            <a:schemeClr val="accent1"/>
-          </a:effectRef>
-          <a:fontRef idx="minor">
-            <a:schemeClr val="tx1"/>
-          </a:fontRef>
-        </p:style>
-      </p:cxnSp>
-      <p:cxnSp>
-        <p:nvCxnSpPr>
-          <p:cNvPr id="109" name="직선 화살표 연결선 108"/>
-          <p:cNvCxnSpPr>
-            <a:stCxn id="97" idx="2"/>
-            <a:endCxn id="101" idx="0"/>
-          </p:cNvCxnSpPr>
-          <p:nvPr/>
-        </p:nvCxnSpPr>
-        <p:spPr>
-          <a:xfrm flipH="1">
-            <a:off x="2270925" y="6357843"/>
-            <a:ext cx="8585" cy="715261"/>
           </a:xfrm>
           <a:prstGeom prst="straightConnector1">
             <a:avLst/>
@@ -7927,11 +7968,6 @@
               </a:rPr>
               <a:t>SendTextToClt(IntToStr(SvrListBox.Tag) + '0' + IntToStr(SvrListBox.ItemIndex))</a:t>
             </a:r>
-            <a:endParaRPr lang="en-US" altLang="ko-KR" sz="1200" smtClean="0">
-              <a:solidFill>
-                <a:schemeClr val="tx1"/>
-              </a:solidFill>
-            </a:endParaRPr>
           </a:p>
         </p:txBody>
       </p:sp>
@@ -7943,7 +7979,7 @@
         </p:nvSpPr>
         <p:spPr>
           <a:xfrm>
-            <a:off x="178853" y="195844"/>
+            <a:off x="100" y="-35942"/>
             <a:ext cx="1232784" cy="378377"/>
           </a:xfrm>
           <a:prstGeom prst="rect">
@@ -7957,6 +7993,7 @@
           </a:bodyPr>
           <a:lstStyle/>
           <a:p>
+            <a:pPr algn="ctr"/>
             <a:r>
               <a:rPr lang="en-US" altLang="ko-KR" sz="2000" smtClean="0"/>
               <a:t>&lt;Server&gt;</a:t>
@@ -8007,21 +8044,8 @@
                   <a:schemeClr val="tx1"/>
                 </a:solidFill>
               </a:rPr>
-              <a:t>Sender </a:t>
-            </a:r>
-            <a:r>
-              <a:rPr lang="en-US" altLang="ko-KR" sz="1200" smtClean="0">
-                <a:solidFill>
-                  <a:schemeClr val="tx1"/>
-                </a:solidFill>
-              </a:rPr>
-              <a:t>= </a:t>
-            </a:r>
-            <a:endParaRPr lang="en-US" altLang="ko-KR" sz="1200" smtClean="0">
-              <a:solidFill>
-                <a:schemeClr val="tx1"/>
-              </a:solidFill>
-            </a:endParaRPr>
+              <a:t>Sender = </a:t>
+            </a:r>
           </a:p>
           <a:p>
             <a:pPr algn="ctr"/>
@@ -8086,11 +8110,6 @@
               </a:rPr>
               <a:t>SendTextToClt(IntToStr(SvrComboBox.Tag) + '0' + IntToStr(SvrComboBox.ItemIndex))</a:t>
             </a:r>
-            <a:endParaRPr lang="en-US" altLang="ko-KR" sz="1200" smtClean="0">
-              <a:solidFill>
-                <a:schemeClr val="tx1"/>
-              </a:solidFill>
-            </a:endParaRPr>
           </a:p>
         </p:txBody>
       </p:sp>
@@ -8137,23 +8156,7 @@
                   <a:schemeClr val="tx1"/>
                 </a:solidFill>
               </a:rPr>
-              <a:t>Sender </a:t>
-            </a:r>
-            <a:r>
-              <a:rPr lang="en-US" altLang="ko-KR" sz="1200" smtClean="0">
-                <a:solidFill>
-                  <a:schemeClr val="tx1"/>
-                </a:solidFill>
-              </a:rPr>
-              <a:t>= </a:t>
-            </a:r>
-            <a:r>
-              <a:rPr lang="en-US" altLang="ko-KR" sz="1200" smtClean="0">
-                <a:solidFill>
-                  <a:schemeClr val="tx1"/>
-                </a:solidFill>
-              </a:rPr>
-              <a:t>SvrScrollBar</a:t>
+              <a:t>Sender = SvrScrollBar</a:t>
             </a:r>
             <a:endParaRPr lang="ko-KR" altLang="en-US" sz="1200" dirty="0">
               <a:solidFill>
@@ -8208,11 +8211,6 @@
               </a:rPr>
               <a:t>SendTextToClt(IntToStr(SvrScrollBar.Tag) + '0' + IntToStr(SvrScrollBar.Position))</a:t>
             </a:r>
-            <a:endParaRPr lang="en-US" altLang="ko-KR" sz="1200" smtClean="0">
-              <a:solidFill>
-                <a:schemeClr val="tx1"/>
-              </a:solidFill>
-            </a:endParaRPr>
           </a:p>
         </p:txBody>
       </p:sp>
@@ -8259,23 +8257,7 @@
                   <a:schemeClr val="tx1"/>
                 </a:solidFill>
               </a:rPr>
-              <a:t>Sender </a:t>
-            </a:r>
-            <a:r>
-              <a:rPr lang="en-US" altLang="ko-KR" sz="1200" smtClean="0">
-                <a:solidFill>
-                  <a:schemeClr val="tx1"/>
-                </a:solidFill>
-              </a:rPr>
-              <a:t>= </a:t>
-            </a:r>
-            <a:r>
-              <a:rPr lang="en-US" altLang="ko-KR" sz="1200" smtClean="0">
-                <a:solidFill>
-                  <a:schemeClr val="tx1"/>
-                </a:solidFill>
-              </a:rPr>
-              <a:t>SvrRadioBtn1</a:t>
+              <a:t>Sender = SvrRadioBtn1</a:t>
             </a:r>
             <a:endParaRPr lang="ko-KR" altLang="en-US" sz="1200" dirty="0">
               <a:solidFill>
@@ -8330,11 +8312,6 @@
               </a:rPr>
               <a:t>SendTextToClt(IntToStr(SvrRadioBtn1.Tag) + '0')</a:t>
             </a:r>
-            <a:endParaRPr lang="en-US" altLang="ko-KR" sz="1200" smtClean="0">
-              <a:solidFill>
-                <a:schemeClr val="tx1"/>
-              </a:solidFill>
-            </a:endParaRPr>
           </a:p>
         </p:txBody>
       </p:sp>
@@ -8381,23 +8358,7 @@
                   <a:schemeClr val="tx1"/>
                 </a:solidFill>
               </a:rPr>
-              <a:t>Sender </a:t>
-            </a:r>
-            <a:r>
-              <a:rPr lang="en-US" altLang="ko-KR" sz="1200" smtClean="0">
-                <a:solidFill>
-                  <a:schemeClr val="tx1"/>
-                </a:solidFill>
-              </a:rPr>
-              <a:t>= </a:t>
-            </a:r>
-            <a:r>
-              <a:rPr lang="en-US" altLang="ko-KR" sz="1200" smtClean="0">
-                <a:solidFill>
-                  <a:schemeClr val="tx1"/>
-                </a:solidFill>
-              </a:rPr>
-              <a:t>SvrRadioBtn2</a:t>
+              <a:t>Sender = SvrRadioBtn2</a:t>
             </a:r>
             <a:endParaRPr lang="ko-KR" altLang="en-US" sz="1200" dirty="0">
               <a:solidFill>
@@ -8452,11 +8413,6 @@
               </a:rPr>
               <a:t>SendTextToClt(IntToStr(SvrRadioBtn2.Tag) + '0')</a:t>
             </a:r>
-            <a:endParaRPr lang="en-US" altLang="ko-KR" sz="1200" smtClean="0">
-              <a:solidFill>
-                <a:schemeClr val="tx1"/>
-              </a:solidFill>
-            </a:endParaRPr>
           </a:p>
         </p:txBody>
       </p:sp>
@@ -8503,23 +8459,7 @@
                   <a:schemeClr val="tx1"/>
                 </a:solidFill>
               </a:rPr>
-              <a:t>Sender </a:t>
-            </a:r>
-            <a:r>
-              <a:rPr lang="en-US" altLang="ko-KR" sz="1200" smtClean="0">
-                <a:solidFill>
-                  <a:schemeClr val="tx1"/>
-                </a:solidFill>
-              </a:rPr>
-              <a:t>= </a:t>
-            </a:r>
-            <a:r>
-              <a:rPr lang="en-US" altLang="ko-KR" sz="1200" smtClean="0">
-                <a:solidFill>
-                  <a:schemeClr val="tx1"/>
-                </a:solidFill>
-              </a:rPr>
-              <a:t>SvrCheckBox1</a:t>
+              <a:t>Sender = SvrCheckBox1</a:t>
             </a:r>
             <a:endParaRPr lang="ko-KR" altLang="en-US" sz="1200" dirty="0">
               <a:solidFill>
@@ -8574,11 +8514,6 @@
               </a:rPr>
               <a:t>SendTextToClt(IntToStr(SvrCheckBox1.Tag) + '0')</a:t>
             </a:r>
-            <a:endParaRPr lang="en-US" altLang="ko-KR" sz="1200" smtClean="0">
-              <a:solidFill>
-                <a:schemeClr val="tx1"/>
-              </a:solidFill>
-            </a:endParaRPr>
           </a:p>
         </p:txBody>
       </p:sp>
@@ -8625,23 +8560,7 @@
                   <a:schemeClr val="tx1"/>
                 </a:solidFill>
               </a:rPr>
-              <a:t>Sender </a:t>
-            </a:r>
-            <a:r>
-              <a:rPr lang="en-US" altLang="ko-KR" sz="1200" smtClean="0">
-                <a:solidFill>
-                  <a:schemeClr val="tx1"/>
-                </a:solidFill>
-              </a:rPr>
-              <a:t>= </a:t>
-            </a:r>
-            <a:r>
-              <a:rPr lang="en-US" altLang="ko-KR" sz="1200" smtClean="0">
-                <a:solidFill>
-                  <a:schemeClr val="tx1"/>
-                </a:solidFill>
-              </a:rPr>
-              <a:t>SvrCheckBox2</a:t>
+              <a:t>Sender = SvrCheckBox2</a:t>
             </a:r>
             <a:endParaRPr lang="ko-KR" altLang="en-US" sz="1200" dirty="0">
               <a:solidFill>
@@ -8696,11 +8615,6 @@
               </a:rPr>
               <a:t>SendTextToClt(IntToStr(SvrCheckBox2.Tag) + '0')</a:t>
             </a:r>
-            <a:endParaRPr lang="en-US" altLang="ko-KR" sz="1200" smtClean="0">
-              <a:solidFill>
-                <a:schemeClr val="tx1"/>
-              </a:solidFill>
-            </a:endParaRPr>
           </a:p>
         </p:txBody>
       </p:sp>
@@ -10026,11 +9940,7 @@
             <a:pPr algn="ctr"/>
             <a:r>
               <a:rPr lang="en-US" altLang="ko-KR" sz="2000" baseline="-25000" smtClean="0"/>
-              <a:t>SvrKeyPress(Sender</a:t>
-            </a:r>
-            <a:r>
-              <a:rPr lang="en-US" altLang="ko-KR" sz="2000" baseline="-25000" smtClean="0"/>
-              <a:t>: TObject; var Key: Char)</a:t>
+              <a:t>SvrKeyPress(Sender: TObject; var Key: Char)</a:t>
             </a:r>
             <a:endParaRPr lang="ko-KR" altLang="en-US" sz="2000" baseline="-25000"/>
           </a:p>
@@ -10170,11 +10080,6 @@
               </a:rPr>
               <a:t>SendPressedKey(SvrEdit.tag, SvrEdit.Text, Key)</a:t>
             </a:r>
-            <a:endParaRPr lang="en-US" altLang="ko-KR" sz="1200" smtClean="0">
-              <a:solidFill>
-                <a:schemeClr val="tx1"/>
-              </a:solidFill>
-            </a:endParaRPr>
           </a:p>
         </p:txBody>
       </p:sp>
@@ -10327,23 +10232,7 @@
                   <a:schemeClr val="tx1"/>
                 </a:solidFill>
               </a:rPr>
-              <a:t>Sender </a:t>
-            </a:r>
-            <a:r>
-              <a:rPr lang="en-US" altLang="ko-KR" sz="1200" smtClean="0">
-                <a:solidFill>
-                  <a:schemeClr val="tx1"/>
-                </a:solidFill>
-              </a:rPr>
-              <a:t>= </a:t>
-            </a:r>
-            <a:r>
-              <a:rPr lang="en-US" altLang="ko-KR" sz="1200" smtClean="0">
-                <a:solidFill>
-                  <a:schemeClr val="tx1"/>
-                </a:solidFill>
-              </a:rPr>
-              <a:t>SvrMemo</a:t>
+              <a:t>Sender = SvrMemo</a:t>
             </a:r>
             <a:endParaRPr lang="ko-KR" altLang="en-US" sz="1200" dirty="0">
               <a:solidFill>
@@ -10398,11 +10287,6 @@
               </a:rPr>
               <a:t>SendPressedKey(SvrMemo.tag, SvrMemo.Text, Key)</a:t>
             </a:r>
-            <a:endParaRPr lang="en-US" altLang="ko-KR" sz="1200" smtClean="0">
-              <a:solidFill>
-                <a:schemeClr val="tx1"/>
-              </a:solidFill>
-            </a:endParaRPr>
           </a:p>
         </p:txBody>
       </p:sp>
@@ -11149,11 +11033,6 @@
               </a:rPr>
               <a:t>SendTextToClt(IntToStr(aTag) + '0' + aStr)</a:t>
             </a:r>
-            <a:endParaRPr lang="en-US" altLang="ko-KR" sz="1200" smtClean="0">
-              <a:solidFill>
-                <a:schemeClr val="tx1"/>
-              </a:solidFill>
-            </a:endParaRPr>
           </a:p>
         </p:txBody>
       </p:sp>
@@ -11342,53 +11221,19 @@
                   <a:schemeClr val="tx1"/>
                 </a:solidFill>
               </a:rPr>
-              <a:t> SendTextToClt(IntToStr(aTag) + '1' + aStr + </a:t>
-            </a:r>
+              <a:t> SendTextToClt(IntToStr(aTag) + '1' + aStr + aKey)</a:t>
+            </a:r>
+          </a:p>
+          <a:p>
+            <a:pPr algn="ctr"/>
             <a:r>
               <a:rPr lang="en-US" altLang="ko-KR" sz="1200" smtClean="0">
                 <a:solidFill>
                   <a:schemeClr val="tx1"/>
                 </a:solidFill>
               </a:rPr>
-              <a:t>aKey</a:t>
-            </a:r>
-            <a:r>
-              <a:rPr lang="en-US" altLang="ko-KR" sz="1200" smtClean="0">
-                <a:solidFill>
-                  <a:schemeClr val="tx1"/>
-                </a:solidFill>
-              </a:rPr>
-              <a:t>)</a:t>
-            </a:r>
-            <a:endParaRPr lang="en-US" altLang="ko-KR" sz="1200" smtClean="0">
-              <a:solidFill>
-                <a:schemeClr val="tx1"/>
-              </a:solidFill>
-            </a:endParaRPr>
-          </a:p>
-          <a:p>
-            <a:pPr algn="ctr"/>
-            <a:r>
-              <a:rPr lang="en-US" altLang="ko-KR" sz="1200" smtClean="0">
-                <a:solidFill>
-                  <a:schemeClr val="tx1"/>
-                </a:solidFill>
-              </a:rPr>
-              <a:t>      </a:t>
-            </a:r>
-            <a:r>
-              <a:rPr lang="en-US" altLang="ko-KR" sz="1200" smtClean="0">
-                <a:solidFill>
-                  <a:schemeClr val="tx1"/>
-                </a:solidFill>
-              </a:rPr>
-              <a:t>SvrListBoxUpDate</a:t>
-            </a:r>
-            <a:endParaRPr lang="en-US" altLang="ko-KR" sz="1200" smtClean="0">
-              <a:solidFill>
-                <a:schemeClr val="tx1"/>
-              </a:solidFill>
-            </a:endParaRPr>
+              <a:t>      SvrListBoxUpDate</a:t>
+            </a:r>
           </a:p>
         </p:txBody>
       </p:sp>
@@ -11580,11 +11425,6 @@
               </a:rPr>
               <a:t>SendTextToClt(IntToStr(aTag) + '0' + aStr + aKey)</a:t>
             </a:r>
-            <a:endParaRPr lang="en-US" altLang="ko-KR" sz="1200" smtClean="0">
-              <a:solidFill>
-                <a:schemeClr val="tx1"/>
-              </a:solidFill>
-            </a:endParaRPr>
           </a:p>
         </p:txBody>
       </p:sp>
@@ -12506,23 +12346,7 @@
                   <a:schemeClr val="tx1"/>
                 </a:solidFill>
               </a:rPr>
-              <a:t>i = </a:t>
-            </a:r>
-            <a:r>
-              <a:rPr lang="en-US" altLang="ko-KR" sz="1200" smtClean="0">
-                <a:solidFill>
-                  <a:schemeClr val="tx1"/>
-                </a:solidFill>
-              </a:rPr>
-              <a:t>0, fServerSocket.Socket.ActiveConnections - 1, </a:t>
-            </a:r>
-            <a:r>
-              <a:rPr lang="en-US" altLang="ko-KR" sz="1200" smtClean="0">
-                <a:solidFill>
-                  <a:schemeClr val="tx1"/>
-                </a:solidFill>
-              </a:rPr>
-              <a:t>1</a:t>
+              <a:t>i = 0, fServerSocket.Socket.ActiveConnections - 1, 1</a:t>
             </a:r>
           </a:p>
         </p:txBody>
@@ -12957,15 +12781,7 @@
           <a:p>
             <a:r>
               <a:rPr lang="en-US" altLang="ko-KR" smtClean="0"/>
-              <a:t> aIndex, i </a:t>
-            </a:r>
-            <a:r>
-              <a:rPr lang="en-US" altLang="ko-KR" smtClean="0"/>
-              <a:t>: </a:t>
-            </a:r>
-            <a:r>
-              <a:rPr lang="en-US" altLang="ko-KR" smtClean="0"/>
-              <a:t>Int</a:t>
+              <a:t> aIndex, i : Int</a:t>
             </a:r>
             <a:endParaRPr lang="ko-KR" altLang="en-US"/>
           </a:p>
@@ -13016,11 +12832,6 @@
               </a:rPr>
               <a:t>aIndex := -1</a:t>
             </a:r>
-            <a:endParaRPr lang="en-US" altLang="ko-KR" sz="1200" smtClean="0">
-              <a:solidFill>
-                <a:schemeClr val="tx1"/>
-              </a:solidFill>
-            </a:endParaRPr>
           </a:p>
         </p:txBody>
       </p:sp>
@@ -13112,39 +12923,7 @@
                   <a:schemeClr val="tx1"/>
                 </a:solidFill>
               </a:rPr>
-              <a:t>i = </a:t>
-            </a:r>
-            <a:r>
-              <a:rPr lang="en-US" altLang="ko-KR" sz="1200" smtClean="0">
-                <a:solidFill>
-                  <a:schemeClr val="tx1"/>
-                </a:solidFill>
-              </a:rPr>
-              <a:t>0, SvrListBox.Count </a:t>
-            </a:r>
-            <a:r>
-              <a:rPr lang="en-US" altLang="ko-KR" sz="1200" smtClean="0">
-                <a:solidFill>
-                  <a:schemeClr val="tx1"/>
-                </a:solidFill>
-              </a:rPr>
-              <a:t>- </a:t>
-            </a:r>
-            <a:r>
-              <a:rPr lang="en-US" altLang="ko-KR" sz="1200" smtClean="0">
-                <a:solidFill>
-                  <a:schemeClr val="tx1"/>
-                </a:solidFill>
-              </a:rPr>
-              <a:t>1, </a:t>
-            </a:r>
-            <a:r>
-              <a:rPr lang="en-US" altLang="ko-KR" sz="1200" smtClean="0">
-                <a:solidFill>
-                  <a:schemeClr val="tx1"/>
-                </a:solidFill>
-              </a:rPr>
-              <a:t>1</a:t>
+              <a:t>i = 0, SvrListBox.Count - 1, 1</a:t>
             </a:r>
           </a:p>
         </p:txBody>
@@ -13205,11 +12984,6 @@
               </a:rPr>
               <a:t>Break</a:t>
             </a:r>
-            <a:endParaRPr lang="en-US" altLang="ko-KR" sz="1200" smtClean="0">
-              <a:solidFill>
-                <a:schemeClr val="tx1"/>
-              </a:solidFill>
-            </a:endParaRPr>
           </a:p>
         </p:txBody>
       </p:sp>
@@ -13636,11 +13410,6 @@
               </a:rPr>
               <a:t>SvrListBox.Items.Add(SvrEdit.Text)</a:t>
             </a:r>
-            <a:endParaRPr lang="en-US" altLang="ko-KR" sz="1200" smtClean="0">
-              <a:solidFill>
-                <a:schemeClr val="tx1"/>
-              </a:solidFill>
-            </a:endParaRPr>
           </a:p>
         </p:txBody>
       </p:sp>
@@ -13689,11 +13458,6 @@
               </a:rPr>
               <a:t>SvrlistBox.Items.Delete(aIndex)</a:t>
             </a:r>
-            <a:endParaRPr lang="en-US" altLang="ko-KR" sz="1200" smtClean="0">
-              <a:solidFill>
-                <a:schemeClr val="tx1"/>
-              </a:solidFill>
-            </a:endParaRPr>
           </a:p>
         </p:txBody>
       </p:sp>
@@ -13742,11 +13506,6 @@
               </a:rPr>
               <a:t>SvrEdit.Text := '';</a:t>
             </a:r>
-            <a:endParaRPr lang="en-US" altLang="ko-KR" sz="1200" smtClean="0">
-              <a:solidFill>
-                <a:schemeClr val="tx1"/>
-              </a:solidFill>
-            </a:endParaRPr>
           </a:p>
         </p:txBody>
       </p:sp>
@@ -14060,6 +13819,3749 @@
           <a:chExt cx="0" cy="0"/>
         </a:xfrm>
       </p:grpSpPr>
+      <p:sp>
+        <p:nvSpPr>
+          <p:cNvPr id="2" name="직사각형 1"/>
+          <p:cNvSpPr/>
+          <p:nvPr/>
+        </p:nvSpPr>
+        <p:spPr>
+          <a:xfrm rot="10800000" flipV="1">
+            <a:off x="1512268" y="408703"/>
+            <a:ext cx="8784976" cy="8592421"/>
+          </a:xfrm>
+          <a:prstGeom prst="rect">
+            <a:avLst/>
+          </a:prstGeom>
+          <a:noFill/>
+        </p:spPr>
+        <p:style>
+          <a:lnRef idx="2">
+            <a:schemeClr val="accent1">
+              <a:shade val="50000"/>
+            </a:schemeClr>
+          </a:lnRef>
+          <a:fillRef idx="1">
+            <a:schemeClr val="accent1"/>
+          </a:fillRef>
+          <a:effectRef idx="0">
+            <a:schemeClr val="accent1"/>
+          </a:effectRef>
+          <a:fontRef idx="minor">
+            <a:schemeClr val="lt1"/>
+          </a:fontRef>
+        </p:style>
+        <p:txBody>
+          <a:bodyPr lIns="0" tIns="0" rIns="0" bIns="0" rtlCol="0" anchor="ctr"/>
+          <a:lstStyle>
+            <a:defPPr>
+              <a:defRPr lang="ko-KR"/>
+            </a:defPPr>
+            <a:lvl1pPr marL="0" algn="l" defTabSz="914400" rtl="0" eaLnBrk="1" latinLnBrk="1" hangingPunct="1">
+              <a:defRPr sz="1800" kern="1200">
+                <a:solidFill>
+                  <a:schemeClr val="lt1"/>
+                </a:solidFill>
+                <a:latin typeface="+mn-lt"/>
+                <a:ea typeface="+mn-ea"/>
+                <a:cs typeface="+mn-cs"/>
+              </a:defRPr>
+            </a:lvl1pPr>
+            <a:lvl2pPr marL="457200" algn="l" defTabSz="914400" rtl="0" eaLnBrk="1" latinLnBrk="1" hangingPunct="1">
+              <a:defRPr sz="1800" kern="1200">
+                <a:solidFill>
+                  <a:schemeClr val="lt1"/>
+                </a:solidFill>
+                <a:latin typeface="+mn-lt"/>
+                <a:ea typeface="+mn-ea"/>
+                <a:cs typeface="+mn-cs"/>
+              </a:defRPr>
+            </a:lvl2pPr>
+            <a:lvl3pPr marL="914400" algn="l" defTabSz="914400" rtl="0" eaLnBrk="1" latinLnBrk="1" hangingPunct="1">
+              <a:defRPr sz="1800" kern="1200">
+                <a:solidFill>
+                  <a:schemeClr val="lt1"/>
+                </a:solidFill>
+                <a:latin typeface="+mn-lt"/>
+                <a:ea typeface="+mn-ea"/>
+                <a:cs typeface="+mn-cs"/>
+              </a:defRPr>
+            </a:lvl3pPr>
+            <a:lvl4pPr marL="1371600" algn="l" defTabSz="914400" rtl="0" eaLnBrk="1" latinLnBrk="1" hangingPunct="1">
+              <a:defRPr sz="1800" kern="1200">
+                <a:solidFill>
+                  <a:schemeClr val="lt1"/>
+                </a:solidFill>
+                <a:latin typeface="+mn-lt"/>
+                <a:ea typeface="+mn-ea"/>
+                <a:cs typeface="+mn-cs"/>
+              </a:defRPr>
+            </a:lvl4pPr>
+            <a:lvl5pPr marL="1828800" algn="l" defTabSz="914400" rtl="0" eaLnBrk="1" latinLnBrk="1" hangingPunct="1">
+              <a:defRPr sz="1800" kern="1200">
+                <a:solidFill>
+                  <a:schemeClr val="lt1"/>
+                </a:solidFill>
+                <a:latin typeface="+mn-lt"/>
+                <a:ea typeface="+mn-ea"/>
+                <a:cs typeface="+mn-cs"/>
+              </a:defRPr>
+            </a:lvl5pPr>
+            <a:lvl6pPr marL="2286000" algn="l" defTabSz="914400" rtl="0" eaLnBrk="1" latinLnBrk="1" hangingPunct="1">
+              <a:defRPr sz="1800" kern="1200">
+                <a:solidFill>
+                  <a:schemeClr val="lt1"/>
+                </a:solidFill>
+                <a:latin typeface="+mn-lt"/>
+                <a:ea typeface="+mn-ea"/>
+                <a:cs typeface="+mn-cs"/>
+              </a:defRPr>
+            </a:lvl6pPr>
+            <a:lvl7pPr marL="2743200" algn="l" defTabSz="914400" rtl="0" eaLnBrk="1" latinLnBrk="1" hangingPunct="1">
+              <a:defRPr sz="1800" kern="1200">
+                <a:solidFill>
+                  <a:schemeClr val="lt1"/>
+                </a:solidFill>
+                <a:latin typeface="+mn-lt"/>
+                <a:ea typeface="+mn-ea"/>
+                <a:cs typeface="+mn-cs"/>
+              </a:defRPr>
+            </a:lvl7pPr>
+            <a:lvl8pPr marL="3200400" algn="l" defTabSz="914400" rtl="0" eaLnBrk="1" latinLnBrk="1" hangingPunct="1">
+              <a:defRPr sz="1800" kern="1200">
+                <a:solidFill>
+                  <a:schemeClr val="lt1"/>
+                </a:solidFill>
+                <a:latin typeface="+mn-lt"/>
+                <a:ea typeface="+mn-ea"/>
+                <a:cs typeface="+mn-cs"/>
+              </a:defRPr>
+            </a:lvl8pPr>
+            <a:lvl9pPr marL="3657600" algn="l" defTabSz="914400" rtl="0" eaLnBrk="1" latinLnBrk="1" hangingPunct="1">
+              <a:defRPr sz="1800" kern="1200">
+                <a:solidFill>
+                  <a:schemeClr val="lt1"/>
+                </a:solidFill>
+                <a:latin typeface="+mn-lt"/>
+                <a:ea typeface="+mn-ea"/>
+                <a:cs typeface="+mn-cs"/>
+              </a:defRPr>
+            </a:lvl9pPr>
+          </a:lstStyle>
+          <a:p>
+            <a:pPr algn="ctr"/>
+            <a:endParaRPr lang="en-US" altLang="ko-KR" sz="800" smtClean="0">
+              <a:solidFill>
+                <a:schemeClr val="tx1"/>
+              </a:solidFill>
+            </a:endParaRPr>
+          </a:p>
+        </p:txBody>
+      </p:sp>
+      <p:sp>
+        <p:nvSpPr>
+          <p:cNvPr id="3" name="직사각형 2"/>
+          <p:cNvSpPr/>
+          <p:nvPr/>
+        </p:nvSpPr>
+        <p:spPr>
+          <a:xfrm>
+            <a:off x="3540204" y="26581"/>
+            <a:ext cx="5655202" cy="297517"/>
+          </a:xfrm>
+          <a:prstGeom prst="rect">
+            <a:avLst/>
+          </a:prstGeom>
+        </p:spPr>
+        <p:txBody>
+          <a:bodyPr wrap="none">
+            <a:spAutoFit/>
+          </a:bodyPr>
+          <a:lstStyle/>
+          <a:p>
+            <a:r>
+              <a:rPr lang="en-US" altLang="ko-KR" sz="2000" baseline="-25000" smtClean="0"/>
+              <a:t>ServerSocketClientRead(Sender : </a:t>
+            </a:r>
+            <a:r>
+              <a:rPr lang="en-US" altLang="ko-KR" sz="2000" baseline="-25000" smtClean="0"/>
+              <a:t>TObject</a:t>
+            </a:r>
+            <a:r>
+              <a:rPr lang="en-US" altLang="ko-KR" sz="2000" baseline="-25000" smtClean="0"/>
+              <a:t>; Socket </a:t>
+            </a:r>
+            <a:r>
+              <a:rPr lang="en-US" altLang="ko-KR" sz="2000" baseline="-25000" smtClean="0"/>
+              <a:t>: TCustomWinSocket)</a:t>
+            </a:r>
+            <a:endParaRPr lang="ko-KR" altLang="en-US" sz="2000" baseline="-25000"/>
+          </a:p>
+        </p:txBody>
+      </p:sp>
+      <p:sp>
+        <p:nvSpPr>
+          <p:cNvPr id="8" name="순서도: 판단 7"/>
+          <p:cNvSpPr/>
+          <p:nvPr/>
+        </p:nvSpPr>
+        <p:spPr>
+          <a:xfrm>
+            <a:off x="2520380" y="843080"/>
+            <a:ext cx="2970185" cy="345114"/>
+          </a:xfrm>
+          <a:prstGeom prst="flowChartDecision">
+            <a:avLst/>
+          </a:prstGeom>
+          <a:noFill/>
+        </p:spPr>
+        <p:style>
+          <a:lnRef idx="2">
+            <a:schemeClr val="accent1">
+              <a:shade val="50000"/>
+            </a:schemeClr>
+          </a:lnRef>
+          <a:fillRef idx="1">
+            <a:schemeClr val="accent1"/>
+          </a:fillRef>
+          <a:effectRef idx="0">
+            <a:schemeClr val="accent1"/>
+          </a:effectRef>
+          <a:fontRef idx="minor">
+            <a:schemeClr val="lt1"/>
+          </a:fontRef>
+        </p:style>
+        <p:txBody>
+          <a:bodyPr lIns="0" tIns="7324" rIns="0" bIns="7324" rtlCol="0" anchor="ctr"/>
+          <a:lstStyle/>
+          <a:p>
+            <a:pPr algn="ctr"/>
+            <a:r>
+              <a:rPr lang="en-US" altLang="ko-KR" sz="1200" smtClean="0">
+                <a:solidFill>
+                  <a:schemeClr val="tx1"/>
+                </a:solidFill>
+              </a:rPr>
+              <a:t>Socket &lt;&gt; nil</a:t>
+            </a:r>
+            <a:endParaRPr lang="ko-KR" altLang="en-US" sz="1200" dirty="0">
+              <a:solidFill>
+                <a:schemeClr val="tx1"/>
+              </a:solidFill>
+            </a:endParaRPr>
+          </a:p>
+        </p:txBody>
+      </p:sp>
+      <p:sp>
+        <p:nvSpPr>
+          <p:cNvPr id="9" name="순서도: 수행의 시작/종료 8"/>
+          <p:cNvSpPr/>
+          <p:nvPr/>
+        </p:nvSpPr>
+        <p:spPr>
+          <a:xfrm>
+            <a:off x="3085748" y="448248"/>
+            <a:ext cx="1843775" cy="307898"/>
+          </a:xfrm>
+          <a:prstGeom prst="flowChartTerminator">
+            <a:avLst/>
+          </a:prstGeom>
+          <a:noFill/>
+        </p:spPr>
+        <p:style>
+          <a:lnRef idx="2">
+            <a:schemeClr val="accent1">
+              <a:shade val="50000"/>
+            </a:schemeClr>
+          </a:lnRef>
+          <a:fillRef idx="1">
+            <a:schemeClr val="accent1"/>
+          </a:fillRef>
+          <a:effectRef idx="0">
+            <a:schemeClr val="accent1"/>
+          </a:effectRef>
+          <a:fontRef idx="minor">
+            <a:schemeClr val="lt1"/>
+          </a:fontRef>
+        </p:style>
+        <p:txBody>
+          <a:bodyPr lIns="0" tIns="0" rIns="0" bIns="0" rtlCol="0" anchor="ctr"/>
+          <a:lstStyle/>
+          <a:p>
+            <a:pPr algn="ctr"/>
+            <a:r>
+              <a:rPr lang="en-US" altLang="ko-KR" sz="1200" smtClean="0">
+                <a:solidFill>
+                  <a:schemeClr val="tx1"/>
+                </a:solidFill>
+              </a:rPr>
+              <a:t>START</a:t>
+            </a:r>
+            <a:endParaRPr lang="ko-KR" altLang="en-US" sz="1200" dirty="0">
+              <a:solidFill>
+                <a:schemeClr val="tx1"/>
+              </a:solidFill>
+            </a:endParaRPr>
+          </a:p>
+        </p:txBody>
+      </p:sp>
+      <p:sp>
+        <p:nvSpPr>
+          <p:cNvPr id="10" name="순서도: 수행의 시작/종료 9"/>
+          <p:cNvSpPr/>
+          <p:nvPr/>
+        </p:nvSpPr>
+        <p:spPr>
+          <a:xfrm>
+            <a:off x="3075000" y="8513144"/>
+            <a:ext cx="1843775" cy="307898"/>
+          </a:xfrm>
+          <a:prstGeom prst="flowChartTerminator">
+            <a:avLst/>
+          </a:prstGeom>
+          <a:noFill/>
+        </p:spPr>
+        <p:style>
+          <a:lnRef idx="2">
+            <a:schemeClr val="accent1">
+              <a:shade val="50000"/>
+            </a:schemeClr>
+          </a:lnRef>
+          <a:fillRef idx="1">
+            <a:schemeClr val="accent1"/>
+          </a:fillRef>
+          <a:effectRef idx="0">
+            <a:schemeClr val="accent1"/>
+          </a:effectRef>
+          <a:fontRef idx="minor">
+            <a:schemeClr val="lt1"/>
+          </a:fontRef>
+        </p:style>
+        <p:txBody>
+          <a:bodyPr lIns="0" tIns="0" rIns="0" bIns="0" rtlCol="0" anchor="ctr"/>
+          <a:lstStyle/>
+          <a:p>
+            <a:pPr algn="ctr"/>
+            <a:r>
+              <a:rPr lang="en-US" altLang="ko-KR" sz="1200" smtClean="0">
+                <a:solidFill>
+                  <a:schemeClr val="tx1"/>
+                </a:solidFill>
+              </a:rPr>
+              <a:t>END</a:t>
+            </a:r>
+            <a:endParaRPr lang="ko-KR" altLang="en-US" sz="1200" dirty="0">
+              <a:solidFill>
+                <a:schemeClr val="tx1"/>
+              </a:solidFill>
+            </a:endParaRPr>
+          </a:p>
+        </p:txBody>
+      </p:sp>
+      <p:sp>
+        <p:nvSpPr>
+          <p:cNvPr id="11" name="직사각형 10"/>
+          <p:cNvSpPr/>
+          <p:nvPr/>
+        </p:nvSpPr>
+        <p:spPr>
+          <a:xfrm rot="10800000" flipV="1">
+            <a:off x="4405784" y="1116187"/>
+            <a:ext cx="4098118" cy="936103"/>
+          </a:xfrm>
+          <a:prstGeom prst="rect">
+            <a:avLst/>
+          </a:prstGeom>
+          <a:noFill/>
+        </p:spPr>
+        <p:style>
+          <a:lnRef idx="2">
+            <a:schemeClr val="accent1">
+              <a:shade val="50000"/>
+            </a:schemeClr>
+          </a:lnRef>
+          <a:fillRef idx="1">
+            <a:schemeClr val="accent1"/>
+          </a:fillRef>
+          <a:effectRef idx="0">
+            <a:schemeClr val="accent1"/>
+          </a:effectRef>
+          <a:fontRef idx="minor">
+            <a:schemeClr val="lt1"/>
+          </a:fontRef>
+        </p:style>
+        <p:txBody>
+          <a:bodyPr lIns="0" tIns="0" rIns="0" bIns="0" rtlCol="0" anchor="ctr"/>
+          <a:lstStyle/>
+          <a:p>
+            <a:pPr algn="ctr"/>
+            <a:r>
+              <a:rPr lang="en-US" altLang="ko-KR" sz="1200" smtClean="0">
+                <a:solidFill>
+                  <a:schemeClr val="tx1"/>
+                </a:solidFill>
+              </a:rPr>
+              <a:t>aRecv </a:t>
+            </a:r>
+            <a:r>
+              <a:rPr lang="en-US" altLang="ko-KR" sz="1200" smtClean="0">
+                <a:solidFill>
+                  <a:schemeClr val="tx1"/>
+                </a:solidFill>
+              </a:rPr>
+              <a:t>= Socket.ReceiveText</a:t>
+            </a:r>
+            <a:endParaRPr lang="en-US" altLang="ko-KR" sz="1200" smtClean="0">
+              <a:solidFill>
+                <a:schemeClr val="tx1"/>
+              </a:solidFill>
+            </a:endParaRPr>
+          </a:p>
+          <a:p>
+            <a:pPr algn="ctr"/>
+            <a:r>
+              <a:rPr lang="en-US" altLang="ko-KR" sz="1200" smtClean="0">
+                <a:solidFill>
+                  <a:schemeClr val="tx1"/>
+                </a:solidFill>
+              </a:rPr>
+              <a:t>    </a:t>
+            </a:r>
+            <a:r>
+              <a:rPr lang="en-US" altLang="ko-KR" sz="1200" smtClean="0">
+                <a:solidFill>
+                  <a:schemeClr val="tx1"/>
+                </a:solidFill>
+              </a:rPr>
+              <a:t>aTag </a:t>
+            </a:r>
+            <a:r>
+              <a:rPr lang="en-US" altLang="ko-KR" sz="1200" smtClean="0">
+                <a:solidFill>
+                  <a:schemeClr val="tx1"/>
+                </a:solidFill>
+              </a:rPr>
+              <a:t>= </a:t>
+            </a:r>
+            <a:r>
+              <a:rPr lang="en-US" altLang="ko-KR" sz="1200" smtClean="0">
+                <a:solidFill>
+                  <a:schemeClr val="tx1"/>
+                </a:solidFill>
+              </a:rPr>
+              <a:t>StrToInt(aRecv[1</a:t>
+            </a:r>
+            <a:r>
+              <a:rPr lang="en-US" altLang="ko-KR" sz="1200" smtClean="0">
+                <a:solidFill>
+                  <a:schemeClr val="tx1"/>
+                </a:solidFill>
+              </a:rPr>
+              <a:t>])</a:t>
+            </a:r>
+            <a:endParaRPr lang="en-US" altLang="ko-KR" sz="1200" smtClean="0">
+              <a:solidFill>
+                <a:schemeClr val="tx1"/>
+              </a:solidFill>
+            </a:endParaRPr>
+          </a:p>
+          <a:p>
+            <a:pPr algn="ctr"/>
+            <a:r>
+              <a:rPr lang="en-US" altLang="ko-KR" sz="1200" smtClean="0">
+                <a:solidFill>
+                  <a:schemeClr val="tx1"/>
+                </a:solidFill>
+              </a:rPr>
+              <a:t>    </a:t>
+            </a:r>
+            <a:r>
+              <a:rPr lang="en-US" altLang="ko-KR" sz="1200" smtClean="0">
+                <a:solidFill>
+                  <a:schemeClr val="tx1"/>
+                </a:solidFill>
+              </a:rPr>
+              <a:t>aSecondType </a:t>
+            </a:r>
+            <a:r>
+              <a:rPr lang="en-US" altLang="ko-KR" sz="1200" smtClean="0">
+                <a:solidFill>
+                  <a:schemeClr val="tx1"/>
+                </a:solidFill>
+              </a:rPr>
+              <a:t>= </a:t>
+            </a:r>
+            <a:r>
+              <a:rPr lang="en-US" altLang="ko-KR" sz="1200" smtClean="0">
+                <a:solidFill>
+                  <a:schemeClr val="tx1"/>
+                </a:solidFill>
+              </a:rPr>
+              <a:t>StrToInt(aRecv[2</a:t>
+            </a:r>
+            <a:r>
+              <a:rPr lang="en-US" altLang="ko-KR" sz="1200" smtClean="0">
+                <a:solidFill>
+                  <a:schemeClr val="tx1"/>
+                </a:solidFill>
+              </a:rPr>
+              <a:t>])</a:t>
+            </a:r>
+            <a:endParaRPr lang="en-US" altLang="ko-KR" sz="1200" smtClean="0">
+              <a:solidFill>
+                <a:schemeClr val="tx1"/>
+              </a:solidFill>
+            </a:endParaRPr>
+          </a:p>
+          <a:p>
+            <a:pPr algn="ctr"/>
+            <a:r>
+              <a:rPr lang="en-US" altLang="ko-KR" sz="1200" smtClean="0">
+                <a:solidFill>
+                  <a:schemeClr val="tx1"/>
+                </a:solidFill>
+              </a:rPr>
+              <a:t>    </a:t>
+            </a:r>
+            <a:r>
+              <a:rPr lang="en-US" altLang="ko-KR" sz="1200" smtClean="0">
+                <a:solidFill>
+                  <a:schemeClr val="tx1"/>
+                </a:solidFill>
+              </a:rPr>
+              <a:t>aStrCount </a:t>
+            </a:r>
+            <a:r>
+              <a:rPr lang="en-US" altLang="ko-KR" sz="1200" smtClean="0">
+                <a:solidFill>
+                  <a:schemeClr val="tx1"/>
+                </a:solidFill>
+              </a:rPr>
+              <a:t>= </a:t>
+            </a:r>
+            <a:r>
+              <a:rPr lang="en-US" altLang="ko-KR" sz="1200" smtClean="0">
+                <a:solidFill>
+                  <a:schemeClr val="tx1"/>
+                </a:solidFill>
+              </a:rPr>
+              <a:t>Length(arecv) </a:t>
+            </a:r>
+            <a:r>
+              <a:rPr lang="en-US" altLang="ko-KR" sz="1200" smtClean="0">
+                <a:solidFill>
+                  <a:schemeClr val="tx1"/>
+                </a:solidFill>
+              </a:rPr>
+              <a:t>- </a:t>
+            </a:r>
+            <a:r>
+              <a:rPr lang="en-US" altLang="ko-KR" sz="1200" smtClean="0">
+                <a:solidFill>
+                  <a:schemeClr val="tx1"/>
+                </a:solidFill>
+              </a:rPr>
+              <a:t>2</a:t>
+            </a:r>
+            <a:endParaRPr lang="en-US" altLang="ko-KR" sz="1200" smtClean="0">
+              <a:solidFill>
+                <a:schemeClr val="tx1"/>
+              </a:solidFill>
+            </a:endParaRPr>
+          </a:p>
+          <a:p>
+            <a:pPr algn="ctr"/>
+            <a:r>
+              <a:rPr lang="en-US" altLang="ko-KR" sz="1200" smtClean="0">
+                <a:solidFill>
+                  <a:schemeClr val="tx1"/>
+                </a:solidFill>
+              </a:rPr>
+              <a:t>    </a:t>
+            </a:r>
+            <a:r>
+              <a:rPr lang="en-US" altLang="ko-KR" sz="1200" smtClean="0">
+                <a:solidFill>
+                  <a:schemeClr val="tx1"/>
+                </a:solidFill>
+              </a:rPr>
+              <a:t>aRecv </a:t>
+            </a:r>
+            <a:r>
+              <a:rPr lang="en-US" altLang="ko-KR" sz="1200" smtClean="0">
+                <a:solidFill>
+                  <a:schemeClr val="tx1"/>
+                </a:solidFill>
+              </a:rPr>
+              <a:t>=</a:t>
+            </a:r>
+            <a:r>
+              <a:rPr lang="en-US" altLang="ko-KR" sz="1200" smtClean="0">
+                <a:solidFill>
+                  <a:schemeClr val="tx1"/>
+                </a:solidFill>
+              </a:rPr>
+              <a:t> </a:t>
+            </a:r>
+            <a:r>
+              <a:rPr lang="en-US" altLang="ko-KR" sz="1200" smtClean="0">
+                <a:solidFill>
+                  <a:schemeClr val="tx1"/>
+                </a:solidFill>
+              </a:rPr>
+              <a:t>Copy(aRecv, STR_FIRST, </a:t>
+            </a:r>
+            <a:r>
+              <a:rPr lang="en-US" altLang="ko-KR" sz="1200" smtClean="0">
+                <a:solidFill>
+                  <a:schemeClr val="tx1"/>
+                </a:solidFill>
+              </a:rPr>
+              <a:t>aStrCount</a:t>
+            </a:r>
+            <a:r>
+              <a:rPr lang="en-US" altLang="ko-KR" sz="1200" smtClean="0">
+                <a:solidFill>
+                  <a:schemeClr val="tx1"/>
+                </a:solidFill>
+              </a:rPr>
+              <a:t>)</a:t>
+            </a:r>
+            <a:endParaRPr lang="en-US" altLang="ko-KR" sz="1200" smtClean="0">
+              <a:solidFill>
+                <a:schemeClr val="tx1"/>
+              </a:solidFill>
+            </a:endParaRPr>
+          </a:p>
+        </p:txBody>
+      </p:sp>
+      <p:cxnSp>
+        <p:nvCxnSpPr>
+          <p:cNvPr id="12" name="Shape 11"/>
+          <p:cNvCxnSpPr>
+            <a:stCxn id="8" idx="3"/>
+            <a:endCxn id="11" idx="0"/>
+          </p:cNvCxnSpPr>
+          <p:nvPr/>
+        </p:nvCxnSpPr>
+        <p:spPr>
+          <a:xfrm>
+            <a:off x="5490565" y="1015637"/>
+            <a:ext cx="964278" cy="100550"/>
+          </a:xfrm>
+          <a:prstGeom prst="bentConnector2">
+            <a:avLst/>
+          </a:prstGeom>
+          <a:ln>
+            <a:tailEnd type="arrow"/>
+          </a:ln>
+        </p:spPr>
+        <p:style>
+          <a:lnRef idx="1">
+            <a:schemeClr val="accent1"/>
+          </a:lnRef>
+          <a:fillRef idx="0">
+            <a:schemeClr val="accent1"/>
+          </a:fillRef>
+          <a:effectRef idx="0">
+            <a:schemeClr val="accent1"/>
+          </a:effectRef>
+          <a:fontRef idx="minor">
+            <a:schemeClr val="tx1"/>
+          </a:fontRef>
+        </p:style>
+      </p:cxnSp>
+      <p:cxnSp>
+        <p:nvCxnSpPr>
+          <p:cNvPr id="13" name="직선 화살표 연결선 12"/>
+          <p:cNvCxnSpPr>
+            <a:stCxn id="9" idx="2"/>
+            <a:endCxn id="8" idx="0"/>
+          </p:cNvCxnSpPr>
+          <p:nvPr/>
+        </p:nvCxnSpPr>
+        <p:spPr>
+          <a:xfrm flipH="1">
+            <a:off x="4005473" y="756146"/>
+            <a:ext cx="2163" cy="86934"/>
+          </a:xfrm>
+          <a:prstGeom prst="straightConnector1">
+            <a:avLst/>
+          </a:prstGeom>
+          <a:ln>
+            <a:tailEnd type="arrow"/>
+          </a:ln>
+        </p:spPr>
+        <p:style>
+          <a:lnRef idx="1">
+            <a:schemeClr val="accent1"/>
+          </a:lnRef>
+          <a:fillRef idx="0">
+            <a:schemeClr val="accent1"/>
+          </a:fillRef>
+          <a:effectRef idx="0">
+            <a:schemeClr val="accent1"/>
+          </a:effectRef>
+          <a:fontRef idx="minor">
+            <a:schemeClr val="tx1"/>
+          </a:fontRef>
+        </p:style>
+      </p:cxnSp>
+      <p:sp>
+        <p:nvSpPr>
+          <p:cNvPr id="19" name="직사각형 18"/>
+          <p:cNvSpPr/>
+          <p:nvPr/>
+        </p:nvSpPr>
+        <p:spPr>
+          <a:xfrm>
+            <a:off x="1512267" y="408704"/>
+            <a:ext cx="2376314" cy="600164"/>
+          </a:xfrm>
+          <a:prstGeom prst="rect">
+            <a:avLst/>
+          </a:prstGeom>
+        </p:spPr>
+        <p:txBody>
+          <a:bodyPr wrap="square">
+            <a:spAutoFit/>
+          </a:bodyPr>
+          <a:lstStyle/>
+          <a:p>
+            <a:r>
+              <a:rPr lang="en-US" altLang="ko-KR" sz="1100" smtClean="0"/>
+              <a:t>aStrCount </a:t>
+            </a:r>
+            <a:r>
+              <a:rPr lang="en-US" altLang="ko-KR" sz="1100" smtClean="0"/>
+              <a:t>: </a:t>
+            </a:r>
+            <a:r>
+              <a:rPr lang="en-US" altLang="ko-KR" sz="1100" smtClean="0"/>
+              <a:t>Int</a:t>
+            </a:r>
+            <a:endParaRPr lang="en-US" altLang="ko-KR" sz="1100" smtClean="0"/>
+          </a:p>
+          <a:p>
+            <a:r>
+              <a:rPr lang="en-US" altLang="ko-KR" sz="1100" smtClean="0"/>
+              <a:t>aRecv </a:t>
+            </a:r>
+            <a:r>
+              <a:rPr lang="en-US" altLang="ko-KR" sz="1100" smtClean="0"/>
+              <a:t>: </a:t>
+            </a:r>
+            <a:r>
+              <a:rPr lang="en-US" altLang="ko-KR" sz="1100" smtClean="0"/>
+              <a:t>String</a:t>
+            </a:r>
+            <a:endParaRPr lang="en-US" altLang="ko-KR" sz="1100" smtClean="0"/>
+          </a:p>
+          <a:p>
+            <a:r>
+              <a:rPr lang="en-US" altLang="ko-KR" sz="1100" smtClean="0"/>
+              <a:t>aTag</a:t>
+            </a:r>
+            <a:r>
+              <a:rPr lang="en-US" altLang="ko-KR" sz="1100" smtClean="0"/>
+              <a:t>, </a:t>
+            </a:r>
+            <a:r>
+              <a:rPr lang="en-US" altLang="ko-KR" sz="1100" smtClean="0"/>
+              <a:t>aSecondType </a:t>
+            </a:r>
+            <a:r>
+              <a:rPr lang="en-US" altLang="ko-KR" sz="1100" smtClean="0"/>
+              <a:t>Int</a:t>
+            </a:r>
+            <a:endParaRPr lang="ko-KR" altLang="en-US" sz="1100"/>
+          </a:p>
+        </p:txBody>
+      </p:sp>
+      <p:sp>
+        <p:nvSpPr>
+          <p:cNvPr id="23" name="순서도: 판단 22"/>
+          <p:cNvSpPr/>
+          <p:nvPr/>
+        </p:nvSpPr>
+        <p:spPr>
+          <a:xfrm>
+            <a:off x="2754262" y="2268314"/>
+            <a:ext cx="2502422" cy="504056"/>
+          </a:xfrm>
+          <a:prstGeom prst="flowChartDecision">
+            <a:avLst/>
+          </a:prstGeom>
+          <a:noFill/>
+        </p:spPr>
+        <p:style>
+          <a:lnRef idx="2">
+            <a:schemeClr val="accent1">
+              <a:shade val="50000"/>
+            </a:schemeClr>
+          </a:lnRef>
+          <a:fillRef idx="1">
+            <a:schemeClr val="accent1"/>
+          </a:fillRef>
+          <a:effectRef idx="0">
+            <a:schemeClr val="accent1"/>
+          </a:effectRef>
+          <a:fontRef idx="minor">
+            <a:schemeClr val="lt1"/>
+          </a:fontRef>
+        </p:style>
+        <p:txBody>
+          <a:bodyPr lIns="0" tIns="7324" rIns="0" bIns="7324" rtlCol="0" anchor="ctr"/>
+          <a:lstStyle/>
+          <a:p>
+            <a:pPr algn="ctr"/>
+            <a:r>
+              <a:rPr lang="en-US" altLang="ko-KR" sz="1200" smtClean="0">
+                <a:solidFill>
+                  <a:schemeClr val="tx1"/>
+                </a:solidFill>
+              </a:rPr>
+              <a:t>aTag = EDIT_TAG</a:t>
+            </a:r>
+            <a:endParaRPr lang="ko-KR" altLang="en-US" sz="1200" dirty="0">
+              <a:solidFill>
+                <a:schemeClr val="tx1"/>
+              </a:solidFill>
+            </a:endParaRPr>
+          </a:p>
+        </p:txBody>
+      </p:sp>
+      <p:sp>
+        <p:nvSpPr>
+          <p:cNvPr id="24" name="순서도: 판단 23"/>
+          <p:cNvSpPr/>
+          <p:nvPr/>
+        </p:nvSpPr>
+        <p:spPr>
+          <a:xfrm>
+            <a:off x="2754262" y="3276426"/>
+            <a:ext cx="2502422" cy="504056"/>
+          </a:xfrm>
+          <a:prstGeom prst="flowChartDecision">
+            <a:avLst/>
+          </a:prstGeom>
+          <a:noFill/>
+        </p:spPr>
+        <p:style>
+          <a:lnRef idx="2">
+            <a:schemeClr val="accent1">
+              <a:shade val="50000"/>
+            </a:schemeClr>
+          </a:lnRef>
+          <a:fillRef idx="1">
+            <a:schemeClr val="accent1"/>
+          </a:fillRef>
+          <a:effectRef idx="0">
+            <a:schemeClr val="accent1"/>
+          </a:effectRef>
+          <a:fontRef idx="minor">
+            <a:schemeClr val="lt1"/>
+          </a:fontRef>
+        </p:style>
+        <p:txBody>
+          <a:bodyPr lIns="0" tIns="7324" rIns="0" bIns="7324" rtlCol="0" anchor="ctr"/>
+          <a:lstStyle/>
+          <a:p>
+            <a:pPr algn="ctr"/>
+            <a:r>
+              <a:rPr lang="en-US" altLang="ko-KR" sz="1200" smtClean="0">
+                <a:solidFill>
+                  <a:schemeClr val="tx1"/>
+                </a:solidFill>
+              </a:rPr>
+              <a:t>aTag </a:t>
+            </a:r>
+            <a:r>
+              <a:rPr lang="en-US" altLang="ko-KR" sz="1200" smtClean="0">
+                <a:solidFill>
+                  <a:schemeClr val="tx1"/>
+                </a:solidFill>
+              </a:rPr>
+              <a:t>= </a:t>
+            </a:r>
+            <a:r>
+              <a:rPr lang="en-US" altLang="ko-KR" sz="1200" smtClean="0">
+                <a:solidFill>
+                  <a:schemeClr val="tx1"/>
+                </a:solidFill>
+              </a:rPr>
+              <a:t>MEMO_TAG</a:t>
+            </a:r>
+            <a:endParaRPr lang="ko-KR" altLang="en-US" sz="1200" dirty="0">
+              <a:solidFill>
+                <a:schemeClr val="tx1"/>
+              </a:solidFill>
+            </a:endParaRPr>
+          </a:p>
+        </p:txBody>
+      </p:sp>
+      <p:sp>
+        <p:nvSpPr>
+          <p:cNvPr id="25" name="순서도: 판단 24"/>
+          <p:cNvSpPr/>
+          <p:nvPr/>
+        </p:nvSpPr>
+        <p:spPr>
+          <a:xfrm>
+            <a:off x="2754262" y="3924498"/>
+            <a:ext cx="2502422" cy="504056"/>
+          </a:xfrm>
+          <a:prstGeom prst="flowChartDecision">
+            <a:avLst/>
+          </a:prstGeom>
+          <a:noFill/>
+        </p:spPr>
+        <p:style>
+          <a:lnRef idx="2">
+            <a:schemeClr val="accent1">
+              <a:shade val="50000"/>
+            </a:schemeClr>
+          </a:lnRef>
+          <a:fillRef idx="1">
+            <a:schemeClr val="accent1"/>
+          </a:fillRef>
+          <a:effectRef idx="0">
+            <a:schemeClr val="accent1"/>
+          </a:effectRef>
+          <a:fontRef idx="minor">
+            <a:schemeClr val="lt1"/>
+          </a:fontRef>
+        </p:style>
+        <p:txBody>
+          <a:bodyPr lIns="0" tIns="7324" rIns="0" bIns="7324" rtlCol="0" anchor="ctr"/>
+          <a:lstStyle/>
+          <a:p>
+            <a:pPr algn="ctr"/>
+            <a:r>
+              <a:rPr lang="en-US" altLang="ko-KR" sz="1200" smtClean="0">
+                <a:solidFill>
+                  <a:schemeClr val="tx1"/>
+                </a:solidFill>
+              </a:rPr>
+              <a:t>aTag </a:t>
+            </a:r>
+            <a:r>
+              <a:rPr lang="en-US" altLang="ko-KR" sz="1200" smtClean="0">
+                <a:solidFill>
+                  <a:schemeClr val="tx1"/>
+                </a:solidFill>
+              </a:rPr>
+              <a:t>= </a:t>
+            </a:r>
+            <a:r>
+              <a:rPr lang="en-US" altLang="ko-KR" sz="1200" smtClean="0">
+                <a:solidFill>
+                  <a:schemeClr val="tx1"/>
+                </a:solidFill>
+              </a:rPr>
+              <a:t>RADIOBTN1_TAG</a:t>
+            </a:r>
+            <a:endParaRPr lang="ko-KR" altLang="en-US" sz="1200" dirty="0">
+              <a:solidFill>
+                <a:schemeClr val="tx1"/>
+              </a:solidFill>
+            </a:endParaRPr>
+          </a:p>
+        </p:txBody>
+      </p:sp>
+      <p:sp>
+        <p:nvSpPr>
+          <p:cNvPr id="26" name="순서도: 판단 25"/>
+          <p:cNvSpPr/>
+          <p:nvPr/>
+        </p:nvSpPr>
+        <p:spPr>
+          <a:xfrm>
+            <a:off x="2754262" y="4572570"/>
+            <a:ext cx="2502422" cy="504056"/>
+          </a:xfrm>
+          <a:prstGeom prst="flowChartDecision">
+            <a:avLst/>
+          </a:prstGeom>
+          <a:noFill/>
+        </p:spPr>
+        <p:style>
+          <a:lnRef idx="2">
+            <a:schemeClr val="accent1">
+              <a:shade val="50000"/>
+            </a:schemeClr>
+          </a:lnRef>
+          <a:fillRef idx="1">
+            <a:schemeClr val="accent1"/>
+          </a:fillRef>
+          <a:effectRef idx="0">
+            <a:schemeClr val="accent1"/>
+          </a:effectRef>
+          <a:fontRef idx="minor">
+            <a:schemeClr val="lt1"/>
+          </a:fontRef>
+        </p:style>
+        <p:txBody>
+          <a:bodyPr lIns="0" tIns="7324" rIns="0" bIns="7324" rtlCol="0" anchor="ctr"/>
+          <a:lstStyle/>
+          <a:p>
+            <a:pPr algn="ctr"/>
+            <a:r>
+              <a:rPr lang="en-US" altLang="ko-KR" sz="1200" smtClean="0">
+                <a:solidFill>
+                  <a:schemeClr val="tx1"/>
+                </a:solidFill>
+              </a:rPr>
+              <a:t>aTag </a:t>
+            </a:r>
+            <a:r>
+              <a:rPr lang="en-US" altLang="ko-KR" sz="1200" smtClean="0">
+                <a:solidFill>
+                  <a:schemeClr val="tx1"/>
+                </a:solidFill>
+              </a:rPr>
+              <a:t>= </a:t>
+            </a:r>
+            <a:r>
+              <a:rPr lang="en-US" altLang="ko-KR" sz="1200" smtClean="0">
+                <a:solidFill>
+                  <a:schemeClr val="tx1"/>
+                </a:solidFill>
+              </a:rPr>
+              <a:t>RADIOBTN2_TAG</a:t>
+            </a:r>
+            <a:endParaRPr lang="ko-KR" altLang="en-US" sz="1200" dirty="0">
+              <a:solidFill>
+                <a:schemeClr val="tx1"/>
+              </a:solidFill>
+            </a:endParaRPr>
+          </a:p>
+        </p:txBody>
+      </p:sp>
+      <p:sp>
+        <p:nvSpPr>
+          <p:cNvPr id="27" name="순서도: 판단 26"/>
+          <p:cNvSpPr/>
+          <p:nvPr/>
+        </p:nvSpPr>
+        <p:spPr>
+          <a:xfrm>
+            <a:off x="2754262" y="5220642"/>
+            <a:ext cx="2502422" cy="504056"/>
+          </a:xfrm>
+          <a:prstGeom prst="flowChartDecision">
+            <a:avLst/>
+          </a:prstGeom>
+          <a:noFill/>
+        </p:spPr>
+        <p:style>
+          <a:lnRef idx="2">
+            <a:schemeClr val="accent1">
+              <a:shade val="50000"/>
+            </a:schemeClr>
+          </a:lnRef>
+          <a:fillRef idx="1">
+            <a:schemeClr val="accent1"/>
+          </a:fillRef>
+          <a:effectRef idx="0">
+            <a:schemeClr val="accent1"/>
+          </a:effectRef>
+          <a:fontRef idx="minor">
+            <a:schemeClr val="lt1"/>
+          </a:fontRef>
+        </p:style>
+        <p:txBody>
+          <a:bodyPr lIns="0" tIns="7324" rIns="0" bIns="7324" rtlCol="0" anchor="ctr"/>
+          <a:lstStyle/>
+          <a:p>
+            <a:pPr algn="ctr"/>
+            <a:r>
+              <a:rPr lang="en-US" altLang="ko-KR" sz="1200" smtClean="0">
+                <a:solidFill>
+                  <a:schemeClr val="tx1"/>
+                </a:solidFill>
+              </a:rPr>
+              <a:t>aTag </a:t>
+            </a:r>
+            <a:r>
+              <a:rPr lang="en-US" altLang="ko-KR" sz="1200" smtClean="0">
+                <a:solidFill>
+                  <a:schemeClr val="tx1"/>
+                </a:solidFill>
+              </a:rPr>
+              <a:t>= </a:t>
+            </a:r>
+            <a:r>
+              <a:rPr lang="en-US" altLang="ko-KR" sz="1200" smtClean="0">
+                <a:solidFill>
+                  <a:schemeClr val="tx1"/>
+                </a:solidFill>
+              </a:rPr>
+              <a:t>CHECKBOX1_TAG</a:t>
+            </a:r>
+            <a:endParaRPr lang="ko-KR" altLang="en-US" sz="1200" dirty="0">
+              <a:solidFill>
+                <a:schemeClr val="tx1"/>
+              </a:solidFill>
+            </a:endParaRPr>
+          </a:p>
+        </p:txBody>
+      </p:sp>
+      <p:sp>
+        <p:nvSpPr>
+          <p:cNvPr id="28" name="순서도: 판단 27"/>
+          <p:cNvSpPr/>
+          <p:nvPr/>
+        </p:nvSpPr>
+        <p:spPr>
+          <a:xfrm>
+            <a:off x="2754262" y="5868714"/>
+            <a:ext cx="2502422" cy="504056"/>
+          </a:xfrm>
+          <a:prstGeom prst="flowChartDecision">
+            <a:avLst/>
+          </a:prstGeom>
+          <a:noFill/>
+        </p:spPr>
+        <p:style>
+          <a:lnRef idx="2">
+            <a:schemeClr val="accent1">
+              <a:shade val="50000"/>
+            </a:schemeClr>
+          </a:lnRef>
+          <a:fillRef idx="1">
+            <a:schemeClr val="accent1"/>
+          </a:fillRef>
+          <a:effectRef idx="0">
+            <a:schemeClr val="accent1"/>
+          </a:effectRef>
+          <a:fontRef idx="minor">
+            <a:schemeClr val="lt1"/>
+          </a:fontRef>
+        </p:style>
+        <p:txBody>
+          <a:bodyPr lIns="0" tIns="7324" rIns="0" bIns="7324" rtlCol="0" anchor="ctr"/>
+          <a:lstStyle/>
+          <a:p>
+            <a:pPr algn="ctr"/>
+            <a:r>
+              <a:rPr lang="en-US" altLang="ko-KR" sz="1200" smtClean="0">
+                <a:solidFill>
+                  <a:schemeClr val="tx1"/>
+                </a:solidFill>
+              </a:rPr>
+              <a:t>aTag </a:t>
+            </a:r>
+            <a:r>
+              <a:rPr lang="en-US" altLang="ko-KR" sz="1200" smtClean="0">
+                <a:solidFill>
+                  <a:schemeClr val="tx1"/>
+                </a:solidFill>
+              </a:rPr>
+              <a:t>= </a:t>
+            </a:r>
+            <a:r>
+              <a:rPr lang="en-US" altLang="ko-KR" sz="1200" smtClean="0">
+                <a:solidFill>
+                  <a:schemeClr val="tx1"/>
+                </a:solidFill>
+              </a:rPr>
+              <a:t>CHECKBOX2_TAG</a:t>
+            </a:r>
+            <a:endParaRPr lang="ko-KR" altLang="en-US" sz="1200" dirty="0">
+              <a:solidFill>
+                <a:schemeClr val="tx1"/>
+              </a:solidFill>
+            </a:endParaRPr>
+          </a:p>
+        </p:txBody>
+      </p:sp>
+      <p:sp>
+        <p:nvSpPr>
+          <p:cNvPr id="29" name="순서도: 판단 28"/>
+          <p:cNvSpPr/>
+          <p:nvPr/>
+        </p:nvSpPr>
+        <p:spPr>
+          <a:xfrm>
+            <a:off x="2754262" y="6516786"/>
+            <a:ext cx="2502422" cy="504056"/>
+          </a:xfrm>
+          <a:prstGeom prst="flowChartDecision">
+            <a:avLst/>
+          </a:prstGeom>
+          <a:noFill/>
+        </p:spPr>
+        <p:style>
+          <a:lnRef idx="2">
+            <a:schemeClr val="accent1">
+              <a:shade val="50000"/>
+            </a:schemeClr>
+          </a:lnRef>
+          <a:fillRef idx="1">
+            <a:schemeClr val="accent1"/>
+          </a:fillRef>
+          <a:effectRef idx="0">
+            <a:schemeClr val="accent1"/>
+          </a:effectRef>
+          <a:fontRef idx="minor">
+            <a:schemeClr val="lt1"/>
+          </a:fontRef>
+        </p:style>
+        <p:txBody>
+          <a:bodyPr lIns="0" tIns="7324" rIns="0" bIns="7324" rtlCol="0" anchor="ctr"/>
+          <a:lstStyle/>
+          <a:p>
+            <a:pPr algn="ctr"/>
+            <a:r>
+              <a:rPr lang="en-US" altLang="ko-KR" sz="1200" smtClean="0">
+                <a:solidFill>
+                  <a:schemeClr val="tx1"/>
+                </a:solidFill>
+              </a:rPr>
+              <a:t>aTag </a:t>
+            </a:r>
+            <a:r>
+              <a:rPr lang="en-US" altLang="ko-KR" sz="1200" smtClean="0">
+                <a:solidFill>
+                  <a:schemeClr val="tx1"/>
+                </a:solidFill>
+              </a:rPr>
+              <a:t>= </a:t>
+            </a:r>
+            <a:r>
+              <a:rPr lang="en-US" altLang="ko-KR" sz="1200" smtClean="0">
+                <a:solidFill>
+                  <a:schemeClr val="tx1"/>
+                </a:solidFill>
+              </a:rPr>
+              <a:t>COMBOBOX_TAG</a:t>
+            </a:r>
+            <a:endParaRPr lang="ko-KR" altLang="en-US" sz="1200" dirty="0">
+              <a:solidFill>
+                <a:schemeClr val="tx1"/>
+              </a:solidFill>
+            </a:endParaRPr>
+          </a:p>
+        </p:txBody>
+      </p:sp>
+      <p:sp>
+        <p:nvSpPr>
+          <p:cNvPr id="30" name="순서도: 판단 29"/>
+          <p:cNvSpPr/>
+          <p:nvPr/>
+        </p:nvSpPr>
+        <p:spPr>
+          <a:xfrm>
+            <a:off x="2754262" y="7164858"/>
+            <a:ext cx="2502422" cy="504056"/>
+          </a:xfrm>
+          <a:prstGeom prst="flowChartDecision">
+            <a:avLst/>
+          </a:prstGeom>
+          <a:noFill/>
+        </p:spPr>
+        <p:style>
+          <a:lnRef idx="2">
+            <a:schemeClr val="accent1">
+              <a:shade val="50000"/>
+            </a:schemeClr>
+          </a:lnRef>
+          <a:fillRef idx="1">
+            <a:schemeClr val="accent1"/>
+          </a:fillRef>
+          <a:effectRef idx="0">
+            <a:schemeClr val="accent1"/>
+          </a:effectRef>
+          <a:fontRef idx="minor">
+            <a:schemeClr val="lt1"/>
+          </a:fontRef>
+        </p:style>
+        <p:txBody>
+          <a:bodyPr lIns="0" tIns="7324" rIns="0" bIns="7324" rtlCol="0" anchor="ctr"/>
+          <a:lstStyle/>
+          <a:p>
+            <a:pPr algn="ctr"/>
+            <a:r>
+              <a:rPr lang="en-US" altLang="ko-KR" sz="1200" smtClean="0">
+                <a:solidFill>
+                  <a:schemeClr val="tx1"/>
+                </a:solidFill>
+              </a:rPr>
+              <a:t>aTag = SCROLLBAR_TAG</a:t>
+            </a:r>
+            <a:endParaRPr lang="ko-KR" altLang="en-US" sz="1200" dirty="0">
+              <a:solidFill>
+                <a:schemeClr val="tx1"/>
+              </a:solidFill>
+            </a:endParaRPr>
+          </a:p>
+        </p:txBody>
+      </p:sp>
+      <p:sp>
+        <p:nvSpPr>
+          <p:cNvPr id="31" name="순서도: 판단 30"/>
+          <p:cNvSpPr/>
+          <p:nvPr/>
+        </p:nvSpPr>
+        <p:spPr>
+          <a:xfrm>
+            <a:off x="5112668" y="2628354"/>
+            <a:ext cx="2502422" cy="504056"/>
+          </a:xfrm>
+          <a:prstGeom prst="flowChartDecision">
+            <a:avLst/>
+          </a:prstGeom>
+          <a:noFill/>
+        </p:spPr>
+        <p:style>
+          <a:lnRef idx="2">
+            <a:schemeClr val="accent1">
+              <a:shade val="50000"/>
+            </a:schemeClr>
+          </a:lnRef>
+          <a:fillRef idx="1">
+            <a:schemeClr val="accent1"/>
+          </a:fillRef>
+          <a:effectRef idx="0">
+            <a:schemeClr val="accent1"/>
+          </a:effectRef>
+          <a:fontRef idx="minor">
+            <a:schemeClr val="lt1"/>
+          </a:fontRef>
+        </p:style>
+        <p:txBody>
+          <a:bodyPr lIns="0" tIns="7324" rIns="0" bIns="7324" rtlCol="0" anchor="ctr"/>
+          <a:lstStyle/>
+          <a:p>
+            <a:pPr algn="ctr"/>
+            <a:r>
+              <a:rPr lang="en-US" altLang="ko-KR" sz="1200" smtClean="0">
+                <a:solidFill>
+                  <a:schemeClr val="tx1"/>
+                </a:solidFill>
+              </a:rPr>
+              <a:t>aSecondType = 1</a:t>
+            </a:r>
+            <a:endParaRPr lang="ko-KR" altLang="en-US" sz="1200" dirty="0">
+              <a:solidFill>
+                <a:schemeClr val="tx1"/>
+              </a:solidFill>
+            </a:endParaRPr>
+          </a:p>
+        </p:txBody>
+      </p:sp>
+      <p:sp>
+        <p:nvSpPr>
+          <p:cNvPr id="32" name="직사각형 31"/>
+          <p:cNvSpPr/>
+          <p:nvPr/>
+        </p:nvSpPr>
+        <p:spPr>
+          <a:xfrm rot="10800000" flipV="1">
+            <a:off x="7344916" y="3060402"/>
+            <a:ext cx="1800200" cy="288032"/>
+          </a:xfrm>
+          <a:prstGeom prst="rect">
+            <a:avLst/>
+          </a:prstGeom>
+          <a:noFill/>
+        </p:spPr>
+        <p:style>
+          <a:lnRef idx="2">
+            <a:schemeClr val="accent1">
+              <a:shade val="50000"/>
+            </a:schemeClr>
+          </a:lnRef>
+          <a:fillRef idx="1">
+            <a:schemeClr val="accent1"/>
+          </a:fillRef>
+          <a:effectRef idx="0">
+            <a:schemeClr val="accent1"/>
+          </a:effectRef>
+          <a:fontRef idx="minor">
+            <a:schemeClr val="lt1"/>
+          </a:fontRef>
+        </p:style>
+        <p:txBody>
+          <a:bodyPr lIns="0" tIns="0" rIns="0" bIns="0" rtlCol="0" anchor="ctr"/>
+          <a:lstStyle/>
+          <a:p>
+            <a:pPr algn="ctr"/>
+            <a:r>
+              <a:rPr lang="en-US" altLang="ko-KR" sz="1200" smtClean="0">
+                <a:solidFill>
+                  <a:schemeClr val="tx1"/>
+                </a:solidFill>
+              </a:rPr>
+              <a:t>SvrListBoxUpDate</a:t>
+            </a:r>
+            <a:endParaRPr lang="en-US" altLang="ko-KR" sz="1200" smtClean="0">
+              <a:solidFill>
+                <a:schemeClr val="tx1"/>
+              </a:solidFill>
+            </a:endParaRPr>
+          </a:p>
+        </p:txBody>
+      </p:sp>
+      <p:sp>
+        <p:nvSpPr>
+          <p:cNvPr id="33" name="직사각형 32"/>
+          <p:cNvSpPr/>
+          <p:nvPr/>
+        </p:nvSpPr>
+        <p:spPr>
+          <a:xfrm rot="10800000" flipV="1">
+            <a:off x="5467705" y="3245945"/>
+            <a:ext cx="1800200" cy="288032"/>
+          </a:xfrm>
+          <a:prstGeom prst="rect">
+            <a:avLst/>
+          </a:prstGeom>
+          <a:noFill/>
+        </p:spPr>
+        <p:style>
+          <a:lnRef idx="2">
+            <a:schemeClr val="accent1">
+              <a:shade val="50000"/>
+            </a:schemeClr>
+          </a:lnRef>
+          <a:fillRef idx="1">
+            <a:schemeClr val="accent1"/>
+          </a:fillRef>
+          <a:effectRef idx="0">
+            <a:schemeClr val="accent1"/>
+          </a:effectRef>
+          <a:fontRef idx="minor">
+            <a:schemeClr val="lt1"/>
+          </a:fontRef>
+        </p:style>
+        <p:txBody>
+          <a:bodyPr lIns="0" tIns="0" rIns="0" bIns="0" rtlCol="0" anchor="ctr"/>
+          <a:lstStyle/>
+          <a:p>
+            <a:pPr algn="ctr"/>
+            <a:r>
+              <a:rPr lang="en-US" altLang="ko-KR" sz="1200" smtClean="0">
+                <a:solidFill>
+                  <a:schemeClr val="tx1"/>
+                </a:solidFill>
+              </a:rPr>
+              <a:t>SvrListBoxUpDate</a:t>
+            </a:r>
+            <a:endParaRPr lang="en-US" altLang="ko-KR" sz="1200" smtClean="0">
+              <a:solidFill>
+                <a:schemeClr val="tx1"/>
+              </a:solidFill>
+            </a:endParaRPr>
+          </a:p>
+        </p:txBody>
+      </p:sp>
+      <p:cxnSp>
+        <p:nvCxnSpPr>
+          <p:cNvPr id="35" name="Shape 34"/>
+          <p:cNvCxnSpPr>
+            <a:stCxn id="23" idx="3"/>
+            <a:endCxn id="31" idx="0"/>
+          </p:cNvCxnSpPr>
+          <p:nvPr/>
+        </p:nvCxnSpPr>
+        <p:spPr>
+          <a:xfrm>
+            <a:off x="5256684" y="2520342"/>
+            <a:ext cx="1107195" cy="108012"/>
+          </a:xfrm>
+          <a:prstGeom prst="bentConnector2">
+            <a:avLst/>
+          </a:prstGeom>
+          <a:ln>
+            <a:tailEnd type="arrow"/>
+          </a:ln>
+        </p:spPr>
+        <p:style>
+          <a:lnRef idx="1">
+            <a:schemeClr val="accent1"/>
+          </a:lnRef>
+          <a:fillRef idx="0">
+            <a:schemeClr val="accent1"/>
+          </a:fillRef>
+          <a:effectRef idx="0">
+            <a:schemeClr val="accent1"/>
+          </a:effectRef>
+          <a:fontRef idx="minor">
+            <a:schemeClr val="tx1"/>
+          </a:fontRef>
+        </p:style>
+      </p:cxnSp>
+      <p:cxnSp>
+        <p:nvCxnSpPr>
+          <p:cNvPr id="37" name="Shape 36"/>
+          <p:cNvCxnSpPr>
+            <a:stCxn id="31" idx="3"/>
+            <a:endCxn id="32" idx="0"/>
+          </p:cNvCxnSpPr>
+          <p:nvPr/>
+        </p:nvCxnSpPr>
+        <p:spPr>
+          <a:xfrm>
+            <a:off x="7615090" y="2880382"/>
+            <a:ext cx="629926" cy="180020"/>
+          </a:xfrm>
+          <a:prstGeom prst="bentConnector2">
+            <a:avLst/>
+          </a:prstGeom>
+          <a:ln>
+            <a:tailEnd type="arrow"/>
+          </a:ln>
+        </p:spPr>
+        <p:style>
+          <a:lnRef idx="1">
+            <a:schemeClr val="accent1"/>
+          </a:lnRef>
+          <a:fillRef idx="0">
+            <a:schemeClr val="accent1"/>
+          </a:fillRef>
+          <a:effectRef idx="0">
+            <a:schemeClr val="accent1"/>
+          </a:effectRef>
+          <a:fontRef idx="minor">
+            <a:schemeClr val="tx1"/>
+          </a:fontRef>
+        </p:style>
+      </p:cxnSp>
+      <p:cxnSp>
+        <p:nvCxnSpPr>
+          <p:cNvPr id="39" name="직선 화살표 연결선 38"/>
+          <p:cNvCxnSpPr>
+            <a:stCxn id="31" idx="2"/>
+            <a:endCxn id="33" idx="0"/>
+          </p:cNvCxnSpPr>
+          <p:nvPr/>
+        </p:nvCxnSpPr>
+        <p:spPr>
+          <a:xfrm>
+            <a:off x="6363879" y="3132410"/>
+            <a:ext cx="3926" cy="113535"/>
+          </a:xfrm>
+          <a:prstGeom prst="straightConnector1">
+            <a:avLst/>
+          </a:prstGeom>
+          <a:ln>
+            <a:tailEnd type="arrow"/>
+          </a:ln>
+        </p:spPr>
+        <p:style>
+          <a:lnRef idx="1">
+            <a:schemeClr val="accent1"/>
+          </a:lnRef>
+          <a:fillRef idx="0">
+            <a:schemeClr val="accent1"/>
+          </a:fillRef>
+          <a:effectRef idx="0">
+            <a:schemeClr val="accent1"/>
+          </a:effectRef>
+          <a:fontRef idx="minor">
+            <a:schemeClr val="tx1"/>
+          </a:fontRef>
+        </p:style>
+      </p:cxnSp>
+      <p:cxnSp>
+        <p:nvCxnSpPr>
+          <p:cNvPr id="43" name="꺾인 연결선 42"/>
+          <p:cNvCxnSpPr>
+            <a:stCxn id="32" idx="1"/>
+            <a:endCxn id="10" idx="3"/>
+          </p:cNvCxnSpPr>
+          <p:nvPr/>
+        </p:nvCxnSpPr>
+        <p:spPr>
+          <a:xfrm flipH="1">
+            <a:off x="4918775" y="3204418"/>
+            <a:ext cx="4226341" cy="5462675"/>
+          </a:xfrm>
+          <a:prstGeom prst="bentConnector3">
+            <a:avLst>
+              <a:gd name="adj1" fmla="val -5409"/>
+            </a:avLst>
+          </a:prstGeom>
+          <a:ln>
+            <a:tailEnd type="arrow"/>
+          </a:ln>
+        </p:spPr>
+        <p:style>
+          <a:lnRef idx="1">
+            <a:schemeClr val="accent1"/>
+          </a:lnRef>
+          <a:fillRef idx="0">
+            <a:schemeClr val="accent1"/>
+          </a:fillRef>
+          <a:effectRef idx="0">
+            <a:schemeClr val="accent1"/>
+          </a:effectRef>
+          <a:fontRef idx="minor">
+            <a:schemeClr val="tx1"/>
+          </a:fontRef>
+        </p:style>
+      </p:cxnSp>
+      <p:cxnSp>
+        <p:nvCxnSpPr>
+          <p:cNvPr id="45" name="Shape 44"/>
+          <p:cNvCxnSpPr>
+            <a:stCxn id="33" idx="2"/>
+          </p:cNvCxnSpPr>
+          <p:nvPr/>
+        </p:nvCxnSpPr>
+        <p:spPr>
+          <a:xfrm rot="16200000" flipH="1">
+            <a:off x="7819800" y="2081981"/>
+            <a:ext cx="66485" cy="2970475"/>
+          </a:xfrm>
+          <a:prstGeom prst="bentConnector2">
+            <a:avLst/>
+          </a:prstGeom>
+          <a:ln>
+            <a:tailEnd type="arrow"/>
+          </a:ln>
+        </p:spPr>
+        <p:style>
+          <a:lnRef idx="1">
+            <a:schemeClr val="accent1"/>
+          </a:lnRef>
+          <a:fillRef idx="0">
+            <a:schemeClr val="accent1"/>
+          </a:fillRef>
+          <a:effectRef idx="0">
+            <a:schemeClr val="accent1"/>
+          </a:effectRef>
+          <a:fontRef idx="minor">
+            <a:schemeClr val="tx1"/>
+          </a:fontRef>
+        </p:style>
+      </p:cxnSp>
+      <p:cxnSp>
+        <p:nvCxnSpPr>
+          <p:cNvPr id="47" name="직선 화살표 연결선 46"/>
+          <p:cNvCxnSpPr>
+            <a:stCxn id="8" idx="2"/>
+            <a:endCxn id="23" idx="0"/>
+          </p:cNvCxnSpPr>
+          <p:nvPr/>
+        </p:nvCxnSpPr>
+        <p:spPr>
+          <a:xfrm>
+            <a:off x="4005473" y="1188194"/>
+            <a:ext cx="0" cy="1080120"/>
+          </a:xfrm>
+          <a:prstGeom prst="straightConnector1">
+            <a:avLst/>
+          </a:prstGeom>
+          <a:ln>
+            <a:tailEnd type="arrow"/>
+          </a:ln>
+        </p:spPr>
+        <p:style>
+          <a:lnRef idx="1">
+            <a:schemeClr val="accent1"/>
+          </a:lnRef>
+          <a:fillRef idx="0">
+            <a:schemeClr val="accent1"/>
+          </a:fillRef>
+          <a:effectRef idx="0">
+            <a:schemeClr val="accent1"/>
+          </a:effectRef>
+          <a:fontRef idx="minor">
+            <a:schemeClr val="tx1"/>
+          </a:fontRef>
+        </p:style>
+      </p:cxnSp>
+      <p:cxnSp>
+        <p:nvCxnSpPr>
+          <p:cNvPr id="49" name="Shape 48"/>
+          <p:cNvCxnSpPr>
+            <a:stCxn id="11" idx="2"/>
+          </p:cNvCxnSpPr>
+          <p:nvPr/>
+        </p:nvCxnSpPr>
+        <p:spPr>
+          <a:xfrm rot="5400000">
+            <a:off x="5195237" y="864692"/>
+            <a:ext cx="72008" cy="2447204"/>
+          </a:xfrm>
+          <a:prstGeom prst="bentConnector2">
+            <a:avLst/>
+          </a:prstGeom>
+          <a:ln>
+            <a:tailEnd type="arrow"/>
+          </a:ln>
+        </p:spPr>
+        <p:style>
+          <a:lnRef idx="1">
+            <a:schemeClr val="accent1"/>
+          </a:lnRef>
+          <a:fillRef idx="0">
+            <a:schemeClr val="accent1"/>
+          </a:fillRef>
+          <a:effectRef idx="0">
+            <a:schemeClr val="accent1"/>
+          </a:effectRef>
+          <a:fontRef idx="minor">
+            <a:schemeClr val="tx1"/>
+          </a:fontRef>
+        </p:style>
+      </p:cxnSp>
+      <p:cxnSp>
+        <p:nvCxnSpPr>
+          <p:cNvPr id="52" name="직선 화살표 연결선 51"/>
+          <p:cNvCxnSpPr>
+            <a:stCxn id="23" idx="2"/>
+            <a:endCxn id="24" idx="0"/>
+          </p:cNvCxnSpPr>
+          <p:nvPr/>
+        </p:nvCxnSpPr>
+        <p:spPr>
+          <a:xfrm>
+            <a:off x="4005473" y="2772370"/>
+            <a:ext cx="0" cy="504056"/>
+          </a:xfrm>
+          <a:prstGeom prst="straightConnector1">
+            <a:avLst/>
+          </a:prstGeom>
+          <a:ln>
+            <a:tailEnd type="arrow"/>
+          </a:ln>
+        </p:spPr>
+        <p:style>
+          <a:lnRef idx="1">
+            <a:schemeClr val="accent1"/>
+          </a:lnRef>
+          <a:fillRef idx="0">
+            <a:schemeClr val="accent1"/>
+          </a:fillRef>
+          <a:effectRef idx="0">
+            <a:schemeClr val="accent1"/>
+          </a:effectRef>
+          <a:fontRef idx="minor">
+            <a:schemeClr val="tx1"/>
+          </a:fontRef>
+        </p:style>
+      </p:cxnSp>
+      <p:cxnSp>
+        <p:nvCxnSpPr>
+          <p:cNvPr id="54" name="직선 화살표 연결선 53"/>
+          <p:cNvCxnSpPr>
+            <a:stCxn id="24" idx="2"/>
+            <a:endCxn id="25" idx="0"/>
+          </p:cNvCxnSpPr>
+          <p:nvPr/>
+        </p:nvCxnSpPr>
+        <p:spPr>
+          <a:xfrm>
+            <a:off x="4005473" y="3780482"/>
+            <a:ext cx="0" cy="144016"/>
+          </a:xfrm>
+          <a:prstGeom prst="straightConnector1">
+            <a:avLst/>
+          </a:prstGeom>
+          <a:ln>
+            <a:tailEnd type="arrow"/>
+          </a:ln>
+        </p:spPr>
+        <p:style>
+          <a:lnRef idx="1">
+            <a:schemeClr val="accent1"/>
+          </a:lnRef>
+          <a:fillRef idx="0">
+            <a:schemeClr val="accent1"/>
+          </a:fillRef>
+          <a:effectRef idx="0">
+            <a:schemeClr val="accent1"/>
+          </a:effectRef>
+          <a:fontRef idx="minor">
+            <a:schemeClr val="tx1"/>
+          </a:fontRef>
+        </p:style>
+      </p:cxnSp>
+      <p:cxnSp>
+        <p:nvCxnSpPr>
+          <p:cNvPr id="56" name="직선 화살표 연결선 55"/>
+          <p:cNvCxnSpPr>
+            <a:endCxn id="26" idx="0"/>
+          </p:cNvCxnSpPr>
+          <p:nvPr/>
+        </p:nvCxnSpPr>
+        <p:spPr>
+          <a:xfrm>
+            <a:off x="4005473" y="4428554"/>
+            <a:ext cx="0" cy="144016"/>
+          </a:xfrm>
+          <a:prstGeom prst="straightConnector1">
+            <a:avLst/>
+          </a:prstGeom>
+          <a:ln>
+            <a:tailEnd type="arrow"/>
+          </a:ln>
+        </p:spPr>
+        <p:style>
+          <a:lnRef idx="1">
+            <a:schemeClr val="accent1"/>
+          </a:lnRef>
+          <a:fillRef idx="0">
+            <a:schemeClr val="accent1"/>
+          </a:fillRef>
+          <a:effectRef idx="0">
+            <a:schemeClr val="accent1"/>
+          </a:effectRef>
+          <a:fontRef idx="minor">
+            <a:schemeClr val="tx1"/>
+          </a:fontRef>
+        </p:style>
+      </p:cxnSp>
+      <p:cxnSp>
+        <p:nvCxnSpPr>
+          <p:cNvPr id="58" name="직선 화살표 연결선 57"/>
+          <p:cNvCxnSpPr>
+            <a:endCxn id="27" idx="0"/>
+          </p:cNvCxnSpPr>
+          <p:nvPr/>
+        </p:nvCxnSpPr>
+        <p:spPr>
+          <a:xfrm>
+            <a:off x="4005473" y="5004618"/>
+            <a:ext cx="0" cy="216024"/>
+          </a:xfrm>
+          <a:prstGeom prst="straightConnector1">
+            <a:avLst/>
+          </a:prstGeom>
+          <a:ln>
+            <a:tailEnd type="arrow"/>
+          </a:ln>
+        </p:spPr>
+        <p:style>
+          <a:lnRef idx="1">
+            <a:schemeClr val="accent1"/>
+          </a:lnRef>
+          <a:fillRef idx="0">
+            <a:schemeClr val="accent1"/>
+          </a:fillRef>
+          <a:effectRef idx="0">
+            <a:schemeClr val="accent1"/>
+          </a:effectRef>
+          <a:fontRef idx="minor">
+            <a:schemeClr val="tx1"/>
+          </a:fontRef>
+        </p:style>
+      </p:cxnSp>
+      <p:cxnSp>
+        <p:nvCxnSpPr>
+          <p:cNvPr id="60" name="직선 화살표 연결선 59"/>
+          <p:cNvCxnSpPr>
+            <a:stCxn id="27" idx="2"/>
+            <a:endCxn id="28" idx="0"/>
+          </p:cNvCxnSpPr>
+          <p:nvPr/>
+        </p:nvCxnSpPr>
+        <p:spPr>
+          <a:xfrm>
+            <a:off x="4005473" y="5724698"/>
+            <a:ext cx="0" cy="144016"/>
+          </a:xfrm>
+          <a:prstGeom prst="straightConnector1">
+            <a:avLst/>
+          </a:prstGeom>
+          <a:ln>
+            <a:tailEnd type="arrow"/>
+          </a:ln>
+        </p:spPr>
+        <p:style>
+          <a:lnRef idx="1">
+            <a:schemeClr val="accent1"/>
+          </a:lnRef>
+          <a:fillRef idx="0">
+            <a:schemeClr val="accent1"/>
+          </a:fillRef>
+          <a:effectRef idx="0">
+            <a:schemeClr val="accent1"/>
+          </a:effectRef>
+          <a:fontRef idx="minor">
+            <a:schemeClr val="tx1"/>
+          </a:fontRef>
+        </p:style>
+      </p:cxnSp>
+      <p:cxnSp>
+        <p:nvCxnSpPr>
+          <p:cNvPr id="62" name="직선 화살표 연결선 61"/>
+          <p:cNvCxnSpPr>
+            <a:stCxn id="28" idx="2"/>
+            <a:endCxn id="29" idx="0"/>
+          </p:cNvCxnSpPr>
+          <p:nvPr/>
+        </p:nvCxnSpPr>
+        <p:spPr>
+          <a:xfrm>
+            <a:off x="4005473" y="6372770"/>
+            <a:ext cx="0" cy="144016"/>
+          </a:xfrm>
+          <a:prstGeom prst="straightConnector1">
+            <a:avLst/>
+          </a:prstGeom>
+          <a:ln>
+            <a:tailEnd type="arrow"/>
+          </a:ln>
+        </p:spPr>
+        <p:style>
+          <a:lnRef idx="1">
+            <a:schemeClr val="accent1"/>
+          </a:lnRef>
+          <a:fillRef idx="0">
+            <a:schemeClr val="accent1"/>
+          </a:fillRef>
+          <a:effectRef idx="0">
+            <a:schemeClr val="accent1"/>
+          </a:effectRef>
+          <a:fontRef idx="minor">
+            <a:schemeClr val="tx1"/>
+          </a:fontRef>
+        </p:style>
+      </p:cxnSp>
+      <p:cxnSp>
+        <p:nvCxnSpPr>
+          <p:cNvPr id="64" name="직선 화살표 연결선 63"/>
+          <p:cNvCxnSpPr>
+            <a:stCxn id="29" idx="2"/>
+            <a:endCxn id="30" idx="0"/>
+          </p:cNvCxnSpPr>
+          <p:nvPr/>
+        </p:nvCxnSpPr>
+        <p:spPr>
+          <a:xfrm>
+            <a:off x="4005473" y="7020842"/>
+            <a:ext cx="0" cy="144016"/>
+          </a:xfrm>
+          <a:prstGeom prst="straightConnector1">
+            <a:avLst/>
+          </a:prstGeom>
+          <a:ln>
+            <a:tailEnd type="arrow"/>
+          </a:ln>
+        </p:spPr>
+        <p:style>
+          <a:lnRef idx="1">
+            <a:schemeClr val="accent1"/>
+          </a:lnRef>
+          <a:fillRef idx="0">
+            <a:schemeClr val="accent1"/>
+          </a:fillRef>
+          <a:effectRef idx="0">
+            <a:schemeClr val="accent1"/>
+          </a:effectRef>
+          <a:fontRef idx="minor">
+            <a:schemeClr val="tx1"/>
+          </a:fontRef>
+        </p:style>
+      </p:cxnSp>
+      <p:sp>
+        <p:nvSpPr>
+          <p:cNvPr id="66" name="직사각형 65"/>
+          <p:cNvSpPr/>
+          <p:nvPr/>
+        </p:nvSpPr>
+        <p:spPr>
+          <a:xfrm rot="10800000" flipV="1">
+            <a:off x="4752628" y="3708474"/>
+            <a:ext cx="2592288" cy="288032"/>
+          </a:xfrm>
+          <a:prstGeom prst="rect">
+            <a:avLst/>
+          </a:prstGeom>
+          <a:noFill/>
+        </p:spPr>
+        <p:style>
+          <a:lnRef idx="2">
+            <a:schemeClr val="accent1">
+              <a:shade val="50000"/>
+            </a:schemeClr>
+          </a:lnRef>
+          <a:fillRef idx="1">
+            <a:schemeClr val="accent1"/>
+          </a:fillRef>
+          <a:effectRef idx="0">
+            <a:schemeClr val="accent1"/>
+          </a:effectRef>
+          <a:fontRef idx="minor">
+            <a:schemeClr val="lt1"/>
+          </a:fontRef>
+        </p:style>
+        <p:txBody>
+          <a:bodyPr lIns="0" tIns="0" rIns="0" bIns="0" rtlCol="0" anchor="ctr"/>
+          <a:lstStyle/>
+          <a:p>
+            <a:pPr algn="ctr"/>
+            <a:r>
+              <a:rPr lang="en-US" altLang="ko-KR" sz="1200" smtClean="0">
+                <a:solidFill>
+                  <a:schemeClr val="tx1"/>
+                </a:solidFill>
+              </a:rPr>
+              <a:t>SvrMemo.Lines.add(aRecv)</a:t>
+            </a:r>
+            <a:endParaRPr lang="en-US" altLang="ko-KR" sz="1200" smtClean="0">
+              <a:solidFill>
+                <a:schemeClr val="tx1"/>
+              </a:solidFill>
+            </a:endParaRPr>
+          </a:p>
+        </p:txBody>
+      </p:sp>
+      <p:cxnSp>
+        <p:nvCxnSpPr>
+          <p:cNvPr id="68" name="Shape 67"/>
+          <p:cNvCxnSpPr>
+            <a:stCxn id="24" idx="3"/>
+            <a:endCxn id="66" idx="0"/>
+          </p:cNvCxnSpPr>
+          <p:nvPr/>
+        </p:nvCxnSpPr>
+        <p:spPr>
+          <a:xfrm>
+            <a:off x="5256684" y="3528454"/>
+            <a:ext cx="792088" cy="180020"/>
+          </a:xfrm>
+          <a:prstGeom prst="bentConnector2">
+            <a:avLst/>
+          </a:prstGeom>
+          <a:ln>
+            <a:tailEnd type="arrow"/>
+          </a:ln>
+        </p:spPr>
+        <p:style>
+          <a:lnRef idx="1">
+            <a:schemeClr val="accent1"/>
+          </a:lnRef>
+          <a:fillRef idx="0">
+            <a:schemeClr val="accent1"/>
+          </a:fillRef>
+          <a:effectRef idx="0">
+            <a:schemeClr val="accent1"/>
+          </a:effectRef>
+          <a:fontRef idx="minor">
+            <a:schemeClr val="tx1"/>
+          </a:fontRef>
+        </p:style>
+      </p:cxnSp>
+      <p:sp>
+        <p:nvSpPr>
+          <p:cNvPr id="70" name="직사각형 69"/>
+          <p:cNvSpPr/>
+          <p:nvPr/>
+        </p:nvSpPr>
+        <p:spPr>
+          <a:xfrm rot="10800000" flipV="1">
+            <a:off x="4752628" y="4356546"/>
+            <a:ext cx="2592288" cy="288032"/>
+          </a:xfrm>
+          <a:prstGeom prst="rect">
+            <a:avLst/>
+          </a:prstGeom>
+          <a:noFill/>
+        </p:spPr>
+        <p:style>
+          <a:lnRef idx="2">
+            <a:schemeClr val="accent1">
+              <a:shade val="50000"/>
+            </a:schemeClr>
+          </a:lnRef>
+          <a:fillRef idx="1">
+            <a:schemeClr val="accent1"/>
+          </a:fillRef>
+          <a:effectRef idx="0">
+            <a:schemeClr val="accent1"/>
+          </a:effectRef>
+          <a:fontRef idx="minor">
+            <a:schemeClr val="lt1"/>
+          </a:fontRef>
+        </p:style>
+        <p:txBody>
+          <a:bodyPr lIns="0" tIns="0" rIns="0" bIns="0" rtlCol="0" anchor="ctr"/>
+          <a:lstStyle/>
+          <a:p>
+            <a:pPr algn="ctr"/>
+            <a:r>
+              <a:rPr lang="en-US" altLang="ko-KR" sz="1200" smtClean="0">
+                <a:solidFill>
+                  <a:schemeClr val="tx1"/>
+                </a:solidFill>
+              </a:rPr>
+              <a:t>SvrCheckedUpdate(aTag)</a:t>
+            </a:r>
+            <a:endParaRPr lang="en-US" altLang="ko-KR" sz="1200" smtClean="0">
+              <a:solidFill>
+                <a:schemeClr val="tx1"/>
+              </a:solidFill>
+            </a:endParaRPr>
+          </a:p>
+        </p:txBody>
+      </p:sp>
+      <p:sp>
+        <p:nvSpPr>
+          <p:cNvPr id="71" name="직사각형 70"/>
+          <p:cNvSpPr/>
+          <p:nvPr/>
+        </p:nvSpPr>
+        <p:spPr>
+          <a:xfrm rot="10800000" flipV="1">
+            <a:off x="4752628" y="5004618"/>
+            <a:ext cx="2592288" cy="288032"/>
+          </a:xfrm>
+          <a:prstGeom prst="rect">
+            <a:avLst/>
+          </a:prstGeom>
+          <a:noFill/>
+        </p:spPr>
+        <p:style>
+          <a:lnRef idx="2">
+            <a:schemeClr val="accent1">
+              <a:shade val="50000"/>
+            </a:schemeClr>
+          </a:lnRef>
+          <a:fillRef idx="1">
+            <a:schemeClr val="accent1"/>
+          </a:fillRef>
+          <a:effectRef idx="0">
+            <a:schemeClr val="accent1"/>
+          </a:effectRef>
+          <a:fontRef idx="minor">
+            <a:schemeClr val="lt1"/>
+          </a:fontRef>
+        </p:style>
+        <p:txBody>
+          <a:bodyPr lIns="0" tIns="0" rIns="0" bIns="0" rtlCol="0" anchor="ctr"/>
+          <a:lstStyle/>
+          <a:p>
+            <a:pPr algn="ctr"/>
+            <a:r>
+              <a:rPr lang="en-US" altLang="ko-KR" sz="1200" smtClean="0">
+                <a:solidFill>
+                  <a:schemeClr val="tx1"/>
+                </a:solidFill>
+              </a:rPr>
+              <a:t>SvrCheckedUpdate(aTag)</a:t>
+            </a:r>
+            <a:endParaRPr lang="en-US" altLang="ko-KR" sz="1200" smtClean="0">
+              <a:solidFill>
+                <a:schemeClr val="tx1"/>
+              </a:solidFill>
+            </a:endParaRPr>
+          </a:p>
+        </p:txBody>
+      </p:sp>
+      <p:sp>
+        <p:nvSpPr>
+          <p:cNvPr id="72" name="직사각형 71"/>
+          <p:cNvSpPr/>
+          <p:nvPr/>
+        </p:nvSpPr>
+        <p:spPr>
+          <a:xfrm rot="10800000" flipV="1">
+            <a:off x="5400700" y="5540042"/>
+            <a:ext cx="2592288" cy="540060"/>
+          </a:xfrm>
+          <a:prstGeom prst="rect">
+            <a:avLst/>
+          </a:prstGeom>
+          <a:noFill/>
+        </p:spPr>
+        <p:style>
+          <a:lnRef idx="2">
+            <a:schemeClr val="accent1">
+              <a:shade val="50000"/>
+            </a:schemeClr>
+          </a:lnRef>
+          <a:fillRef idx="1">
+            <a:schemeClr val="accent1"/>
+          </a:fillRef>
+          <a:effectRef idx="0">
+            <a:schemeClr val="accent1"/>
+          </a:effectRef>
+          <a:fontRef idx="minor">
+            <a:schemeClr val="lt1"/>
+          </a:fontRef>
+        </p:style>
+        <p:txBody>
+          <a:bodyPr lIns="0" tIns="0" rIns="0" bIns="0" rtlCol="0" anchor="ctr"/>
+          <a:lstStyle/>
+          <a:p>
+            <a:pPr algn="ctr"/>
+            <a:r>
+              <a:rPr lang="en-US" altLang="ko-KR" sz="1200" smtClean="0">
+                <a:solidFill>
+                  <a:schemeClr val="tx1"/>
+                </a:solidFill>
+              </a:rPr>
+              <a:t>SvrCheckBox1.OnClick </a:t>
+            </a:r>
+            <a:r>
+              <a:rPr lang="en-US" altLang="ko-KR" sz="1200" smtClean="0">
+                <a:solidFill>
+                  <a:schemeClr val="tx1"/>
+                </a:solidFill>
+              </a:rPr>
+              <a:t>= nil</a:t>
+            </a:r>
+            <a:endParaRPr lang="en-US" altLang="ko-KR" sz="1200" smtClean="0">
+              <a:solidFill>
+                <a:schemeClr val="tx1"/>
+              </a:solidFill>
+            </a:endParaRPr>
+          </a:p>
+          <a:p>
+            <a:pPr algn="ctr"/>
+            <a:r>
+              <a:rPr lang="en-US" altLang="ko-KR" sz="1200" smtClean="0">
+                <a:solidFill>
+                  <a:schemeClr val="tx1"/>
+                </a:solidFill>
+              </a:rPr>
+              <a:t>SvrCheckedUpdate(aTag)</a:t>
+            </a:r>
+          </a:p>
+          <a:p>
+            <a:pPr algn="ctr"/>
+            <a:r>
+              <a:rPr lang="en-US" altLang="ko-KR" sz="1200" smtClean="0">
+                <a:solidFill>
+                  <a:schemeClr val="tx1"/>
+                </a:solidFill>
+              </a:rPr>
+              <a:t>SvrCheckBox1.OnClick </a:t>
+            </a:r>
+            <a:r>
+              <a:rPr lang="en-US" altLang="ko-KR" sz="1200" smtClean="0">
+                <a:solidFill>
+                  <a:schemeClr val="tx1"/>
+                </a:solidFill>
+              </a:rPr>
+              <a:t>= CompClick</a:t>
+            </a:r>
+            <a:endParaRPr lang="en-US" altLang="ko-KR" sz="1200" smtClean="0">
+              <a:solidFill>
+                <a:schemeClr val="tx1"/>
+              </a:solidFill>
+            </a:endParaRPr>
+          </a:p>
+        </p:txBody>
+      </p:sp>
+      <p:sp>
+        <p:nvSpPr>
+          <p:cNvPr id="73" name="직사각형 72"/>
+          <p:cNvSpPr/>
+          <p:nvPr/>
+        </p:nvSpPr>
+        <p:spPr>
+          <a:xfrm rot="10800000" flipV="1">
+            <a:off x="5472708" y="6228754"/>
+            <a:ext cx="2592288" cy="540059"/>
+          </a:xfrm>
+          <a:prstGeom prst="rect">
+            <a:avLst/>
+          </a:prstGeom>
+          <a:noFill/>
+        </p:spPr>
+        <p:style>
+          <a:lnRef idx="2">
+            <a:schemeClr val="accent1">
+              <a:shade val="50000"/>
+            </a:schemeClr>
+          </a:lnRef>
+          <a:fillRef idx="1">
+            <a:schemeClr val="accent1"/>
+          </a:fillRef>
+          <a:effectRef idx="0">
+            <a:schemeClr val="accent1"/>
+          </a:effectRef>
+          <a:fontRef idx="minor">
+            <a:schemeClr val="lt1"/>
+          </a:fontRef>
+        </p:style>
+        <p:txBody>
+          <a:bodyPr lIns="0" tIns="0" rIns="0" bIns="0" rtlCol="0" anchor="ctr"/>
+          <a:lstStyle/>
+          <a:p>
+            <a:pPr algn="ctr"/>
+            <a:r>
+              <a:rPr lang="en-US" altLang="ko-KR" sz="1200" smtClean="0">
+                <a:solidFill>
+                  <a:schemeClr val="tx1"/>
+                </a:solidFill>
+              </a:rPr>
+              <a:t>SvrCheckBox1.OnClic</a:t>
+            </a:r>
+            <a:endParaRPr lang="en-US" altLang="ko-KR" sz="1200" smtClean="0">
+              <a:solidFill>
+                <a:schemeClr val="tx1"/>
+              </a:solidFill>
+            </a:endParaRPr>
+          </a:p>
+          <a:p>
+            <a:pPr algn="ctr"/>
+            <a:r>
+              <a:rPr lang="en-US" altLang="ko-KR" sz="1200" smtClean="0">
+                <a:solidFill>
+                  <a:schemeClr val="tx1"/>
+                </a:solidFill>
+              </a:rPr>
+              <a:t>SvrCheckedUpdate(aTag)</a:t>
+            </a:r>
+          </a:p>
+          <a:p>
+            <a:pPr algn="ctr"/>
+            <a:r>
+              <a:rPr lang="en-US" altLang="ko-KR" sz="1200" smtClean="0">
+                <a:solidFill>
+                  <a:schemeClr val="tx1"/>
+                </a:solidFill>
+              </a:rPr>
+              <a:t>SvrCheckBox1.OnClick </a:t>
+            </a:r>
+            <a:r>
+              <a:rPr lang="en-US" altLang="ko-KR" sz="1200" smtClean="0">
+                <a:solidFill>
+                  <a:schemeClr val="tx1"/>
+                </a:solidFill>
+              </a:rPr>
+              <a:t>= </a:t>
+            </a:r>
+            <a:r>
+              <a:rPr lang="en-US" altLang="ko-KR" sz="1200" smtClean="0">
+                <a:solidFill>
+                  <a:schemeClr val="tx1"/>
+                </a:solidFill>
+              </a:rPr>
+              <a:t>CompClick</a:t>
+            </a:r>
+            <a:endParaRPr lang="en-US" altLang="ko-KR" sz="1200" smtClean="0">
+              <a:solidFill>
+                <a:schemeClr val="tx1"/>
+              </a:solidFill>
+            </a:endParaRPr>
+          </a:p>
+        </p:txBody>
+      </p:sp>
+      <p:sp>
+        <p:nvSpPr>
+          <p:cNvPr id="74" name="직사각형 73"/>
+          <p:cNvSpPr/>
+          <p:nvPr/>
+        </p:nvSpPr>
+        <p:spPr>
+          <a:xfrm rot="10800000" flipV="1">
+            <a:off x="4752628" y="6948833"/>
+            <a:ext cx="4176464" cy="288032"/>
+          </a:xfrm>
+          <a:prstGeom prst="rect">
+            <a:avLst/>
+          </a:prstGeom>
+          <a:noFill/>
+        </p:spPr>
+        <p:style>
+          <a:lnRef idx="2">
+            <a:schemeClr val="accent1">
+              <a:shade val="50000"/>
+            </a:schemeClr>
+          </a:lnRef>
+          <a:fillRef idx="1">
+            <a:schemeClr val="accent1"/>
+          </a:fillRef>
+          <a:effectRef idx="0">
+            <a:schemeClr val="accent1"/>
+          </a:effectRef>
+          <a:fontRef idx="minor">
+            <a:schemeClr val="lt1"/>
+          </a:fontRef>
+        </p:style>
+        <p:txBody>
+          <a:bodyPr lIns="0" tIns="0" rIns="0" bIns="0" rtlCol="0" anchor="ctr"/>
+          <a:lstStyle/>
+          <a:p>
+            <a:pPr algn="ctr"/>
+            <a:r>
+              <a:rPr lang="en-US" altLang="ko-KR" sz="1200" smtClean="0">
+                <a:solidFill>
+                  <a:schemeClr val="tx1"/>
+                </a:solidFill>
+              </a:rPr>
+              <a:t>SvrComboBox.ItemIndex := StrToInt(aRecv)</a:t>
+            </a:r>
+            <a:endParaRPr lang="en-US" altLang="ko-KR" sz="1200" smtClean="0">
+              <a:solidFill>
+                <a:schemeClr val="tx1"/>
+              </a:solidFill>
+            </a:endParaRPr>
+          </a:p>
+        </p:txBody>
+      </p:sp>
+      <p:sp>
+        <p:nvSpPr>
+          <p:cNvPr id="75" name="직사각형 74"/>
+          <p:cNvSpPr/>
+          <p:nvPr/>
+        </p:nvSpPr>
+        <p:spPr>
+          <a:xfrm rot="10800000" flipV="1">
+            <a:off x="4752628" y="7524898"/>
+            <a:ext cx="4176464" cy="288032"/>
+          </a:xfrm>
+          <a:prstGeom prst="rect">
+            <a:avLst/>
+          </a:prstGeom>
+          <a:noFill/>
+        </p:spPr>
+        <p:style>
+          <a:lnRef idx="2">
+            <a:schemeClr val="accent1">
+              <a:shade val="50000"/>
+            </a:schemeClr>
+          </a:lnRef>
+          <a:fillRef idx="1">
+            <a:schemeClr val="accent1"/>
+          </a:fillRef>
+          <a:effectRef idx="0">
+            <a:schemeClr val="accent1"/>
+          </a:effectRef>
+          <a:fontRef idx="minor">
+            <a:schemeClr val="lt1"/>
+          </a:fontRef>
+        </p:style>
+        <p:txBody>
+          <a:bodyPr lIns="0" tIns="0" rIns="0" bIns="0" rtlCol="0" anchor="ctr"/>
+          <a:lstStyle/>
+          <a:p>
+            <a:pPr algn="ctr"/>
+            <a:r>
+              <a:rPr lang="en-US" altLang="ko-KR" sz="1200" smtClean="0">
+                <a:solidFill>
+                  <a:schemeClr val="tx1"/>
+                </a:solidFill>
+              </a:rPr>
+              <a:t>SvrScrollBar.Position := StrToInt(aRecv)</a:t>
+            </a:r>
+            <a:endParaRPr lang="en-US" altLang="ko-KR" sz="1200" smtClean="0">
+              <a:solidFill>
+                <a:schemeClr val="tx1"/>
+              </a:solidFill>
+            </a:endParaRPr>
+          </a:p>
+        </p:txBody>
+      </p:sp>
+      <p:sp>
+        <p:nvSpPr>
+          <p:cNvPr id="83" name="순서도: 판단 82"/>
+          <p:cNvSpPr/>
+          <p:nvPr/>
+        </p:nvSpPr>
+        <p:spPr>
+          <a:xfrm>
+            <a:off x="2754262" y="7740922"/>
+            <a:ext cx="2502422" cy="504056"/>
+          </a:xfrm>
+          <a:prstGeom prst="flowChartDecision">
+            <a:avLst/>
+          </a:prstGeom>
+          <a:noFill/>
+        </p:spPr>
+        <p:style>
+          <a:lnRef idx="2">
+            <a:schemeClr val="accent1">
+              <a:shade val="50000"/>
+            </a:schemeClr>
+          </a:lnRef>
+          <a:fillRef idx="1">
+            <a:schemeClr val="accent1"/>
+          </a:fillRef>
+          <a:effectRef idx="0">
+            <a:schemeClr val="accent1"/>
+          </a:effectRef>
+          <a:fontRef idx="minor">
+            <a:schemeClr val="lt1"/>
+          </a:fontRef>
+        </p:style>
+        <p:txBody>
+          <a:bodyPr lIns="0" tIns="7324" rIns="0" bIns="7324" rtlCol="0" anchor="ctr"/>
+          <a:lstStyle/>
+          <a:p>
+            <a:pPr algn="ctr"/>
+            <a:r>
+              <a:rPr lang="en-US" altLang="ko-KR" sz="1200" smtClean="0">
+                <a:solidFill>
+                  <a:schemeClr val="tx1"/>
+                </a:solidFill>
+              </a:rPr>
+              <a:t>aTag </a:t>
+            </a:r>
+            <a:r>
+              <a:rPr lang="en-US" altLang="ko-KR" sz="1200" smtClean="0">
+                <a:solidFill>
+                  <a:schemeClr val="tx1"/>
+                </a:solidFill>
+              </a:rPr>
+              <a:t>= </a:t>
+            </a:r>
+            <a:r>
+              <a:rPr lang="en-US" altLang="ko-KR" sz="1200" smtClean="0">
+                <a:solidFill>
+                  <a:schemeClr val="tx1"/>
+                </a:solidFill>
+              </a:rPr>
+              <a:t>LISTBOX_TAG</a:t>
+            </a:r>
+            <a:endParaRPr lang="ko-KR" altLang="en-US" sz="1200" dirty="0">
+              <a:solidFill>
+                <a:schemeClr val="tx1"/>
+              </a:solidFill>
+            </a:endParaRPr>
+          </a:p>
+        </p:txBody>
+      </p:sp>
+      <p:sp>
+        <p:nvSpPr>
+          <p:cNvPr id="84" name="직사각형 83"/>
+          <p:cNvSpPr/>
+          <p:nvPr/>
+        </p:nvSpPr>
+        <p:spPr>
+          <a:xfrm rot="10800000" flipV="1">
+            <a:off x="4752628" y="8172970"/>
+            <a:ext cx="4176464" cy="288032"/>
+          </a:xfrm>
+          <a:prstGeom prst="rect">
+            <a:avLst/>
+          </a:prstGeom>
+          <a:noFill/>
+        </p:spPr>
+        <p:style>
+          <a:lnRef idx="2">
+            <a:schemeClr val="accent1">
+              <a:shade val="50000"/>
+            </a:schemeClr>
+          </a:lnRef>
+          <a:fillRef idx="1">
+            <a:schemeClr val="accent1"/>
+          </a:fillRef>
+          <a:effectRef idx="0">
+            <a:schemeClr val="accent1"/>
+          </a:effectRef>
+          <a:fontRef idx="minor">
+            <a:schemeClr val="lt1"/>
+          </a:fontRef>
+        </p:style>
+        <p:txBody>
+          <a:bodyPr lIns="0" tIns="0" rIns="0" bIns="0" rtlCol="0" anchor="ctr"/>
+          <a:lstStyle/>
+          <a:p>
+            <a:pPr algn="ctr"/>
+            <a:r>
+              <a:rPr lang="en-US" altLang="ko-KR" sz="1200" smtClean="0">
+                <a:solidFill>
+                  <a:schemeClr val="tx1"/>
+                </a:solidFill>
+              </a:rPr>
+              <a:t>SvrListBox.ItemIndex := StrToInt(aRecv)</a:t>
+            </a:r>
+            <a:endParaRPr lang="en-US" altLang="ko-KR" sz="1200" smtClean="0">
+              <a:solidFill>
+                <a:schemeClr val="tx1"/>
+              </a:solidFill>
+            </a:endParaRPr>
+          </a:p>
+        </p:txBody>
+      </p:sp>
+      <p:cxnSp>
+        <p:nvCxnSpPr>
+          <p:cNvPr id="86" name="직선 화살표 연결선 85"/>
+          <p:cNvCxnSpPr>
+            <a:stCxn id="30" idx="2"/>
+            <a:endCxn id="83" idx="0"/>
+          </p:cNvCxnSpPr>
+          <p:nvPr/>
+        </p:nvCxnSpPr>
+        <p:spPr>
+          <a:xfrm>
+            <a:off x="4005473" y="7668914"/>
+            <a:ext cx="0" cy="72008"/>
+          </a:xfrm>
+          <a:prstGeom prst="straightConnector1">
+            <a:avLst/>
+          </a:prstGeom>
+          <a:ln>
+            <a:tailEnd type="arrow"/>
+          </a:ln>
+        </p:spPr>
+        <p:style>
+          <a:lnRef idx="1">
+            <a:schemeClr val="accent1"/>
+          </a:lnRef>
+          <a:fillRef idx="0">
+            <a:schemeClr val="accent1"/>
+          </a:fillRef>
+          <a:effectRef idx="0">
+            <a:schemeClr val="accent1"/>
+          </a:effectRef>
+          <a:fontRef idx="minor">
+            <a:schemeClr val="tx1"/>
+          </a:fontRef>
+        </p:style>
+      </p:cxnSp>
+      <p:cxnSp>
+        <p:nvCxnSpPr>
+          <p:cNvPr id="88" name="직선 화살표 연결선 87"/>
+          <p:cNvCxnSpPr>
+            <a:stCxn id="83" idx="2"/>
+            <a:endCxn id="10" idx="0"/>
+          </p:cNvCxnSpPr>
+          <p:nvPr/>
+        </p:nvCxnSpPr>
+        <p:spPr>
+          <a:xfrm flipH="1">
+            <a:off x="3996888" y="8244978"/>
+            <a:ext cx="8585" cy="268166"/>
+          </a:xfrm>
+          <a:prstGeom prst="straightConnector1">
+            <a:avLst/>
+          </a:prstGeom>
+          <a:ln>
+            <a:tailEnd type="arrow"/>
+          </a:ln>
+        </p:spPr>
+        <p:style>
+          <a:lnRef idx="1">
+            <a:schemeClr val="accent1"/>
+          </a:lnRef>
+          <a:fillRef idx="0">
+            <a:schemeClr val="accent1"/>
+          </a:fillRef>
+          <a:effectRef idx="0">
+            <a:schemeClr val="accent1"/>
+          </a:effectRef>
+          <a:fontRef idx="minor">
+            <a:schemeClr val="tx1"/>
+          </a:fontRef>
+        </p:style>
+      </p:cxnSp>
+      <p:cxnSp>
+        <p:nvCxnSpPr>
+          <p:cNvPr id="92" name="직선 화살표 연결선 91"/>
+          <p:cNvCxnSpPr>
+            <a:stCxn id="66" idx="1"/>
+          </p:cNvCxnSpPr>
+          <p:nvPr/>
+        </p:nvCxnSpPr>
+        <p:spPr>
+          <a:xfrm>
+            <a:off x="7344916" y="3852490"/>
+            <a:ext cx="1993364" cy="0"/>
+          </a:xfrm>
+          <a:prstGeom prst="straightConnector1">
+            <a:avLst/>
+          </a:prstGeom>
+          <a:ln>
+            <a:tailEnd type="arrow"/>
+          </a:ln>
+        </p:spPr>
+        <p:style>
+          <a:lnRef idx="1">
+            <a:schemeClr val="accent1"/>
+          </a:lnRef>
+          <a:fillRef idx="0">
+            <a:schemeClr val="accent1"/>
+          </a:fillRef>
+          <a:effectRef idx="0">
+            <a:schemeClr val="accent1"/>
+          </a:effectRef>
+          <a:fontRef idx="minor">
+            <a:schemeClr val="tx1"/>
+          </a:fontRef>
+        </p:style>
+      </p:cxnSp>
+      <p:cxnSp>
+        <p:nvCxnSpPr>
+          <p:cNvPr id="93" name="직선 화살표 연결선 92"/>
+          <p:cNvCxnSpPr/>
+          <p:nvPr/>
+        </p:nvCxnSpPr>
+        <p:spPr>
+          <a:xfrm>
+            <a:off x="7344916" y="4500562"/>
+            <a:ext cx="1993364" cy="0"/>
+          </a:xfrm>
+          <a:prstGeom prst="straightConnector1">
+            <a:avLst/>
+          </a:prstGeom>
+          <a:ln>
+            <a:tailEnd type="arrow"/>
+          </a:ln>
+        </p:spPr>
+        <p:style>
+          <a:lnRef idx="1">
+            <a:schemeClr val="accent1"/>
+          </a:lnRef>
+          <a:fillRef idx="0">
+            <a:schemeClr val="accent1"/>
+          </a:fillRef>
+          <a:effectRef idx="0">
+            <a:schemeClr val="accent1"/>
+          </a:effectRef>
+          <a:fontRef idx="minor">
+            <a:schemeClr val="tx1"/>
+          </a:fontRef>
+        </p:style>
+      </p:cxnSp>
+      <p:cxnSp>
+        <p:nvCxnSpPr>
+          <p:cNvPr id="94" name="직선 화살표 연결선 93"/>
+          <p:cNvCxnSpPr/>
+          <p:nvPr/>
+        </p:nvCxnSpPr>
+        <p:spPr>
+          <a:xfrm>
+            <a:off x="7344916" y="5076626"/>
+            <a:ext cx="1993364" cy="0"/>
+          </a:xfrm>
+          <a:prstGeom prst="straightConnector1">
+            <a:avLst/>
+          </a:prstGeom>
+          <a:ln>
+            <a:tailEnd type="arrow"/>
+          </a:ln>
+        </p:spPr>
+        <p:style>
+          <a:lnRef idx="1">
+            <a:schemeClr val="accent1"/>
+          </a:lnRef>
+          <a:fillRef idx="0">
+            <a:schemeClr val="accent1"/>
+          </a:fillRef>
+          <a:effectRef idx="0">
+            <a:schemeClr val="accent1"/>
+          </a:effectRef>
+          <a:fontRef idx="minor">
+            <a:schemeClr val="tx1"/>
+          </a:fontRef>
+        </p:style>
+      </p:cxnSp>
+      <p:cxnSp>
+        <p:nvCxnSpPr>
+          <p:cNvPr id="95" name="직선 화살표 연결선 94"/>
+          <p:cNvCxnSpPr/>
+          <p:nvPr/>
+        </p:nvCxnSpPr>
+        <p:spPr>
+          <a:xfrm>
+            <a:off x="8064996" y="5796706"/>
+            <a:ext cx="1273284" cy="0"/>
+          </a:xfrm>
+          <a:prstGeom prst="straightConnector1">
+            <a:avLst/>
+          </a:prstGeom>
+          <a:ln>
+            <a:tailEnd type="arrow"/>
+          </a:ln>
+        </p:spPr>
+        <p:style>
+          <a:lnRef idx="1">
+            <a:schemeClr val="accent1"/>
+          </a:lnRef>
+          <a:fillRef idx="0">
+            <a:schemeClr val="accent1"/>
+          </a:fillRef>
+          <a:effectRef idx="0">
+            <a:schemeClr val="accent1"/>
+          </a:effectRef>
+          <a:fontRef idx="minor">
+            <a:schemeClr val="tx1"/>
+          </a:fontRef>
+        </p:style>
+      </p:cxnSp>
+      <p:cxnSp>
+        <p:nvCxnSpPr>
+          <p:cNvPr id="96" name="직선 화살표 연결선 95"/>
+          <p:cNvCxnSpPr>
+            <a:stCxn id="73" idx="1"/>
+          </p:cNvCxnSpPr>
+          <p:nvPr/>
+        </p:nvCxnSpPr>
+        <p:spPr>
+          <a:xfrm flipV="1">
+            <a:off x="8064996" y="6485418"/>
+            <a:ext cx="1273284" cy="13366"/>
+          </a:xfrm>
+          <a:prstGeom prst="straightConnector1">
+            <a:avLst/>
+          </a:prstGeom>
+          <a:ln>
+            <a:tailEnd type="arrow"/>
+          </a:ln>
+        </p:spPr>
+        <p:style>
+          <a:lnRef idx="1">
+            <a:schemeClr val="accent1"/>
+          </a:lnRef>
+          <a:fillRef idx="0">
+            <a:schemeClr val="accent1"/>
+          </a:fillRef>
+          <a:effectRef idx="0">
+            <a:schemeClr val="accent1"/>
+          </a:effectRef>
+          <a:fontRef idx="minor">
+            <a:schemeClr val="tx1"/>
+          </a:fontRef>
+        </p:style>
+      </p:cxnSp>
+      <p:cxnSp>
+        <p:nvCxnSpPr>
+          <p:cNvPr id="97" name="직선 화살표 연결선 96"/>
+          <p:cNvCxnSpPr>
+            <a:stCxn id="74" idx="1"/>
+          </p:cNvCxnSpPr>
+          <p:nvPr/>
+        </p:nvCxnSpPr>
+        <p:spPr>
+          <a:xfrm>
+            <a:off x="8929092" y="7092849"/>
+            <a:ext cx="409188" cy="0"/>
+          </a:xfrm>
+          <a:prstGeom prst="straightConnector1">
+            <a:avLst/>
+          </a:prstGeom>
+          <a:ln>
+            <a:tailEnd type="arrow"/>
+          </a:ln>
+        </p:spPr>
+        <p:style>
+          <a:lnRef idx="1">
+            <a:schemeClr val="accent1"/>
+          </a:lnRef>
+          <a:fillRef idx="0">
+            <a:schemeClr val="accent1"/>
+          </a:fillRef>
+          <a:effectRef idx="0">
+            <a:schemeClr val="accent1"/>
+          </a:effectRef>
+          <a:fontRef idx="minor">
+            <a:schemeClr val="tx1"/>
+          </a:fontRef>
+        </p:style>
+      </p:cxnSp>
+      <p:cxnSp>
+        <p:nvCxnSpPr>
+          <p:cNvPr id="100" name="직선 화살표 연결선 99"/>
+          <p:cNvCxnSpPr/>
+          <p:nvPr/>
+        </p:nvCxnSpPr>
+        <p:spPr>
+          <a:xfrm>
+            <a:off x="8929092" y="7668914"/>
+            <a:ext cx="409188" cy="0"/>
+          </a:xfrm>
+          <a:prstGeom prst="straightConnector1">
+            <a:avLst/>
+          </a:prstGeom>
+          <a:ln>
+            <a:tailEnd type="arrow"/>
+          </a:ln>
+        </p:spPr>
+        <p:style>
+          <a:lnRef idx="1">
+            <a:schemeClr val="accent1"/>
+          </a:lnRef>
+          <a:fillRef idx="0">
+            <a:schemeClr val="accent1"/>
+          </a:fillRef>
+          <a:effectRef idx="0">
+            <a:schemeClr val="accent1"/>
+          </a:effectRef>
+          <a:fontRef idx="minor">
+            <a:schemeClr val="tx1"/>
+          </a:fontRef>
+        </p:style>
+      </p:cxnSp>
+      <p:cxnSp>
+        <p:nvCxnSpPr>
+          <p:cNvPr id="101" name="직선 화살표 연결선 100"/>
+          <p:cNvCxnSpPr/>
+          <p:nvPr/>
+        </p:nvCxnSpPr>
+        <p:spPr>
+          <a:xfrm>
+            <a:off x="8929092" y="8244978"/>
+            <a:ext cx="409188" cy="0"/>
+          </a:xfrm>
+          <a:prstGeom prst="straightConnector1">
+            <a:avLst/>
+          </a:prstGeom>
+          <a:ln>
+            <a:tailEnd type="arrow"/>
+          </a:ln>
+        </p:spPr>
+        <p:style>
+          <a:lnRef idx="1">
+            <a:schemeClr val="accent1"/>
+          </a:lnRef>
+          <a:fillRef idx="0">
+            <a:schemeClr val="accent1"/>
+          </a:fillRef>
+          <a:effectRef idx="0">
+            <a:schemeClr val="accent1"/>
+          </a:effectRef>
+          <a:fontRef idx="minor">
+            <a:schemeClr val="tx1"/>
+          </a:fontRef>
+        </p:style>
+      </p:cxnSp>
+      <p:sp>
+        <p:nvSpPr>
+          <p:cNvPr id="102" name="TextBox 101"/>
+          <p:cNvSpPr txBox="1"/>
+          <p:nvPr/>
+        </p:nvSpPr>
+        <p:spPr>
+          <a:xfrm>
+            <a:off x="3113031" y="2659712"/>
+            <a:ext cx="268475" cy="184666"/>
+          </a:xfrm>
+          <a:prstGeom prst="rect">
+            <a:avLst/>
+          </a:prstGeom>
+          <a:noFill/>
+        </p:spPr>
+        <p:txBody>
+          <a:bodyPr wrap="square" lIns="0" tIns="0" rIns="0" bIns="0" rtlCol="0">
+            <a:spAutoFit/>
+          </a:bodyPr>
+          <a:lstStyle/>
+          <a:p>
+            <a:r>
+              <a:rPr lang="en-US" altLang="ko-KR" sz="1200" smtClean="0"/>
+              <a:t>No</a:t>
+            </a:r>
+            <a:endParaRPr lang="ko-KR" altLang="en-US" sz="1200" dirty="0"/>
+          </a:p>
+        </p:txBody>
+      </p:sp>
+      <p:sp>
+        <p:nvSpPr>
+          <p:cNvPr id="103" name="TextBox 102"/>
+          <p:cNvSpPr txBox="1"/>
+          <p:nvPr/>
+        </p:nvSpPr>
+        <p:spPr>
+          <a:xfrm>
+            <a:off x="4988209" y="2268314"/>
+            <a:ext cx="268475" cy="184666"/>
+          </a:xfrm>
+          <a:prstGeom prst="rect">
+            <a:avLst/>
+          </a:prstGeom>
+          <a:noFill/>
+        </p:spPr>
+        <p:txBody>
+          <a:bodyPr wrap="square" lIns="0" tIns="0" rIns="0" bIns="0" rtlCol="0">
+            <a:spAutoFit/>
+          </a:bodyPr>
+          <a:lstStyle/>
+          <a:p>
+            <a:r>
+              <a:rPr lang="en-US" altLang="ko-KR" sz="1200" smtClean="0"/>
+              <a:t>Yes</a:t>
+            </a:r>
+            <a:endParaRPr lang="ko-KR" altLang="en-US" sz="1200" dirty="0"/>
+          </a:p>
+        </p:txBody>
+      </p:sp>
+      <p:sp>
+        <p:nvSpPr>
+          <p:cNvPr id="104" name="TextBox 103"/>
+          <p:cNvSpPr txBox="1"/>
+          <p:nvPr/>
+        </p:nvSpPr>
+        <p:spPr>
+          <a:xfrm>
+            <a:off x="3113031" y="3716415"/>
+            <a:ext cx="268475" cy="184666"/>
+          </a:xfrm>
+          <a:prstGeom prst="rect">
+            <a:avLst/>
+          </a:prstGeom>
+          <a:noFill/>
+        </p:spPr>
+        <p:txBody>
+          <a:bodyPr wrap="square" lIns="0" tIns="0" rIns="0" bIns="0" rtlCol="0">
+            <a:spAutoFit/>
+          </a:bodyPr>
+          <a:lstStyle/>
+          <a:p>
+            <a:r>
+              <a:rPr lang="en-US" altLang="ko-KR" sz="1200" smtClean="0"/>
+              <a:t>No</a:t>
+            </a:r>
+            <a:endParaRPr lang="ko-KR" altLang="en-US" sz="1200" dirty="0"/>
+          </a:p>
+        </p:txBody>
+      </p:sp>
+      <p:sp>
+        <p:nvSpPr>
+          <p:cNvPr id="105" name="TextBox 104"/>
+          <p:cNvSpPr txBox="1"/>
+          <p:nvPr/>
+        </p:nvSpPr>
+        <p:spPr>
+          <a:xfrm>
+            <a:off x="4988209" y="3325017"/>
+            <a:ext cx="268475" cy="184666"/>
+          </a:xfrm>
+          <a:prstGeom prst="rect">
+            <a:avLst/>
+          </a:prstGeom>
+          <a:noFill/>
+        </p:spPr>
+        <p:txBody>
+          <a:bodyPr wrap="square" lIns="0" tIns="0" rIns="0" bIns="0" rtlCol="0">
+            <a:spAutoFit/>
+          </a:bodyPr>
+          <a:lstStyle/>
+          <a:p>
+            <a:r>
+              <a:rPr lang="en-US" altLang="ko-KR" sz="1200" smtClean="0"/>
+              <a:t>Yes</a:t>
+            </a:r>
+            <a:endParaRPr lang="ko-KR" altLang="en-US" sz="1200" dirty="0"/>
+          </a:p>
+        </p:txBody>
+      </p:sp>
+      <p:sp>
+        <p:nvSpPr>
+          <p:cNvPr id="106" name="TextBox 105"/>
+          <p:cNvSpPr txBox="1"/>
+          <p:nvPr/>
+        </p:nvSpPr>
+        <p:spPr>
+          <a:xfrm>
+            <a:off x="3113031" y="4356546"/>
+            <a:ext cx="268475" cy="184666"/>
+          </a:xfrm>
+          <a:prstGeom prst="rect">
+            <a:avLst/>
+          </a:prstGeom>
+          <a:noFill/>
+        </p:spPr>
+        <p:txBody>
+          <a:bodyPr wrap="square" lIns="0" tIns="0" rIns="0" bIns="0" rtlCol="0">
+            <a:spAutoFit/>
+          </a:bodyPr>
+          <a:lstStyle/>
+          <a:p>
+            <a:r>
+              <a:rPr lang="en-US" altLang="ko-KR" sz="1200" smtClean="0"/>
+              <a:t>No</a:t>
+            </a:r>
+            <a:endParaRPr lang="ko-KR" altLang="en-US" sz="1200" dirty="0"/>
+          </a:p>
+        </p:txBody>
+      </p:sp>
+      <p:sp>
+        <p:nvSpPr>
+          <p:cNvPr id="107" name="TextBox 106"/>
+          <p:cNvSpPr txBox="1"/>
+          <p:nvPr/>
+        </p:nvSpPr>
+        <p:spPr>
+          <a:xfrm>
+            <a:off x="4988209" y="3996507"/>
+            <a:ext cx="268475" cy="184666"/>
+          </a:xfrm>
+          <a:prstGeom prst="rect">
+            <a:avLst/>
+          </a:prstGeom>
+          <a:noFill/>
+        </p:spPr>
+        <p:txBody>
+          <a:bodyPr wrap="square" lIns="0" tIns="0" rIns="0" bIns="0" rtlCol="0">
+            <a:spAutoFit/>
+          </a:bodyPr>
+          <a:lstStyle/>
+          <a:p>
+            <a:r>
+              <a:rPr lang="en-US" altLang="ko-KR" sz="1200" smtClean="0"/>
+              <a:t>Yes</a:t>
+            </a:r>
+            <a:endParaRPr lang="ko-KR" altLang="en-US" sz="1200" dirty="0"/>
+          </a:p>
+        </p:txBody>
+      </p:sp>
+      <p:sp>
+        <p:nvSpPr>
+          <p:cNvPr id="108" name="TextBox 107"/>
+          <p:cNvSpPr txBox="1"/>
+          <p:nvPr/>
+        </p:nvSpPr>
+        <p:spPr>
+          <a:xfrm>
+            <a:off x="3113031" y="4932610"/>
+            <a:ext cx="268475" cy="184666"/>
+          </a:xfrm>
+          <a:prstGeom prst="rect">
+            <a:avLst/>
+          </a:prstGeom>
+          <a:noFill/>
+        </p:spPr>
+        <p:txBody>
+          <a:bodyPr wrap="square" lIns="0" tIns="0" rIns="0" bIns="0" rtlCol="0">
+            <a:spAutoFit/>
+          </a:bodyPr>
+          <a:lstStyle/>
+          <a:p>
+            <a:r>
+              <a:rPr lang="en-US" altLang="ko-KR" sz="1200" smtClean="0"/>
+              <a:t>No</a:t>
+            </a:r>
+            <a:endParaRPr lang="ko-KR" altLang="en-US" sz="1200" dirty="0"/>
+          </a:p>
+        </p:txBody>
+      </p:sp>
+      <p:sp>
+        <p:nvSpPr>
+          <p:cNvPr id="109" name="TextBox 108"/>
+          <p:cNvSpPr txBox="1"/>
+          <p:nvPr/>
+        </p:nvSpPr>
+        <p:spPr>
+          <a:xfrm>
+            <a:off x="4988209" y="4644578"/>
+            <a:ext cx="268475" cy="184666"/>
+          </a:xfrm>
+          <a:prstGeom prst="rect">
+            <a:avLst/>
+          </a:prstGeom>
+          <a:noFill/>
+        </p:spPr>
+        <p:txBody>
+          <a:bodyPr wrap="square" lIns="0" tIns="0" rIns="0" bIns="0" rtlCol="0">
+            <a:spAutoFit/>
+          </a:bodyPr>
+          <a:lstStyle/>
+          <a:p>
+            <a:r>
+              <a:rPr lang="en-US" altLang="ko-KR" sz="1200" smtClean="0"/>
+              <a:t>Yes</a:t>
+            </a:r>
+            <a:endParaRPr lang="ko-KR" altLang="en-US" sz="1200" dirty="0"/>
+          </a:p>
+        </p:txBody>
+      </p:sp>
+      <p:sp>
+        <p:nvSpPr>
+          <p:cNvPr id="110" name="TextBox 109"/>
+          <p:cNvSpPr txBox="1"/>
+          <p:nvPr/>
+        </p:nvSpPr>
+        <p:spPr>
+          <a:xfrm>
+            <a:off x="3113031" y="5580682"/>
+            <a:ext cx="268475" cy="184666"/>
+          </a:xfrm>
+          <a:prstGeom prst="rect">
+            <a:avLst/>
+          </a:prstGeom>
+          <a:noFill/>
+        </p:spPr>
+        <p:txBody>
+          <a:bodyPr wrap="square" lIns="0" tIns="0" rIns="0" bIns="0" rtlCol="0">
+            <a:spAutoFit/>
+          </a:bodyPr>
+          <a:lstStyle/>
+          <a:p>
+            <a:r>
+              <a:rPr lang="en-US" altLang="ko-KR" sz="1200" smtClean="0"/>
+              <a:t>No</a:t>
+            </a:r>
+            <a:endParaRPr lang="ko-KR" altLang="en-US" sz="1200" dirty="0"/>
+          </a:p>
+        </p:txBody>
+      </p:sp>
+      <p:sp>
+        <p:nvSpPr>
+          <p:cNvPr id="111" name="TextBox 110"/>
+          <p:cNvSpPr txBox="1"/>
+          <p:nvPr/>
+        </p:nvSpPr>
+        <p:spPr>
+          <a:xfrm>
+            <a:off x="4988209" y="5292650"/>
+            <a:ext cx="268475" cy="184666"/>
+          </a:xfrm>
+          <a:prstGeom prst="rect">
+            <a:avLst/>
+          </a:prstGeom>
+          <a:noFill/>
+        </p:spPr>
+        <p:txBody>
+          <a:bodyPr wrap="square" lIns="0" tIns="0" rIns="0" bIns="0" rtlCol="0">
+            <a:spAutoFit/>
+          </a:bodyPr>
+          <a:lstStyle/>
+          <a:p>
+            <a:r>
+              <a:rPr lang="en-US" altLang="ko-KR" sz="1200" smtClean="0"/>
+              <a:t>Yes</a:t>
+            </a:r>
+            <a:endParaRPr lang="ko-KR" altLang="en-US" sz="1200" dirty="0"/>
+          </a:p>
+        </p:txBody>
+      </p:sp>
+      <p:sp>
+        <p:nvSpPr>
+          <p:cNvPr id="112" name="TextBox 111"/>
+          <p:cNvSpPr txBox="1"/>
+          <p:nvPr/>
+        </p:nvSpPr>
+        <p:spPr>
+          <a:xfrm>
+            <a:off x="3113031" y="6228754"/>
+            <a:ext cx="268475" cy="184666"/>
+          </a:xfrm>
+          <a:prstGeom prst="rect">
+            <a:avLst/>
+          </a:prstGeom>
+          <a:noFill/>
+        </p:spPr>
+        <p:txBody>
+          <a:bodyPr wrap="square" lIns="0" tIns="0" rIns="0" bIns="0" rtlCol="0">
+            <a:spAutoFit/>
+          </a:bodyPr>
+          <a:lstStyle/>
+          <a:p>
+            <a:r>
+              <a:rPr lang="en-US" altLang="ko-KR" sz="1200" smtClean="0"/>
+              <a:t>No</a:t>
+            </a:r>
+            <a:endParaRPr lang="ko-KR" altLang="en-US" sz="1200" dirty="0"/>
+          </a:p>
+        </p:txBody>
+      </p:sp>
+      <p:sp>
+        <p:nvSpPr>
+          <p:cNvPr id="113" name="TextBox 112"/>
+          <p:cNvSpPr txBox="1"/>
+          <p:nvPr/>
+        </p:nvSpPr>
+        <p:spPr>
+          <a:xfrm>
+            <a:off x="4988209" y="5940722"/>
+            <a:ext cx="268475" cy="184666"/>
+          </a:xfrm>
+          <a:prstGeom prst="rect">
+            <a:avLst/>
+          </a:prstGeom>
+          <a:noFill/>
+        </p:spPr>
+        <p:txBody>
+          <a:bodyPr wrap="square" lIns="0" tIns="0" rIns="0" bIns="0" rtlCol="0">
+            <a:spAutoFit/>
+          </a:bodyPr>
+          <a:lstStyle/>
+          <a:p>
+            <a:r>
+              <a:rPr lang="en-US" altLang="ko-KR" sz="1200" smtClean="0"/>
+              <a:t>Yes</a:t>
+            </a:r>
+            <a:endParaRPr lang="ko-KR" altLang="en-US" sz="1200" dirty="0"/>
+          </a:p>
+        </p:txBody>
+      </p:sp>
+      <p:sp>
+        <p:nvSpPr>
+          <p:cNvPr id="114" name="TextBox 113"/>
+          <p:cNvSpPr txBox="1"/>
+          <p:nvPr/>
+        </p:nvSpPr>
+        <p:spPr>
+          <a:xfrm>
+            <a:off x="3113031" y="6908183"/>
+            <a:ext cx="268475" cy="184666"/>
+          </a:xfrm>
+          <a:prstGeom prst="rect">
+            <a:avLst/>
+          </a:prstGeom>
+          <a:noFill/>
+        </p:spPr>
+        <p:txBody>
+          <a:bodyPr wrap="square" lIns="0" tIns="0" rIns="0" bIns="0" rtlCol="0">
+            <a:spAutoFit/>
+          </a:bodyPr>
+          <a:lstStyle/>
+          <a:p>
+            <a:r>
+              <a:rPr lang="en-US" altLang="ko-KR" sz="1200" smtClean="0"/>
+              <a:t>No</a:t>
+            </a:r>
+            <a:endParaRPr lang="ko-KR" altLang="en-US" sz="1200" dirty="0"/>
+          </a:p>
+        </p:txBody>
+      </p:sp>
+      <p:sp>
+        <p:nvSpPr>
+          <p:cNvPr id="115" name="TextBox 114"/>
+          <p:cNvSpPr txBox="1"/>
+          <p:nvPr/>
+        </p:nvSpPr>
+        <p:spPr>
+          <a:xfrm>
+            <a:off x="4988209" y="6620151"/>
+            <a:ext cx="268475" cy="184666"/>
+          </a:xfrm>
+          <a:prstGeom prst="rect">
+            <a:avLst/>
+          </a:prstGeom>
+          <a:noFill/>
+        </p:spPr>
+        <p:txBody>
+          <a:bodyPr wrap="square" lIns="0" tIns="0" rIns="0" bIns="0" rtlCol="0">
+            <a:spAutoFit/>
+          </a:bodyPr>
+          <a:lstStyle/>
+          <a:p>
+            <a:r>
+              <a:rPr lang="en-US" altLang="ko-KR" sz="1200" smtClean="0"/>
+              <a:t>Yes</a:t>
+            </a:r>
+            <a:endParaRPr lang="ko-KR" altLang="en-US" sz="1200" dirty="0"/>
+          </a:p>
+        </p:txBody>
+      </p:sp>
+      <p:sp>
+        <p:nvSpPr>
+          <p:cNvPr id="116" name="TextBox 115"/>
+          <p:cNvSpPr txBox="1"/>
+          <p:nvPr/>
+        </p:nvSpPr>
+        <p:spPr>
+          <a:xfrm>
+            <a:off x="3113031" y="7484248"/>
+            <a:ext cx="268475" cy="184666"/>
+          </a:xfrm>
+          <a:prstGeom prst="rect">
+            <a:avLst/>
+          </a:prstGeom>
+          <a:noFill/>
+        </p:spPr>
+        <p:txBody>
+          <a:bodyPr wrap="square" lIns="0" tIns="0" rIns="0" bIns="0" rtlCol="0">
+            <a:spAutoFit/>
+          </a:bodyPr>
+          <a:lstStyle/>
+          <a:p>
+            <a:r>
+              <a:rPr lang="en-US" altLang="ko-KR" sz="1200" smtClean="0"/>
+              <a:t>No</a:t>
+            </a:r>
+            <a:endParaRPr lang="ko-KR" altLang="en-US" sz="1200" dirty="0"/>
+          </a:p>
+        </p:txBody>
+      </p:sp>
+      <p:sp>
+        <p:nvSpPr>
+          <p:cNvPr id="117" name="TextBox 116"/>
+          <p:cNvSpPr txBox="1"/>
+          <p:nvPr/>
+        </p:nvSpPr>
+        <p:spPr>
+          <a:xfrm>
+            <a:off x="4988209" y="7196216"/>
+            <a:ext cx="268475" cy="184666"/>
+          </a:xfrm>
+          <a:prstGeom prst="rect">
+            <a:avLst/>
+          </a:prstGeom>
+          <a:noFill/>
+        </p:spPr>
+        <p:txBody>
+          <a:bodyPr wrap="square" lIns="0" tIns="0" rIns="0" bIns="0" rtlCol="0">
+            <a:spAutoFit/>
+          </a:bodyPr>
+          <a:lstStyle/>
+          <a:p>
+            <a:r>
+              <a:rPr lang="en-US" altLang="ko-KR" sz="1200" smtClean="0"/>
+              <a:t>Yes</a:t>
+            </a:r>
+            <a:endParaRPr lang="ko-KR" altLang="en-US" sz="1200" dirty="0"/>
+          </a:p>
+        </p:txBody>
+      </p:sp>
+      <p:sp>
+        <p:nvSpPr>
+          <p:cNvPr id="118" name="TextBox 117"/>
+          <p:cNvSpPr txBox="1"/>
+          <p:nvPr/>
+        </p:nvSpPr>
+        <p:spPr>
+          <a:xfrm>
+            <a:off x="3113031" y="8100963"/>
+            <a:ext cx="268475" cy="184666"/>
+          </a:xfrm>
+          <a:prstGeom prst="rect">
+            <a:avLst/>
+          </a:prstGeom>
+          <a:noFill/>
+        </p:spPr>
+        <p:txBody>
+          <a:bodyPr wrap="square" lIns="0" tIns="0" rIns="0" bIns="0" rtlCol="0">
+            <a:spAutoFit/>
+          </a:bodyPr>
+          <a:lstStyle/>
+          <a:p>
+            <a:r>
+              <a:rPr lang="en-US" altLang="ko-KR" sz="1200" smtClean="0"/>
+              <a:t>No</a:t>
+            </a:r>
+            <a:endParaRPr lang="ko-KR" altLang="en-US" sz="1200" dirty="0"/>
+          </a:p>
+        </p:txBody>
+      </p:sp>
+      <p:sp>
+        <p:nvSpPr>
+          <p:cNvPr id="119" name="TextBox 118"/>
+          <p:cNvSpPr txBox="1"/>
+          <p:nvPr/>
+        </p:nvSpPr>
+        <p:spPr>
+          <a:xfrm>
+            <a:off x="4988209" y="7812931"/>
+            <a:ext cx="268475" cy="184666"/>
+          </a:xfrm>
+          <a:prstGeom prst="rect">
+            <a:avLst/>
+          </a:prstGeom>
+          <a:noFill/>
+        </p:spPr>
+        <p:txBody>
+          <a:bodyPr wrap="square" lIns="0" tIns="0" rIns="0" bIns="0" rtlCol="0">
+            <a:spAutoFit/>
+          </a:bodyPr>
+          <a:lstStyle/>
+          <a:p>
+            <a:r>
+              <a:rPr lang="en-US" altLang="ko-KR" sz="1200" smtClean="0"/>
+              <a:t>Yes</a:t>
+            </a:r>
+            <a:endParaRPr lang="ko-KR" altLang="en-US" sz="1200" dirty="0"/>
+          </a:p>
+        </p:txBody>
+      </p:sp>
+      <p:cxnSp>
+        <p:nvCxnSpPr>
+          <p:cNvPr id="121" name="꺾인 연결선 120"/>
+          <p:cNvCxnSpPr>
+            <a:stCxn id="26" idx="3"/>
+          </p:cNvCxnSpPr>
+          <p:nvPr/>
+        </p:nvCxnSpPr>
+        <p:spPr>
+          <a:xfrm>
+            <a:off x="5256684" y="4824598"/>
+            <a:ext cx="936104" cy="180020"/>
+          </a:xfrm>
+          <a:prstGeom prst="bentConnector3">
+            <a:avLst>
+              <a:gd name="adj1" fmla="val 50000"/>
+            </a:avLst>
+          </a:prstGeom>
+          <a:ln>
+            <a:tailEnd type="arrow"/>
+          </a:ln>
+        </p:spPr>
+        <p:style>
+          <a:lnRef idx="1">
+            <a:schemeClr val="accent1"/>
+          </a:lnRef>
+          <a:fillRef idx="0">
+            <a:schemeClr val="accent1"/>
+          </a:fillRef>
+          <a:effectRef idx="0">
+            <a:schemeClr val="accent1"/>
+          </a:effectRef>
+          <a:fontRef idx="minor">
+            <a:schemeClr val="tx1"/>
+          </a:fontRef>
+        </p:style>
+      </p:cxnSp>
+      <p:cxnSp>
+        <p:nvCxnSpPr>
+          <p:cNvPr id="123" name="Shape 122"/>
+          <p:cNvCxnSpPr>
+            <a:stCxn id="27" idx="3"/>
+            <a:endCxn id="72" idx="0"/>
+          </p:cNvCxnSpPr>
+          <p:nvPr/>
+        </p:nvCxnSpPr>
+        <p:spPr>
+          <a:xfrm>
+            <a:off x="5256684" y="5472670"/>
+            <a:ext cx="1440160" cy="67372"/>
+          </a:xfrm>
+          <a:prstGeom prst="bentConnector2">
+            <a:avLst/>
+          </a:prstGeom>
+          <a:ln>
+            <a:tailEnd type="arrow"/>
+          </a:ln>
+        </p:spPr>
+        <p:style>
+          <a:lnRef idx="1">
+            <a:schemeClr val="accent1"/>
+          </a:lnRef>
+          <a:fillRef idx="0">
+            <a:schemeClr val="accent1"/>
+          </a:fillRef>
+          <a:effectRef idx="0">
+            <a:schemeClr val="accent1"/>
+          </a:effectRef>
+          <a:fontRef idx="minor">
+            <a:schemeClr val="tx1"/>
+          </a:fontRef>
+        </p:style>
+      </p:cxnSp>
+      <p:cxnSp>
+        <p:nvCxnSpPr>
+          <p:cNvPr id="125" name="Shape 124"/>
+          <p:cNvCxnSpPr>
+            <a:stCxn id="28" idx="3"/>
+            <a:endCxn id="73" idx="0"/>
+          </p:cNvCxnSpPr>
+          <p:nvPr/>
+        </p:nvCxnSpPr>
+        <p:spPr>
+          <a:xfrm>
+            <a:off x="5256684" y="6120742"/>
+            <a:ext cx="1512168" cy="108012"/>
+          </a:xfrm>
+          <a:prstGeom prst="bentConnector2">
+            <a:avLst/>
+          </a:prstGeom>
+          <a:ln>
+            <a:tailEnd type="arrow"/>
+          </a:ln>
+        </p:spPr>
+        <p:style>
+          <a:lnRef idx="1">
+            <a:schemeClr val="accent1"/>
+          </a:lnRef>
+          <a:fillRef idx="0">
+            <a:schemeClr val="accent1"/>
+          </a:fillRef>
+          <a:effectRef idx="0">
+            <a:schemeClr val="accent1"/>
+          </a:effectRef>
+          <a:fontRef idx="minor">
+            <a:schemeClr val="tx1"/>
+          </a:fontRef>
+        </p:style>
+      </p:cxnSp>
+      <p:cxnSp>
+        <p:nvCxnSpPr>
+          <p:cNvPr id="127" name="Shape 126"/>
+          <p:cNvCxnSpPr>
+            <a:stCxn id="29" idx="3"/>
+            <a:endCxn id="74" idx="0"/>
+          </p:cNvCxnSpPr>
+          <p:nvPr/>
+        </p:nvCxnSpPr>
+        <p:spPr>
+          <a:xfrm>
+            <a:off x="5256684" y="6768814"/>
+            <a:ext cx="1584176" cy="180019"/>
+          </a:xfrm>
+          <a:prstGeom prst="bentConnector2">
+            <a:avLst/>
+          </a:prstGeom>
+          <a:ln>
+            <a:tailEnd type="arrow"/>
+          </a:ln>
+        </p:spPr>
+        <p:style>
+          <a:lnRef idx="1">
+            <a:schemeClr val="accent1"/>
+          </a:lnRef>
+          <a:fillRef idx="0">
+            <a:schemeClr val="accent1"/>
+          </a:fillRef>
+          <a:effectRef idx="0">
+            <a:schemeClr val="accent1"/>
+          </a:effectRef>
+          <a:fontRef idx="minor">
+            <a:schemeClr val="tx1"/>
+          </a:fontRef>
+        </p:style>
+      </p:cxnSp>
+      <p:cxnSp>
+        <p:nvCxnSpPr>
+          <p:cNvPr id="129" name="Shape 128"/>
+          <p:cNvCxnSpPr>
+            <a:stCxn id="30" idx="3"/>
+            <a:endCxn id="75" idx="0"/>
+          </p:cNvCxnSpPr>
+          <p:nvPr/>
+        </p:nvCxnSpPr>
+        <p:spPr>
+          <a:xfrm>
+            <a:off x="5256684" y="7416886"/>
+            <a:ext cx="1584176" cy="108012"/>
+          </a:xfrm>
+          <a:prstGeom prst="bentConnector2">
+            <a:avLst/>
+          </a:prstGeom>
+          <a:ln>
+            <a:tailEnd type="arrow"/>
+          </a:ln>
+        </p:spPr>
+        <p:style>
+          <a:lnRef idx="1">
+            <a:schemeClr val="accent1"/>
+          </a:lnRef>
+          <a:fillRef idx="0">
+            <a:schemeClr val="accent1"/>
+          </a:fillRef>
+          <a:effectRef idx="0">
+            <a:schemeClr val="accent1"/>
+          </a:effectRef>
+          <a:fontRef idx="minor">
+            <a:schemeClr val="tx1"/>
+          </a:fontRef>
+        </p:style>
+      </p:cxnSp>
+      <p:cxnSp>
+        <p:nvCxnSpPr>
+          <p:cNvPr id="131" name="Shape 130"/>
+          <p:cNvCxnSpPr>
+            <a:stCxn id="83" idx="3"/>
+            <a:endCxn id="84" idx="0"/>
+          </p:cNvCxnSpPr>
+          <p:nvPr/>
+        </p:nvCxnSpPr>
+        <p:spPr>
+          <a:xfrm>
+            <a:off x="5256684" y="7992950"/>
+            <a:ext cx="1584176" cy="180020"/>
+          </a:xfrm>
+          <a:prstGeom prst="bentConnector2">
+            <a:avLst/>
+          </a:prstGeom>
+          <a:ln>
+            <a:tailEnd type="arrow"/>
+          </a:ln>
+        </p:spPr>
+        <p:style>
+          <a:lnRef idx="1">
+            <a:schemeClr val="accent1"/>
+          </a:lnRef>
+          <a:fillRef idx="0">
+            <a:schemeClr val="accent1"/>
+          </a:fillRef>
+          <a:effectRef idx="0">
+            <a:schemeClr val="accent1"/>
+          </a:effectRef>
+          <a:fontRef idx="minor">
+            <a:schemeClr val="tx1"/>
+          </a:fontRef>
+        </p:style>
+      </p:cxnSp>
+      <p:sp>
+        <p:nvSpPr>
+          <p:cNvPr id="132" name="TextBox 131"/>
+          <p:cNvSpPr txBox="1"/>
+          <p:nvPr/>
+        </p:nvSpPr>
+        <p:spPr>
+          <a:xfrm>
+            <a:off x="5605674" y="3019752"/>
+            <a:ext cx="268475" cy="184666"/>
+          </a:xfrm>
+          <a:prstGeom prst="rect">
+            <a:avLst/>
+          </a:prstGeom>
+          <a:noFill/>
+        </p:spPr>
+        <p:txBody>
+          <a:bodyPr wrap="square" lIns="0" tIns="0" rIns="0" bIns="0" rtlCol="0">
+            <a:spAutoFit/>
+          </a:bodyPr>
+          <a:lstStyle/>
+          <a:p>
+            <a:r>
+              <a:rPr lang="en-US" altLang="ko-KR" sz="1200" smtClean="0"/>
+              <a:t>No</a:t>
+            </a:r>
+            <a:endParaRPr lang="ko-KR" altLang="en-US" sz="1200" dirty="0"/>
+          </a:p>
+        </p:txBody>
+      </p:sp>
+      <p:sp>
+        <p:nvSpPr>
+          <p:cNvPr id="133" name="TextBox 132"/>
+          <p:cNvSpPr txBox="1"/>
+          <p:nvPr/>
+        </p:nvSpPr>
+        <p:spPr>
+          <a:xfrm>
+            <a:off x="7480852" y="2628354"/>
+            <a:ext cx="268475" cy="184666"/>
+          </a:xfrm>
+          <a:prstGeom prst="rect">
+            <a:avLst/>
+          </a:prstGeom>
+          <a:noFill/>
+        </p:spPr>
+        <p:txBody>
+          <a:bodyPr wrap="square" lIns="0" tIns="0" rIns="0" bIns="0" rtlCol="0">
+            <a:spAutoFit/>
+          </a:bodyPr>
+          <a:lstStyle/>
+          <a:p>
+            <a:r>
+              <a:rPr lang="en-US" altLang="ko-KR" sz="1200" smtClean="0"/>
+              <a:t>Yes</a:t>
+            </a:r>
+            <a:endParaRPr lang="ko-KR" altLang="en-US" sz="1200" dirty="0"/>
+          </a:p>
+        </p:txBody>
+      </p:sp>
+      <p:sp>
+        <p:nvSpPr>
+          <p:cNvPr id="135" name="TextBox 134"/>
+          <p:cNvSpPr txBox="1"/>
+          <p:nvPr/>
+        </p:nvSpPr>
+        <p:spPr>
+          <a:xfrm>
+            <a:off x="178853" y="195844"/>
+            <a:ext cx="1232784" cy="378377"/>
+          </a:xfrm>
+          <a:prstGeom prst="rect">
+            <a:avLst/>
+          </a:prstGeom>
+          <a:noFill/>
+        </p:spPr>
+        <p:txBody>
+          <a:bodyPr wrap="none" lIns="69919" tIns="34959" rIns="69919" bIns="34959" rtlCol="0">
+            <a:spAutoFit/>
+          </a:bodyPr>
+          <a:lstStyle/>
+          <a:p>
+            <a:r>
+              <a:rPr lang="en-US" altLang="ko-KR" sz="2000" smtClean="0"/>
+              <a:t>&lt;Server&gt;</a:t>
+            </a:r>
+          </a:p>
+        </p:txBody>
+      </p:sp>
     </p:spTree>
   </p:cSld>
   <p:clrMapOvr>
@@ -14069,6 +17571,1203 @@
 </file>
 
 <file path=ppt/slides/slide6.xml><?xml version="1.0" encoding="utf-8"?>
+<p:sld xmlns:a="http://schemas.openxmlformats.org/drawingml/2006/main" xmlns:r="http://schemas.openxmlformats.org/officeDocument/2006/relationships" xmlns:p="http://schemas.openxmlformats.org/presentationml/2006/main">
+  <p:cSld>
+    <p:spTree>
+      <p:nvGrpSpPr>
+        <p:cNvPr id="1" name=""/>
+        <p:cNvGrpSpPr/>
+        <p:nvPr/>
+      </p:nvGrpSpPr>
+      <p:grpSpPr>
+        <a:xfrm>
+          <a:off x="0" y="0"/>
+          <a:ext cx="0" cy="0"/>
+          <a:chOff x="0" y="0"/>
+          <a:chExt cx="0" cy="0"/>
+        </a:xfrm>
+      </p:grpSpPr>
+      <p:sp>
+        <p:nvSpPr>
+          <p:cNvPr id="4" name="직사각형 3"/>
+          <p:cNvSpPr/>
+          <p:nvPr/>
+        </p:nvSpPr>
+        <p:spPr>
+          <a:xfrm rot="10800000" flipV="1">
+            <a:off x="648172" y="972170"/>
+            <a:ext cx="7128792" cy="5760640"/>
+          </a:xfrm>
+          <a:prstGeom prst="rect">
+            <a:avLst/>
+          </a:prstGeom>
+          <a:noFill/>
+        </p:spPr>
+        <p:style>
+          <a:lnRef idx="2">
+            <a:schemeClr val="accent1">
+              <a:shade val="50000"/>
+            </a:schemeClr>
+          </a:lnRef>
+          <a:fillRef idx="1">
+            <a:schemeClr val="accent1"/>
+          </a:fillRef>
+          <a:effectRef idx="0">
+            <a:schemeClr val="accent1"/>
+          </a:effectRef>
+          <a:fontRef idx="minor">
+            <a:schemeClr val="lt1"/>
+          </a:fontRef>
+        </p:style>
+        <p:txBody>
+          <a:bodyPr lIns="0" tIns="0" rIns="0" bIns="0" rtlCol="0" anchor="ctr"/>
+          <a:lstStyle>
+            <a:defPPr>
+              <a:defRPr lang="ko-KR"/>
+            </a:defPPr>
+            <a:lvl1pPr marL="0" algn="l" defTabSz="914400" rtl="0" eaLnBrk="1" latinLnBrk="1" hangingPunct="1">
+              <a:defRPr sz="1800" kern="1200">
+                <a:solidFill>
+                  <a:schemeClr val="lt1"/>
+                </a:solidFill>
+                <a:latin typeface="+mn-lt"/>
+                <a:ea typeface="+mn-ea"/>
+                <a:cs typeface="+mn-cs"/>
+              </a:defRPr>
+            </a:lvl1pPr>
+            <a:lvl2pPr marL="457200" algn="l" defTabSz="914400" rtl="0" eaLnBrk="1" latinLnBrk="1" hangingPunct="1">
+              <a:defRPr sz="1800" kern="1200">
+                <a:solidFill>
+                  <a:schemeClr val="lt1"/>
+                </a:solidFill>
+                <a:latin typeface="+mn-lt"/>
+                <a:ea typeface="+mn-ea"/>
+                <a:cs typeface="+mn-cs"/>
+              </a:defRPr>
+            </a:lvl2pPr>
+            <a:lvl3pPr marL="914400" algn="l" defTabSz="914400" rtl="0" eaLnBrk="1" latinLnBrk="1" hangingPunct="1">
+              <a:defRPr sz="1800" kern="1200">
+                <a:solidFill>
+                  <a:schemeClr val="lt1"/>
+                </a:solidFill>
+                <a:latin typeface="+mn-lt"/>
+                <a:ea typeface="+mn-ea"/>
+                <a:cs typeface="+mn-cs"/>
+              </a:defRPr>
+            </a:lvl3pPr>
+            <a:lvl4pPr marL="1371600" algn="l" defTabSz="914400" rtl="0" eaLnBrk="1" latinLnBrk="1" hangingPunct="1">
+              <a:defRPr sz="1800" kern="1200">
+                <a:solidFill>
+                  <a:schemeClr val="lt1"/>
+                </a:solidFill>
+                <a:latin typeface="+mn-lt"/>
+                <a:ea typeface="+mn-ea"/>
+                <a:cs typeface="+mn-cs"/>
+              </a:defRPr>
+            </a:lvl4pPr>
+            <a:lvl5pPr marL="1828800" algn="l" defTabSz="914400" rtl="0" eaLnBrk="1" latinLnBrk="1" hangingPunct="1">
+              <a:defRPr sz="1800" kern="1200">
+                <a:solidFill>
+                  <a:schemeClr val="lt1"/>
+                </a:solidFill>
+                <a:latin typeface="+mn-lt"/>
+                <a:ea typeface="+mn-ea"/>
+                <a:cs typeface="+mn-cs"/>
+              </a:defRPr>
+            </a:lvl5pPr>
+            <a:lvl6pPr marL="2286000" algn="l" defTabSz="914400" rtl="0" eaLnBrk="1" latinLnBrk="1" hangingPunct="1">
+              <a:defRPr sz="1800" kern="1200">
+                <a:solidFill>
+                  <a:schemeClr val="lt1"/>
+                </a:solidFill>
+                <a:latin typeface="+mn-lt"/>
+                <a:ea typeface="+mn-ea"/>
+                <a:cs typeface="+mn-cs"/>
+              </a:defRPr>
+            </a:lvl6pPr>
+            <a:lvl7pPr marL="2743200" algn="l" defTabSz="914400" rtl="0" eaLnBrk="1" latinLnBrk="1" hangingPunct="1">
+              <a:defRPr sz="1800" kern="1200">
+                <a:solidFill>
+                  <a:schemeClr val="lt1"/>
+                </a:solidFill>
+                <a:latin typeface="+mn-lt"/>
+                <a:ea typeface="+mn-ea"/>
+                <a:cs typeface="+mn-cs"/>
+              </a:defRPr>
+            </a:lvl7pPr>
+            <a:lvl8pPr marL="3200400" algn="l" defTabSz="914400" rtl="0" eaLnBrk="1" latinLnBrk="1" hangingPunct="1">
+              <a:defRPr sz="1800" kern="1200">
+                <a:solidFill>
+                  <a:schemeClr val="lt1"/>
+                </a:solidFill>
+                <a:latin typeface="+mn-lt"/>
+                <a:ea typeface="+mn-ea"/>
+                <a:cs typeface="+mn-cs"/>
+              </a:defRPr>
+            </a:lvl8pPr>
+            <a:lvl9pPr marL="3657600" algn="l" defTabSz="914400" rtl="0" eaLnBrk="1" latinLnBrk="1" hangingPunct="1">
+              <a:defRPr sz="1800" kern="1200">
+                <a:solidFill>
+                  <a:schemeClr val="lt1"/>
+                </a:solidFill>
+                <a:latin typeface="+mn-lt"/>
+                <a:ea typeface="+mn-ea"/>
+                <a:cs typeface="+mn-cs"/>
+              </a:defRPr>
+            </a:lvl9pPr>
+          </a:lstStyle>
+          <a:p>
+            <a:pPr algn="ctr"/>
+            <a:endParaRPr lang="en-US" altLang="ko-KR" sz="800" smtClean="0">
+              <a:solidFill>
+                <a:schemeClr val="tx1"/>
+              </a:solidFill>
+            </a:endParaRPr>
+          </a:p>
+        </p:txBody>
+      </p:sp>
+      <p:sp>
+        <p:nvSpPr>
+          <p:cNvPr id="5" name="직사각형 4"/>
+          <p:cNvSpPr/>
+          <p:nvPr/>
+        </p:nvSpPr>
+        <p:spPr>
+          <a:xfrm>
+            <a:off x="2135515" y="592579"/>
+            <a:ext cx="3553217" cy="379591"/>
+          </a:xfrm>
+          <a:prstGeom prst="rect">
+            <a:avLst/>
+          </a:prstGeom>
+        </p:spPr>
+        <p:txBody>
+          <a:bodyPr wrap="none">
+            <a:spAutoFit/>
+          </a:bodyPr>
+          <a:lstStyle/>
+          <a:p>
+            <a:r>
+              <a:rPr lang="en-US" altLang="ko-KR" sz="2800" baseline="-25000" smtClean="0"/>
+              <a:t>TMainForm.SvrCheckedUpdate;</a:t>
+            </a:r>
+            <a:endParaRPr lang="ko-KR" altLang="en-US" sz="2800" baseline="-25000"/>
+          </a:p>
+        </p:txBody>
+      </p:sp>
+      <p:sp>
+        <p:nvSpPr>
+          <p:cNvPr id="6" name="순서도: 판단 5"/>
+          <p:cNvSpPr/>
+          <p:nvPr/>
+        </p:nvSpPr>
+        <p:spPr>
+          <a:xfrm>
+            <a:off x="1224236" y="1692250"/>
+            <a:ext cx="2502422" cy="504056"/>
+          </a:xfrm>
+          <a:prstGeom prst="flowChartDecision">
+            <a:avLst/>
+          </a:prstGeom>
+          <a:noFill/>
+        </p:spPr>
+        <p:style>
+          <a:lnRef idx="2">
+            <a:schemeClr val="accent1">
+              <a:shade val="50000"/>
+            </a:schemeClr>
+          </a:lnRef>
+          <a:fillRef idx="1">
+            <a:schemeClr val="accent1"/>
+          </a:fillRef>
+          <a:effectRef idx="0">
+            <a:schemeClr val="accent1"/>
+          </a:effectRef>
+          <a:fontRef idx="minor">
+            <a:schemeClr val="lt1"/>
+          </a:fontRef>
+        </p:style>
+        <p:txBody>
+          <a:bodyPr lIns="0" tIns="7324" rIns="0" bIns="7324" rtlCol="0" anchor="ctr"/>
+          <a:lstStyle/>
+          <a:p>
+            <a:pPr algn="ctr"/>
+            <a:r>
+              <a:rPr lang="en-US" altLang="ko-KR" sz="1200" smtClean="0">
+                <a:solidFill>
+                  <a:schemeClr val="tx1"/>
+                </a:solidFill>
+              </a:rPr>
+              <a:t>aTag = RADIOBTN1_TAG</a:t>
+            </a:r>
+            <a:endParaRPr lang="ko-KR" altLang="en-US" sz="1200" dirty="0">
+              <a:solidFill>
+                <a:schemeClr val="tx1"/>
+              </a:solidFill>
+            </a:endParaRPr>
+          </a:p>
+        </p:txBody>
+      </p:sp>
+      <p:sp>
+        <p:nvSpPr>
+          <p:cNvPr id="7" name="순서도: 수행의 시작/종료 6"/>
+          <p:cNvSpPr/>
+          <p:nvPr/>
+        </p:nvSpPr>
+        <p:spPr>
+          <a:xfrm>
+            <a:off x="1548321" y="1106253"/>
+            <a:ext cx="1843775" cy="307898"/>
+          </a:xfrm>
+          <a:prstGeom prst="flowChartTerminator">
+            <a:avLst/>
+          </a:prstGeom>
+          <a:noFill/>
+        </p:spPr>
+        <p:style>
+          <a:lnRef idx="2">
+            <a:schemeClr val="accent1">
+              <a:shade val="50000"/>
+            </a:schemeClr>
+          </a:lnRef>
+          <a:fillRef idx="1">
+            <a:schemeClr val="accent1"/>
+          </a:fillRef>
+          <a:effectRef idx="0">
+            <a:schemeClr val="accent1"/>
+          </a:effectRef>
+          <a:fontRef idx="minor">
+            <a:schemeClr val="lt1"/>
+          </a:fontRef>
+        </p:style>
+        <p:txBody>
+          <a:bodyPr lIns="0" tIns="0" rIns="0" bIns="0" rtlCol="0" anchor="ctr"/>
+          <a:lstStyle/>
+          <a:p>
+            <a:pPr algn="ctr"/>
+            <a:r>
+              <a:rPr lang="en-US" altLang="ko-KR" sz="1200" smtClean="0">
+                <a:solidFill>
+                  <a:schemeClr val="tx1"/>
+                </a:solidFill>
+              </a:rPr>
+              <a:t>START</a:t>
+            </a:r>
+            <a:endParaRPr lang="ko-KR" altLang="en-US" sz="1200" dirty="0">
+              <a:solidFill>
+                <a:schemeClr val="tx1"/>
+              </a:solidFill>
+            </a:endParaRPr>
+          </a:p>
+        </p:txBody>
+      </p:sp>
+      <p:sp>
+        <p:nvSpPr>
+          <p:cNvPr id="8" name="순서도: 수행의 시작/종료 7"/>
+          <p:cNvSpPr/>
+          <p:nvPr/>
+        </p:nvSpPr>
+        <p:spPr>
+          <a:xfrm>
+            <a:off x="1563561" y="6136880"/>
+            <a:ext cx="1843775" cy="307898"/>
+          </a:xfrm>
+          <a:prstGeom prst="flowChartTerminator">
+            <a:avLst/>
+          </a:prstGeom>
+          <a:noFill/>
+        </p:spPr>
+        <p:style>
+          <a:lnRef idx="2">
+            <a:schemeClr val="accent1">
+              <a:shade val="50000"/>
+            </a:schemeClr>
+          </a:lnRef>
+          <a:fillRef idx="1">
+            <a:schemeClr val="accent1"/>
+          </a:fillRef>
+          <a:effectRef idx="0">
+            <a:schemeClr val="accent1"/>
+          </a:effectRef>
+          <a:fontRef idx="minor">
+            <a:schemeClr val="lt1"/>
+          </a:fontRef>
+        </p:style>
+        <p:txBody>
+          <a:bodyPr lIns="0" tIns="0" rIns="0" bIns="0" rtlCol="0" anchor="ctr"/>
+          <a:lstStyle/>
+          <a:p>
+            <a:pPr algn="ctr"/>
+            <a:r>
+              <a:rPr lang="en-US" altLang="ko-KR" sz="1200" smtClean="0">
+                <a:solidFill>
+                  <a:schemeClr val="tx1"/>
+                </a:solidFill>
+              </a:rPr>
+              <a:t>END</a:t>
+            </a:r>
+            <a:endParaRPr lang="ko-KR" altLang="en-US" sz="1200" dirty="0">
+              <a:solidFill>
+                <a:schemeClr val="tx1"/>
+              </a:solidFill>
+            </a:endParaRPr>
+          </a:p>
+        </p:txBody>
+      </p:sp>
+      <p:sp>
+        <p:nvSpPr>
+          <p:cNvPr id="9" name="순서도: 판단 8"/>
+          <p:cNvSpPr/>
+          <p:nvPr/>
+        </p:nvSpPr>
+        <p:spPr>
+          <a:xfrm>
+            <a:off x="1224236" y="2628354"/>
+            <a:ext cx="2502422" cy="504056"/>
+          </a:xfrm>
+          <a:prstGeom prst="flowChartDecision">
+            <a:avLst/>
+          </a:prstGeom>
+          <a:noFill/>
+        </p:spPr>
+        <p:style>
+          <a:lnRef idx="2">
+            <a:schemeClr val="accent1">
+              <a:shade val="50000"/>
+            </a:schemeClr>
+          </a:lnRef>
+          <a:fillRef idx="1">
+            <a:schemeClr val="accent1"/>
+          </a:fillRef>
+          <a:effectRef idx="0">
+            <a:schemeClr val="accent1"/>
+          </a:effectRef>
+          <a:fontRef idx="minor">
+            <a:schemeClr val="lt1"/>
+          </a:fontRef>
+        </p:style>
+        <p:txBody>
+          <a:bodyPr lIns="0" tIns="7324" rIns="0" bIns="7324" rtlCol="0" anchor="ctr"/>
+          <a:lstStyle/>
+          <a:p>
+            <a:pPr algn="ctr"/>
+            <a:r>
+              <a:rPr lang="en-US" altLang="ko-KR" sz="1200" smtClean="0">
+                <a:solidFill>
+                  <a:schemeClr val="tx1"/>
+                </a:solidFill>
+              </a:rPr>
+              <a:t>aTag = RADIOBTN2_TAG</a:t>
+            </a:r>
+            <a:endParaRPr lang="ko-KR" altLang="en-US" sz="1200" dirty="0">
+              <a:solidFill>
+                <a:schemeClr val="tx1"/>
+              </a:solidFill>
+            </a:endParaRPr>
+          </a:p>
+        </p:txBody>
+      </p:sp>
+      <p:sp>
+        <p:nvSpPr>
+          <p:cNvPr id="10" name="순서도: 판단 9"/>
+          <p:cNvSpPr/>
+          <p:nvPr/>
+        </p:nvSpPr>
+        <p:spPr>
+          <a:xfrm>
+            <a:off x="1224236" y="3636466"/>
+            <a:ext cx="2502422" cy="504056"/>
+          </a:xfrm>
+          <a:prstGeom prst="flowChartDecision">
+            <a:avLst/>
+          </a:prstGeom>
+          <a:noFill/>
+        </p:spPr>
+        <p:style>
+          <a:lnRef idx="2">
+            <a:schemeClr val="accent1">
+              <a:shade val="50000"/>
+            </a:schemeClr>
+          </a:lnRef>
+          <a:fillRef idx="1">
+            <a:schemeClr val="accent1"/>
+          </a:fillRef>
+          <a:effectRef idx="0">
+            <a:schemeClr val="accent1"/>
+          </a:effectRef>
+          <a:fontRef idx="minor">
+            <a:schemeClr val="lt1"/>
+          </a:fontRef>
+        </p:style>
+        <p:txBody>
+          <a:bodyPr lIns="0" tIns="7324" rIns="0" bIns="7324" rtlCol="0" anchor="ctr"/>
+          <a:lstStyle/>
+          <a:p>
+            <a:pPr algn="ctr"/>
+            <a:r>
+              <a:rPr lang="en-US" altLang="ko-KR" sz="1200" smtClean="0">
+                <a:solidFill>
+                  <a:schemeClr val="tx1"/>
+                </a:solidFill>
+              </a:rPr>
+              <a:t>aTag = CHECKBOX1_TAG</a:t>
+            </a:r>
+            <a:endParaRPr lang="ko-KR" altLang="en-US" sz="1200" dirty="0">
+              <a:solidFill>
+                <a:schemeClr val="tx1"/>
+              </a:solidFill>
+            </a:endParaRPr>
+          </a:p>
+        </p:txBody>
+      </p:sp>
+      <p:sp>
+        <p:nvSpPr>
+          <p:cNvPr id="11" name="순서도: 판단 10"/>
+          <p:cNvSpPr/>
+          <p:nvPr/>
+        </p:nvSpPr>
+        <p:spPr>
+          <a:xfrm>
+            <a:off x="1224236" y="4860602"/>
+            <a:ext cx="2502422" cy="504056"/>
+          </a:xfrm>
+          <a:prstGeom prst="flowChartDecision">
+            <a:avLst/>
+          </a:prstGeom>
+          <a:noFill/>
+        </p:spPr>
+        <p:style>
+          <a:lnRef idx="2">
+            <a:schemeClr val="accent1">
+              <a:shade val="50000"/>
+            </a:schemeClr>
+          </a:lnRef>
+          <a:fillRef idx="1">
+            <a:schemeClr val="accent1"/>
+          </a:fillRef>
+          <a:effectRef idx="0">
+            <a:schemeClr val="accent1"/>
+          </a:effectRef>
+          <a:fontRef idx="minor">
+            <a:schemeClr val="lt1"/>
+          </a:fontRef>
+        </p:style>
+        <p:txBody>
+          <a:bodyPr lIns="0" tIns="7324" rIns="0" bIns="7324" rtlCol="0" anchor="ctr"/>
+          <a:lstStyle/>
+          <a:p>
+            <a:pPr algn="ctr"/>
+            <a:r>
+              <a:rPr lang="en-US" altLang="ko-KR" sz="1200" smtClean="0">
+                <a:solidFill>
+                  <a:schemeClr val="tx1"/>
+                </a:solidFill>
+              </a:rPr>
+              <a:t>aTag = CHECKBOX2_TAG</a:t>
+            </a:r>
+            <a:endParaRPr lang="ko-KR" altLang="en-US" sz="1200" dirty="0">
+              <a:solidFill>
+                <a:schemeClr val="tx1"/>
+              </a:solidFill>
+            </a:endParaRPr>
+          </a:p>
+        </p:txBody>
+      </p:sp>
+      <p:sp>
+        <p:nvSpPr>
+          <p:cNvPr id="12" name="직사각형 11"/>
+          <p:cNvSpPr/>
+          <p:nvPr/>
+        </p:nvSpPr>
+        <p:spPr>
+          <a:xfrm rot="10800000" flipV="1">
+            <a:off x="4032548" y="2124298"/>
+            <a:ext cx="2592288" cy="468052"/>
+          </a:xfrm>
+          <a:prstGeom prst="rect">
+            <a:avLst/>
+          </a:prstGeom>
+          <a:noFill/>
+        </p:spPr>
+        <p:style>
+          <a:lnRef idx="2">
+            <a:schemeClr val="accent1">
+              <a:shade val="50000"/>
+            </a:schemeClr>
+          </a:lnRef>
+          <a:fillRef idx="1">
+            <a:schemeClr val="accent1"/>
+          </a:fillRef>
+          <a:effectRef idx="0">
+            <a:schemeClr val="accent1"/>
+          </a:effectRef>
+          <a:fontRef idx="minor">
+            <a:schemeClr val="lt1"/>
+          </a:fontRef>
+        </p:style>
+        <p:txBody>
+          <a:bodyPr lIns="0" tIns="0" rIns="0" bIns="0" rtlCol="0" anchor="ctr"/>
+          <a:lstStyle/>
+          <a:p>
+            <a:pPr algn="ctr"/>
+            <a:r>
+              <a:rPr lang="en-US" altLang="ko-KR" sz="1200" smtClean="0">
+                <a:solidFill>
+                  <a:schemeClr val="tx1"/>
+                </a:solidFill>
+              </a:rPr>
+              <a:t>SvrRadioBtn2.Checked </a:t>
+            </a:r>
+            <a:r>
+              <a:rPr lang="en-US" altLang="ko-KR" sz="1200" smtClean="0">
+                <a:solidFill>
+                  <a:schemeClr val="tx1"/>
+                </a:solidFill>
+              </a:rPr>
+              <a:t>= False</a:t>
+            </a:r>
+          </a:p>
+          <a:p>
+            <a:pPr algn="ctr"/>
+            <a:r>
+              <a:rPr lang="en-US" altLang="ko-KR" sz="1200" smtClean="0">
+                <a:solidFill>
+                  <a:schemeClr val="tx1"/>
+                </a:solidFill>
+              </a:rPr>
+              <a:t>SvrRadioBtn1.Checked </a:t>
+            </a:r>
+            <a:r>
+              <a:rPr lang="en-US" altLang="ko-KR" sz="1200" smtClean="0">
+                <a:solidFill>
+                  <a:schemeClr val="tx1"/>
+                </a:solidFill>
+              </a:rPr>
+              <a:t>= </a:t>
+            </a:r>
+            <a:r>
+              <a:rPr lang="en-US" altLang="ko-KR" sz="1200" smtClean="0">
+                <a:solidFill>
+                  <a:schemeClr val="tx1"/>
+                </a:solidFill>
+              </a:rPr>
+              <a:t>True</a:t>
+            </a:r>
+            <a:endParaRPr lang="en-US" altLang="ko-KR" sz="1200" smtClean="0">
+              <a:solidFill>
+                <a:schemeClr val="tx1"/>
+              </a:solidFill>
+            </a:endParaRPr>
+          </a:p>
+        </p:txBody>
+      </p:sp>
+      <p:sp>
+        <p:nvSpPr>
+          <p:cNvPr id="14" name="직사각형 13"/>
+          <p:cNvSpPr/>
+          <p:nvPr/>
+        </p:nvSpPr>
+        <p:spPr>
+          <a:xfrm rot="10800000" flipV="1">
+            <a:off x="4032548" y="3276426"/>
+            <a:ext cx="2592288" cy="468052"/>
+          </a:xfrm>
+          <a:prstGeom prst="rect">
+            <a:avLst/>
+          </a:prstGeom>
+          <a:noFill/>
+        </p:spPr>
+        <p:style>
+          <a:lnRef idx="2">
+            <a:schemeClr val="accent1">
+              <a:shade val="50000"/>
+            </a:schemeClr>
+          </a:lnRef>
+          <a:fillRef idx="1">
+            <a:schemeClr val="accent1"/>
+          </a:fillRef>
+          <a:effectRef idx="0">
+            <a:schemeClr val="accent1"/>
+          </a:effectRef>
+          <a:fontRef idx="minor">
+            <a:schemeClr val="lt1"/>
+          </a:fontRef>
+        </p:style>
+        <p:txBody>
+          <a:bodyPr lIns="0" tIns="0" rIns="0" bIns="0" rtlCol="0" anchor="ctr"/>
+          <a:lstStyle/>
+          <a:p>
+            <a:pPr algn="ctr"/>
+            <a:r>
+              <a:rPr lang="en-US" altLang="ko-KR" sz="1200" smtClean="0">
+                <a:solidFill>
+                  <a:schemeClr val="tx1"/>
+                </a:solidFill>
+              </a:rPr>
+              <a:t>SvrRadioBtn1.Checked = False</a:t>
+            </a:r>
+          </a:p>
+          <a:p>
+            <a:pPr algn="ctr"/>
+            <a:r>
+              <a:rPr lang="en-US" altLang="ko-KR" sz="1200" smtClean="0">
+                <a:solidFill>
+                  <a:schemeClr val="tx1"/>
+                </a:solidFill>
+              </a:rPr>
+              <a:t>SvrRadioBtn2.Checked = </a:t>
+            </a:r>
+            <a:r>
+              <a:rPr lang="en-US" altLang="ko-KR" sz="1200" smtClean="0">
+                <a:solidFill>
+                  <a:schemeClr val="tx1"/>
+                </a:solidFill>
+              </a:rPr>
+              <a:t>True</a:t>
+            </a:r>
+            <a:endParaRPr lang="en-US" altLang="ko-KR" sz="1200" smtClean="0">
+              <a:solidFill>
+                <a:schemeClr val="tx1"/>
+              </a:solidFill>
+            </a:endParaRPr>
+          </a:p>
+        </p:txBody>
+      </p:sp>
+      <p:sp>
+        <p:nvSpPr>
+          <p:cNvPr id="15" name="직사각형 14"/>
+          <p:cNvSpPr/>
+          <p:nvPr/>
+        </p:nvSpPr>
+        <p:spPr>
+          <a:xfrm rot="10800000" flipV="1">
+            <a:off x="3312468" y="4320541"/>
+            <a:ext cx="4032448" cy="468052"/>
+          </a:xfrm>
+          <a:prstGeom prst="rect">
+            <a:avLst/>
+          </a:prstGeom>
+          <a:noFill/>
+        </p:spPr>
+        <p:style>
+          <a:lnRef idx="2">
+            <a:schemeClr val="accent1">
+              <a:shade val="50000"/>
+            </a:schemeClr>
+          </a:lnRef>
+          <a:fillRef idx="1">
+            <a:schemeClr val="accent1"/>
+          </a:fillRef>
+          <a:effectRef idx="0">
+            <a:schemeClr val="accent1"/>
+          </a:effectRef>
+          <a:fontRef idx="minor">
+            <a:schemeClr val="lt1"/>
+          </a:fontRef>
+        </p:style>
+        <p:txBody>
+          <a:bodyPr lIns="0" tIns="0" rIns="0" bIns="0" rtlCol="0" anchor="ctr"/>
+          <a:lstStyle/>
+          <a:p>
+            <a:pPr algn="ctr"/>
+            <a:r>
+              <a:rPr lang="en-US" altLang="ko-KR" sz="1200" smtClean="0">
+                <a:solidFill>
+                  <a:schemeClr val="tx1"/>
+                </a:solidFill>
+              </a:rPr>
+              <a:t>SvrCheckBox1.Checked </a:t>
+            </a:r>
+            <a:r>
+              <a:rPr lang="en-US" altLang="ko-KR" sz="1200" smtClean="0">
+                <a:solidFill>
+                  <a:schemeClr val="tx1"/>
+                </a:solidFill>
+              </a:rPr>
+              <a:t>= </a:t>
+            </a:r>
+            <a:r>
+              <a:rPr lang="en-US" altLang="ko-KR" sz="1200" smtClean="0">
+                <a:solidFill>
+                  <a:schemeClr val="tx1"/>
+                </a:solidFill>
+              </a:rPr>
+              <a:t>not(SvrCheckBox1.Checked)</a:t>
+            </a:r>
+            <a:endParaRPr lang="en-US" altLang="ko-KR" sz="1200" smtClean="0">
+              <a:solidFill>
+                <a:schemeClr val="tx1"/>
+              </a:solidFill>
+            </a:endParaRPr>
+          </a:p>
+        </p:txBody>
+      </p:sp>
+      <p:sp>
+        <p:nvSpPr>
+          <p:cNvPr id="16" name="직사각형 15"/>
+          <p:cNvSpPr/>
+          <p:nvPr/>
+        </p:nvSpPr>
+        <p:spPr>
+          <a:xfrm rot="10800000" flipV="1">
+            <a:off x="3312468" y="5292650"/>
+            <a:ext cx="4032448" cy="468052"/>
+          </a:xfrm>
+          <a:prstGeom prst="rect">
+            <a:avLst/>
+          </a:prstGeom>
+          <a:noFill/>
+        </p:spPr>
+        <p:style>
+          <a:lnRef idx="2">
+            <a:schemeClr val="accent1">
+              <a:shade val="50000"/>
+            </a:schemeClr>
+          </a:lnRef>
+          <a:fillRef idx="1">
+            <a:schemeClr val="accent1"/>
+          </a:fillRef>
+          <a:effectRef idx="0">
+            <a:schemeClr val="accent1"/>
+          </a:effectRef>
+          <a:fontRef idx="minor">
+            <a:schemeClr val="lt1"/>
+          </a:fontRef>
+        </p:style>
+        <p:txBody>
+          <a:bodyPr lIns="0" tIns="0" rIns="0" bIns="0" rtlCol="0" anchor="ctr"/>
+          <a:lstStyle/>
+          <a:p>
+            <a:pPr algn="ctr"/>
+            <a:r>
+              <a:rPr lang="en-US" altLang="ko-KR" sz="1200" smtClean="0">
+                <a:solidFill>
+                  <a:schemeClr val="tx1"/>
+                </a:solidFill>
+              </a:rPr>
+              <a:t>SvrCheckBox2.Checked </a:t>
+            </a:r>
+            <a:r>
+              <a:rPr lang="en-US" altLang="ko-KR" sz="1200" smtClean="0">
+                <a:solidFill>
+                  <a:schemeClr val="tx1"/>
+                </a:solidFill>
+              </a:rPr>
+              <a:t>= </a:t>
+            </a:r>
+            <a:r>
+              <a:rPr lang="en-US" altLang="ko-KR" sz="1200" smtClean="0">
+                <a:solidFill>
+                  <a:schemeClr val="tx1"/>
+                </a:solidFill>
+              </a:rPr>
+              <a:t>not(SvrCheckBox2.Checked)</a:t>
+            </a:r>
+            <a:endParaRPr lang="en-US" altLang="ko-KR" sz="1200" smtClean="0">
+              <a:solidFill>
+                <a:schemeClr val="tx1"/>
+              </a:solidFill>
+            </a:endParaRPr>
+          </a:p>
+        </p:txBody>
+      </p:sp>
+      <p:cxnSp>
+        <p:nvCxnSpPr>
+          <p:cNvPr id="18" name="직선 화살표 연결선 17"/>
+          <p:cNvCxnSpPr>
+            <a:stCxn id="7" idx="2"/>
+            <a:endCxn id="6" idx="0"/>
+          </p:cNvCxnSpPr>
+          <p:nvPr/>
+        </p:nvCxnSpPr>
+        <p:spPr>
+          <a:xfrm>
+            <a:off x="2470209" y="1414151"/>
+            <a:ext cx="5238" cy="278099"/>
+          </a:xfrm>
+          <a:prstGeom prst="straightConnector1">
+            <a:avLst/>
+          </a:prstGeom>
+          <a:ln>
+            <a:tailEnd type="arrow"/>
+          </a:ln>
+        </p:spPr>
+        <p:style>
+          <a:lnRef idx="1">
+            <a:schemeClr val="accent1"/>
+          </a:lnRef>
+          <a:fillRef idx="0">
+            <a:schemeClr val="accent1"/>
+          </a:fillRef>
+          <a:effectRef idx="0">
+            <a:schemeClr val="accent1"/>
+          </a:effectRef>
+          <a:fontRef idx="minor">
+            <a:schemeClr val="tx1"/>
+          </a:fontRef>
+        </p:style>
+      </p:cxnSp>
+      <p:cxnSp>
+        <p:nvCxnSpPr>
+          <p:cNvPr id="20" name="직선 화살표 연결선 19"/>
+          <p:cNvCxnSpPr>
+            <a:stCxn id="11" idx="2"/>
+            <a:endCxn id="8" idx="0"/>
+          </p:cNvCxnSpPr>
+          <p:nvPr/>
+        </p:nvCxnSpPr>
+        <p:spPr>
+          <a:xfrm>
+            <a:off x="2475447" y="5364658"/>
+            <a:ext cx="10002" cy="772222"/>
+          </a:xfrm>
+          <a:prstGeom prst="straightConnector1">
+            <a:avLst/>
+          </a:prstGeom>
+          <a:ln>
+            <a:tailEnd type="arrow"/>
+          </a:ln>
+        </p:spPr>
+        <p:style>
+          <a:lnRef idx="1">
+            <a:schemeClr val="accent1"/>
+          </a:lnRef>
+          <a:fillRef idx="0">
+            <a:schemeClr val="accent1"/>
+          </a:fillRef>
+          <a:effectRef idx="0">
+            <a:schemeClr val="accent1"/>
+          </a:effectRef>
+          <a:fontRef idx="minor">
+            <a:schemeClr val="tx1"/>
+          </a:fontRef>
+        </p:style>
+      </p:cxnSp>
+      <p:cxnSp>
+        <p:nvCxnSpPr>
+          <p:cNvPr id="23" name="직선 화살표 연결선 22"/>
+          <p:cNvCxnSpPr>
+            <a:stCxn id="6" idx="2"/>
+            <a:endCxn id="9" idx="0"/>
+          </p:cNvCxnSpPr>
+          <p:nvPr/>
+        </p:nvCxnSpPr>
+        <p:spPr>
+          <a:xfrm>
+            <a:off x="2475447" y="2196306"/>
+            <a:ext cx="0" cy="432048"/>
+          </a:xfrm>
+          <a:prstGeom prst="straightConnector1">
+            <a:avLst/>
+          </a:prstGeom>
+          <a:ln>
+            <a:tailEnd type="arrow"/>
+          </a:ln>
+        </p:spPr>
+        <p:style>
+          <a:lnRef idx="1">
+            <a:schemeClr val="accent1"/>
+          </a:lnRef>
+          <a:fillRef idx="0">
+            <a:schemeClr val="accent1"/>
+          </a:fillRef>
+          <a:effectRef idx="0">
+            <a:schemeClr val="accent1"/>
+          </a:effectRef>
+          <a:fontRef idx="minor">
+            <a:schemeClr val="tx1"/>
+          </a:fontRef>
+        </p:style>
+      </p:cxnSp>
+      <p:cxnSp>
+        <p:nvCxnSpPr>
+          <p:cNvPr id="27" name="직선 화살표 연결선 26"/>
+          <p:cNvCxnSpPr>
+            <a:stCxn id="9" idx="2"/>
+            <a:endCxn id="10" idx="0"/>
+          </p:cNvCxnSpPr>
+          <p:nvPr/>
+        </p:nvCxnSpPr>
+        <p:spPr>
+          <a:xfrm>
+            <a:off x="2475447" y="3132410"/>
+            <a:ext cx="0" cy="504056"/>
+          </a:xfrm>
+          <a:prstGeom prst="straightConnector1">
+            <a:avLst/>
+          </a:prstGeom>
+          <a:ln>
+            <a:tailEnd type="arrow"/>
+          </a:ln>
+        </p:spPr>
+        <p:style>
+          <a:lnRef idx="1">
+            <a:schemeClr val="accent1"/>
+          </a:lnRef>
+          <a:fillRef idx="0">
+            <a:schemeClr val="accent1"/>
+          </a:fillRef>
+          <a:effectRef idx="0">
+            <a:schemeClr val="accent1"/>
+          </a:effectRef>
+          <a:fontRef idx="minor">
+            <a:schemeClr val="tx1"/>
+          </a:fontRef>
+        </p:style>
+      </p:cxnSp>
+      <p:cxnSp>
+        <p:nvCxnSpPr>
+          <p:cNvPr id="29" name="직선 화살표 연결선 28"/>
+          <p:cNvCxnSpPr>
+            <a:stCxn id="10" idx="2"/>
+            <a:endCxn id="11" idx="0"/>
+          </p:cNvCxnSpPr>
+          <p:nvPr/>
+        </p:nvCxnSpPr>
+        <p:spPr>
+          <a:xfrm>
+            <a:off x="2475447" y="4140522"/>
+            <a:ext cx="0" cy="720080"/>
+          </a:xfrm>
+          <a:prstGeom prst="straightConnector1">
+            <a:avLst/>
+          </a:prstGeom>
+          <a:ln>
+            <a:tailEnd type="arrow"/>
+          </a:ln>
+        </p:spPr>
+        <p:style>
+          <a:lnRef idx="1">
+            <a:schemeClr val="accent1"/>
+          </a:lnRef>
+          <a:fillRef idx="0">
+            <a:schemeClr val="accent1"/>
+          </a:fillRef>
+          <a:effectRef idx="0">
+            <a:schemeClr val="accent1"/>
+          </a:effectRef>
+          <a:fontRef idx="minor">
+            <a:schemeClr val="tx1"/>
+          </a:fontRef>
+        </p:style>
+      </p:cxnSp>
+      <p:cxnSp>
+        <p:nvCxnSpPr>
+          <p:cNvPr id="31" name="Shape 30"/>
+          <p:cNvCxnSpPr>
+            <a:stCxn id="6" idx="3"/>
+            <a:endCxn id="12" idx="0"/>
+          </p:cNvCxnSpPr>
+          <p:nvPr/>
+        </p:nvCxnSpPr>
+        <p:spPr>
+          <a:xfrm>
+            <a:off x="3726658" y="1944278"/>
+            <a:ext cx="1602034" cy="180020"/>
+          </a:xfrm>
+          <a:prstGeom prst="bentConnector2">
+            <a:avLst/>
+          </a:prstGeom>
+          <a:ln>
+            <a:tailEnd type="arrow"/>
+          </a:ln>
+        </p:spPr>
+        <p:style>
+          <a:lnRef idx="1">
+            <a:schemeClr val="accent1"/>
+          </a:lnRef>
+          <a:fillRef idx="0">
+            <a:schemeClr val="accent1"/>
+          </a:fillRef>
+          <a:effectRef idx="0">
+            <a:schemeClr val="accent1"/>
+          </a:effectRef>
+          <a:fontRef idx="minor">
+            <a:schemeClr val="tx1"/>
+          </a:fontRef>
+        </p:style>
+      </p:cxnSp>
+      <p:cxnSp>
+        <p:nvCxnSpPr>
+          <p:cNvPr id="33" name="Shape 32"/>
+          <p:cNvCxnSpPr>
+            <a:stCxn id="9" idx="3"/>
+            <a:endCxn id="14" idx="0"/>
+          </p:cNvCxnSpPr>
+          <p:nvPr/>
+        </p:nvCxnSpPr>
+        <p:spPr>
+          <a:xfrm>
+            <a:off x="3726658" y="2880382"/>
+            <a:ext cx="1602034" cy="396044"/>
+          </a:xfrm>
+          <a:prstGeom prst="bentConnector2">
+            <a:avLst/>
+          </a:prstGeom>
+          <a:ln>
+            <a:tailEnd type="arrow"/>
+          </a:ln>
+        </p:spPr>
+        <p:style>
+          <a:lnRef idx="1">
+            <a:schemeClr val="accent1"/>
+          </a:lnRef>
+          <a:fillRef idx="0">
+            <a:schemeClr val="accent1"/>
+          </a:fillRef>
+          <a:effectRef idx="0">
+            <a:schemeClr val="accent1"/>
+          </a:effectRef>
+          <a:fontRef idx="minor">
+            <a:schemeClr val="tx1"/>
+          </a:fontRef>
+        </p:style>
+      </p:cxnSp>
+      <p:cxnSp>
+        <p:nvCxnSpPr>
+          <p:cNvPr id="35" name="Shape 34"/>
+          <p:cNvCxnSpPr>
+            <a:stCxn id="10" idx="3"/>
+            <a:endCxn id="15" idx="0"/>
+          </p:cNvCxnSpPr>
+          <p:nvPr/>
+        </p:nvCxnSpPr>
+        <p:spPr>
+          <a:xfrm>
+            <a:off x="3726658" y="3888494"/>
+            <a:ext cx="1602034" cy="432047"/>
+          </a:xfrm>
+          <a:prstGeom prst="bentConnector2">
+            <a:avLst/>
+          </a:prstGeom>
+          <a:ln>
+            <a:tailEnd type="arrow"/>
+          </a:ln>
+        </p:spPr>
+        <p:style>
+          <a:lnRef idx="1">
+            <a:schemeClr val="accent1"/>
+          </a:lnRef>
+          <a:fillRef idx="0">
+            <a:schemeClr val="accent1"/>
+          </a:fillRef>
+          <a:effectRef idx="0">
+            <a:schemeClr val="accent1"/>
+          </a:effectRef>
+          <a:fontRef idx="minor">
+            <a:schemeClr val="tx1"/>
+          </a:fontRef>
+        </p:style>
+      </p:cxnSp>
+      <p:cxnSp>
+        <p:nvCxnSpPr>
+          <p:cNvPr id="37" name="Shape 36"/>
+          <p:cNvCxnSpPr>
+            <a:stCxn id="11" idx="3"/>
+            <a:endCxn id="16" idx="0"/>
+          </p:cNvCxnSpPr>
+          <p:nvPr/>
+        </p:nvCxnSpPr>
+        <p:spPr>
+          <a:xfrm>
+            <a:off x="3726658" y="5112630"/>
+            <a:ext cx="1602034" cy="180020"/>
+          </a:xfrm>
+          <a:prstGeom prst="bentConnector2">
+            <a:avLst/>
+          </a:prstGeom>
+          <a:ln>
+            <a:tailEnd type="arrow"/>
+          </a:ln>
+        </p:spPr>
+        <p:style>
+          <a:lnRef idx="1">
+            <a:schemeClr val="accent1"/>
+          </a:lnRef>
+          <a:fillRef idx="0">
+            <a:schemeClr val="accent1"/>
+          </a:fillRef>
+          <a:effectRef idx="0">
+            <a:schemeClr val="accent1"/>
+          </a:effectRef>
+          <a:fontRef idx="minor">
+            <a:schemeClr val="tx1"/>
+          </a:fontRef>
+        </p:style>
+      </p:cxnSp>
+      <p:cxnSp>
+        <p:nvCxnSpPr>
+          <p:cNvPr id="42" name="Shape 41"/>
+          <p:cNvCxnSpPr>
+            <a:stCxn id="16" idx="2"/>
+          </p:cNvCxnSpPr>
+          <p:nvPr/>
+        </p:nvCxnSpPr>
+        <p:spPr>
+          <a:xfrm rot="5400000">
+            <a:off x="3870530" y="4482560"/>
+            <a:ext cx="180020" cy="2736304"/>
+          </a:xfrm>
+          <a:prstGeom prst="bentConnector2">
+            <a:avLst/>
+          </a:prstGeom>
+          <a:ln>
+            <a:tailEnd type="arrow"/>
+          </a:ln>
+        </p:spPr>
+        <p:style>
+          <a:lnRef idx="1">
+            <a:schemeClr val="accent1"/>
+          </a:lnRef>
+          <a:fillRef idx="0">
+            <a:schemeClr val="accent1"/>
+          </a:fillRef>
+          <a:effectRef idx="0">
+            <a:schemeClr val="accent1"/>
+          </a:effectRef>
+          <a:fontRef idx="minor">
+            <a:schemeClr val="tx1"/>
+          </a:fontRef>
+        </p:style>
+      </p:cxnSp>
+      <p:sp>
+        <p:nvSpPr>
+          <p:cNvPr id="43" name="TextBox 42"/>
+          <p:cNvSpPr txBox="1"/>
+          <p:nvPr/>
+        </p:nvSpPr>
+        <p:spPr>
+          <a:xfrm>
+            <a:off x="178853" y="195844"/>
+            <a:ext cx="1232784" cy="378377"/>
+          </a:xfrm>
+          <a:prstGeom prst="rect">
+            <a:avLst/>
+          </a:prstGeom>
+          <a:noFill/>
+        </p:spPr>
+        <p:txBody>
+          <a:bodyPr wrap="none" lIns="69919" tIns="34959" rIns="69919" bIns="34959" rtlCol="0">
+            <a:spAutoFit/>
+          </a:bodyPr>
+          <a:lstStyle/>
+          <a:p>
+            <a:r>
+              <a:rPr lang="en-US" altLang="ko-KR" sz="2000" smtClean="0"/>
+              <a:t>&lt;Server&gt;</a:t>
+            </a:r>
+          </a:p>
+        </p:txBody>
+      </p:sp>
+    </p:spTree>
+  </p:cSld>
+  <p:clrMapOvr>
+    <a:masterClrMapping/>
+  </p:clrMapOvr>
+</p:sld>
+</file>
+
+<file path=ppt/slides/slide7.xml><?xml version="1.0" encoding="utf-8"?>
 <p:sld xmlns:a="http://schemas.openxmlformats.org/drawingml/2006/main" xmlns:r="http://schemas.openxmlformats.org/officeDocument/2006/relationships" xmlns:p="http://schemas.openxmlformats.org/presentationml/2006/main">
   <p:cSld>
     <p:spTree>
